--- a/QCM/QCM_04_BO_BF/images/Figures.pptx
+++ b/QCM/QCM_04_BO_BF/images/Figures.pptx
@@ -8,7 +8,11 @@
     <p:sldId id="256" r:id="rId2"/>
     <p:sldId id="258" r:id="rId3"/>
     <p:sldId id="259" r:id="rId4"/>
-    <p:sldId id="260" r:id="rId5"/>
+    <p:sldId id="262" r:id="rId5"/>
+    <p:sldId id="260" r:id="rId6"/>
+    <p:sldId id="261" r:id="rId7"/>
+    <p:sldId id="263" r:id="rId8"/>
+    <p:sldId id="264" r:id="rId9"/>
   </p:sldIdLst>
   <p:sldSz cx="12192000" cy="6858000"/>
   <p:notesSz cx="6858000" cy="9144000"/>
@@ -107,6 +111,11 @@
       </a:defRPr>
     </a:lvl9pPr>
   </p:defaultTextStyle>
+  <p:extLst>
+    <p:ext uri="{EFAFB233-063F-42B5-8137-9DF3F51BA10A}">
+      <p15:sldGuideLst xmlns:p15="http://schemas.microsoft.com/office/powerpoint/2012/main"/>
+    </p:ext>
+  </p:extLst>
 </p:presentation>
 </file>
 
@@ -3476,8 +3485,8 @@
           </p:txBody>
         </p:sp>
       </p:grpSp>
-      <mc:AlternateContent xmlns:mc="http://schemas.openxmlformats.org/markup-compatibility/2006">
-        <mc:Choice xmlns:a14="http://schemas.microsoft.com/office/drawing/2010/main" Requires="a14">
+      <mc:AlternateContent xmlns:mc="http://schemas.openxmlformats.org/markup-compatibility/2006" xmlns:a14="http://schemas.microsoft.com/office/drawing/2010/main">
+        <mc:Choice Requires="a14">
           <p:sp>
             <p:nvSpPr>
               <p:cNvPr id="9" name="Rectangle 8">
@@ -3565,7 +3574,7 @@
             </p:txBody>
           </p:sp>
         </mc:Choice>
-        <mc:Fallback>
+        <mc:Fallback xmlns="">
           <p:sp>
             <p:nvSpPr>
               <p:cNvPr id="9" name="Rectangle 8">
@@ -3617,8 +3626,8 @@
           </p:sp>
         </mc:Fallback>
       </mc:AlternateContent>
-      <mc:AlternateContent xmlns:mc="http://schemas.openxmlformats.org/markup-compatibility/2006">
-        <mc:Choice xmlns:a14="http://schemas.microsoft.com/office/drawing/2010/main" Requires="a14">
+      <mc:AlternateContent xmlns:mc="http://schemas.openxmlformats.org/markup-compatibility/2006" xmlns:a14="http://schemas.microsoft.com/office/drawing/2010/main">
+        <mc:Choice Requires="a14">
           <p:sp>
             <p:nvSpPr>
               <p:cNvPr id="10" name="Rectangle 9">
@@ -3706,7 +3715,7 @@
             </p:txBody>
           </p:sp>
         </mc:Choice>
-        <mc:Fallback>
+        <mc:Fallback xmlns="">
           <p:sp>
             <p:nvSpPr>
               <p:cNvPr id="10" name="Rectangle 9">
@@ -3758,8 +3767,8 @@
           </p:sp>
         </mc:Fallback>
       </mc:AlternateContent>
-      <mc:AlternateContent xmlns:mc="http://schemas.openxmlformats.org/markup-compatibility/2006">
-        <mc:Choice xmlns:a14="http://schemas.microsoft.com/office/drawing/2010/main" Requires="a14">
+      <mc:AlternateContent xmlns:mc="http://schemas.openxmlformats.org/markup-compatibility/2006" xmlns:a14="http://schemas.microsoft.com/office/drawing/2010/main">
+        <mc:Choice Requires="a14">
           <p:sp>
             <p:nvSpPr>
               <p:cNvPr id="11" name="Rectangle 10">
@@ -3847,7 +3856,7 @@
             </p:txBody>
           </p:sp>
         </mc:Choice>
-        <mc:Fallback>
+        <mc:Fallback xmlns="">
           <p:sp>
             <p:nvSpPr>
               <p:cNvPr id="11" name="Rectangle 10">
@@ -3899,8 +3908,8 @@
           </p:sp>
         </mc:Fallback>
       </mc:AlternateContent>
-      <mc:AlternateContent xmlns:mc="http://schemas.openxmlformats.org/markup-compatibility/2006">
-        <mc:Choice xmlns:a14="http://schemas.microsoft.com/office/drawing/2010/main" Requires="a14">
+      <mc:AlternateContent xmlns:mc="http://schemas.openxmlformats.org/markup-compatibility/2006" xmlns:a14="http://schemas.microsoft.com/office/drawing/2010/main">
+        <mc:Choice Requires="a14">
           <p:sp>
             <p:nvSpPr>
               <p:cNvPr id="12" name="Rectangle 11">
@@ -3988,7 +3997,7 @@
             </p:txBody>
           </p:sp>
         </mc:Choice>
-        <mc:Fallback>
+        <mc:Fallback xmlns="">
           <p:sp>
             <p:nvSpPr>
               <p:cNvPr id="12" name="Rectangle 11">
@@ -4040,8 +4049,8 @@
           </p:sp>
         </mc:Fallback>
       </mc:AlternateContent>
-      <mc:AlternateContent xmlns:mc="http://schemas.openxmlformats.org/markup-compatibility/2006">
-        <mc:Choice xmlns:a14="http://schemas.microsoft.com/office/drawing/2010/main" Requires="a14">
+      <mc:AlternateContent xmlns:mc="http://schemas.openxmlformats.org/markup-compatibility/2006" xmlns:a14="http://schemas.microsoft.com/office/drawing/2010/main">
+        <mc:Choice Requires="a14">
           <p:sp>
             <p:nvSpPr>
               <p:cNvPr id="13" name="Rectangle 12">
@@ -4129,7 +4138,7 @@
             </p:txBody>
           </p:sp>
         </mc:Choice>
-        <mc:Fallback>
+        <mc:Fallback xmlns="">
           <p:sp>
             <p:nvSpPr>
               <p:cNvPr id="13" name="Rectangle 12">
@@ -4735,8 +4744,8 @@
           </a:fontRef>
         </p:style>
       </p:cxnSp>
-      <mc:AlternateContent xmlns:mc="http://schemas.openxmlformats.org/markup-compatibility/2006">
-        <mc:Choice xmlns:a14="http://schemas.microsoft.com/office/drawing/2010/main" Requires="a14">
+      <mc:AlternateContent xmlns:mc="http://schemas.openxmlformats.org/markup-compatibility/2006" xmlns:a14="http://schemas.microsoft.com/office/drawing/2010/main">
+        <mc:Choice Requires="a14">
           <p:sp>
             <p:nvSpPr>
               <p:cNvPr id="46" name="ZoneTexte 45">
@@ -4765,6 +4774,7 @@
               </a:bodyPr>
               <a:lstStyle/>
               <a:p>
+                <a:pPr/>
                 <a14:m>
                   <m:oMathPara xmlns:m="http://schemas.openxmlformats.org/officeDocument/2006/math">
                     <m:oMathParaPr>
@@ -4803,7 +4813,7 @@
             </p:txBody>
           </p:sp>
         </mc:Choice>
-        <mc:Fallback>
+        <mc:Fallback xmlns="">
           <p:sp>
             <p:nvSpPr>
               <p:cNvPr id="46" name="ZoneTexte 45">
@@ -4848,8 +4858,8 @@
           </p:sp>
         </mc:Fallback>
       </mc:AlternateContent>
-      <mc:AlternateContent xmlns:mc="http://schemas.openxmlformats.org/markup-compatibility/2006">
-        <mc:Choice xmlns:a14="http://schemas.microsoft.com/office/drawing/2010/main" Requires="a14">
+      <mc:AlternateContent xmlns:mc="http://schemas.openxmlformats.org/markup-compatibility/2006" xmlns:a14="http://schemas.microsoft.com/office/drawing/2010/main">
+        <mc:Choice Requires="a14">
           <p:sp>
             <p:nvSpPr>
               <p:cNvPr id="47" name="ZoneTexte 46">
@@ -4878,6 +4888,7 @@
               </a:bodyPr>
               <a:lstStyle/>
               <a:p>
+                <a:pPr/>
                 <a14:m>
                   <m:oMathPara xmlns:m="http://schemas.openxmlformats.org/officeDocument/2006/math">
                     <m:oMathParaPr>
@@ -4916,7 +4927,7 @@
             </p:txBody>
           </p:sp>
         </mc:Choice>
-        <mc:Fallback>
+        <mc:Fallback xmlns="">
           <p:sp>
             <p:nvSpPr>
               <p:cNvPr id="47" name="ZoneTexte 46">
@@ -4991,8 +5002,8 @@
           <a:chExt cx="0" cy="0"/>
         </a:xfrm>
       </p:grpSpPr>
-      <mc:AlternateContent xmlns:mc="http://schemas.openxmlformats.org/markup-compatibility/2006">
-        <mc:Choice xmlns:a14="http://schemas.microsoft.com/office/drawing/2010/main" Requires="a14">
+      <mc:AlternateContent xmlns:mc="http://schemas.openxmlformats.org/markup-compatibility/2006" xmlns:a14="http://schemas.microsoft.com/office/drawing/2010/main">
+        <mc:Choice Requires="a14">
           <p:sp>
             <p:nvSpPr>
               <p:cNvPr id="9" name="Rectangle 8">
@@ -5080,7 +5091,7 @@
             </p:txBody>
           </p:sp>
         </mc:Choice>
-        <mc:Fallback>
+        <mc:Fallback xmlns="">
           <p:sp>
             <p:nvSpPr>
               <p:cNvPr id="9" name="Rectangle 8">
@@ -5132,8 +5143,8 @@
           </p:sp>
         </mc:Fallback>
       </mc:AlternateContent>
-      <mc:AlternateContent xmlns:mc="http://schemas.openxmlformats.org/markup-compatibility/2006">
-        <mc:Choice xmlns:a14="http://schemas.microsoft.com/office/drawing/2010/main" Requires="a14">
+      <mc:AlternateContent xmlns:mc="http://schemas.openxmlformats.org/markup-compatibility/2006" xmlns:a14="http://schemas.microsoft.com/office/drawing/2010/main">
+        <mc:Choice Requires="a14">
           <p:sp>
             <p:nvSpPr>
               <p:cNvPr id="10" name="Rectangle 9">
@@ -5221,7 +5232,7 @@
             </p:txBody>
           </p:sp>
         </mc:Choice>
-        <mc:Fallback>
+        <mc:Fallback xmlns="">
           <p:sp>
             <p:nvSpPr>
               <p:cNvPr id="10" name="Rectangle 9">
@@ -5273,8 +5284,8 @@
           </p:sp>
         </mc:Fallback>
       </mc:AlternateContent>
-      <mc:AlternateContent xmlns:mc="http://schemas.openxmlformats.org/markup-compatibility/2006">
-        <mc:Choice xmlns:a14="http://schemas.microsoft.com/office/drawing/2010/main" Requires="a14">
+      <mc:AlternateContent xmlns:mc="http://schemas.openxmlformats.org/markup-compatibility/2006" xmlns:a14="http://schemas.microsoft.com/office/drawing/2010/main">
+        <mc:Choice Requires="a14">
           <p:sp>
             <p:nvSpPr>
               <p:cNvPr id="11" name="Rectangle 10">
@@ -5362,7 +5373,7 @@
             </p:txBody>
           </p:sp>
         </mc:Choice>
-        <mc:Fallback>
+        <mc:Fallback xmlns="">
           <p:sp>
             <p:nvSpPr>
               <p:cNvPr id="11" name="Rectangle 10">
@@ -5414,8 +5425,8 @@
           </p:sp>
         </mc:Fallback>
       </mc:AlternateContent>
-      <mc:AlternateContent xmlns:mc="http://schemas.openxmlformats.org/markup-compatibility/2006">
-        <mc:Choice xmlns:a14="http://schemas.microsoft.com/office/drawing/2010/main" Requires="a14">
+      <mc:AlternateContent xmlns:mc="http://schemas.openxmlformats.org/markup-compatibility/2006" xmlns:a14="http://schemas.microsoft.com/office/drawing/2010/main">
+        <mc:Choice Requires="a14">
           <p:sp>
             <p:nvSpPr>
               <p:cNvPr id="12" name="Rectangle 11">
@@ -5503,7 +5514,7 @@
             </p:txBody>
           </p:sp>
         </mc:Choice>
-        <mc:Fallback>
+        <mc:Fallback xmlns="">
           <p:sp>
             <p:nvSpPr>
               <p:cNvPr id="12" name="Rectangle 11">
@@ -5555,8 +5566,8 @@
           </p:sp>
         </mc:Fallback>
       </mc:AlternateContent>
-      <mc:AlternateContent xmlns:mc="http://schemas.openxmlformats.org/markup-compatibility/2006">
-        <mc:Choice xmlns:a14="http://schemas.microsoft.com/office/drawing/2010/main" Requires="a14">
+      <mc:AlternateContent xmlns:mc="http://schemas.openxmlformats.org/markup-compatibility/2006" xmlns:a14="http://schemas.microsoft.com/office/drawing/2010/main">
+        <mc:Choice Requires="a14">
           <p:sp>
             <p:nvSpPr>
               <p:cNvPr id="13" name="Rectangle 12">
@@ -5644,7 +5655,7 @@
             </p:txBody>
           </p:sp>
         </mc:Choice>
-        <mc:Fallback>
+        <mc:Fallback xmlns="">
           <p:sp>
             <p:nvSpPr>
               <p:cNvPr id="13" name="Rectangle 12">
@@ -5806,8 +5817,8 @@
           </a:fontRef>
         </p:style>
       </p:cxnSp>
-      <mc:AlternateContent xmlns:mc="http://schemas.openxmlformats.org/markup-compatibility/2006">
-        <mc:Choice xmlns:a14="http://schemas.microsoft.com/office/drawing/2010/main" Requires="a14">
+      <mc:AlternateContent xmlns:mc="http://schemas.openxmlformats.org/markup-compatibility/2006" xmlns:a14="http://schemas.microsoft.com/office/drawing/2010/main">
+        <mc:Choice Requires="a14">
           <p:sp>
             <p:nvSpPr>
               <p:cNvPr id="46" name="ZoneTexte 45">
@@ -5836,6 +5847,7 @@
               </a:bodyPr>
               <a:lstStyle/>
               <a:p>
+                <a:pPr/>
                 <a14:m>
                   <m:oMathPara xmlns:m="http://schemas.openxmlformats.org/officeDocument/2006/math">
                     <m:oMathParaPr>
@@ -5874,7 +5886,7 @@
             </p:txBody>
           </p:sp>
         </mc:Choice>
-        <mc:Fallback>
+        <mc:Fallback xmlns="">
           <p:sp>
             <p:nvSpPr>
               <p:cNvPr id="46" name="ZoneTexte 45">
@@ -5919,8 +5931,8 @@
           </p:sp>
         </mc:Fallback>
       </mc:AlternateContent>
-      <mc:AlternateContent xmlns:mc="http://schemas.openxmlformats.org/markup-compatibility/2006">
-        <mc:Choice xmlns:a14="http://schemas.microsoft.com/office/drawing/2010/main" Requires="a14">
+      <mc:AlternateContent xmlns:mc="http://schemas.openxmlformats.org/markup-compatibility/2006" xmlns:a14="http://schemas.microsoft.com/office/drawing/2010/main">
+        <mc:Choice Requires="a14">
           <p:sp>
             <p:nvSpPr>
               <p:cNvPr id="47" name="ZoneTexte 46">
@@ -5949,6 +5961,7 @@
               </a:bodyPr>
               <a:lstStyle/>
               <a:p>
+                <a:pPr/>
                 <a14:m>
                   <m:oMathPara xmlns:m="http://schemas.openxmlformats.org/officeDocument/2006/math">
                     <m:oMathParaPr>
@@ -5987,7 +6000,7 @@
             </p:txBody>
           </p:sp>
         </mc:Choice>
-        <mc:Fallback>
+        <mc:Fallback xmlns="">
           <p:sp>
             <p:nvSpPr>
               <p:cNvPr id="47" name="ZoneTexte 46">
@@ -6533,8 +6546,8 @@
           <a:chExt cx="0" cy="0"/>
         </a:xfrm>
       </p:grpSpPr>
-      <mc:AlternateContent xmlns:mc="http://schemas.openxmlformats.org/markup-compatibility/2006">
-        <mc:Choice xmlns:a14="http://schemas.microsoft.com/office/drawing/2010/main" Requires="a14">
+      <mc:AlternateContent xmlns:mc="http://schemas.openxmlformats.org/markup-compatibility/2006" xmlns:a14="http://schemas.microsoft.com/office/drawing/2010/main">
+        <mc:Choice Requires="a14">
           <p:sp>
             <p:nvSpPr>
               <p:cNvPr id="9" name="Rectangle 8">
@@ -6622,7 +6635,7 @@
             </p:txBody>
           </p:sp>
         </mc:Choice>
-        <mc:Fallback>
+        <mc:Fallback xmlns="">
           <p:sp>
             <p:nvSpPr>
               <p:cNvPr id="9" name="Rectangle 8">
@@ -6674,8 +6687,8 @@
           </p:sp>
         </mc:Fallback>
       </mc:AlternateContent>
-      <mc:AlternateContent xmlns:mc="http://schemas.openxmlformats.org/markup-compatibility/2006">
-        <mc:Choice xmlns:a14="http://schemas.microsoft.com/office/drawing/2010/main" Requires="a14">
+      <mc:AlternateContent xmlns:mc="http://schemas.openxmlformats.org/markup-compatibility/2006" xmlns:a14="http://schemas.microsoft.com/office/drawing/2010/main">
+        <mc:Choice Requires="a14">
           <p:sp>
             <p:nvSpPr>
               <p:cNvPr id="10" name="Rectangle 9">
@@ -6763,7 +6776,7 @@
             </p:txBody>
           </p:sp>
         </mc:Choice>
-        <mc:Fallback>
+        <mc:Fallback xmlns="">
           <p:sp>
             <p:nvSpPr>
               <p:cNvPr id="10" name="Rectangle 9">
@@ -6815,8 +6828,8 @@
           </p:sp>
         </mc:Fallback>
       </mc:AlternateContent>
-      <mc:AlternateContent xmlns:mc="http://schemas.openxmlformats.org/markup-compatibility/2006">
-        <mc:Choice xmlns:a14="http://schemas.microsoft.com/office/drawing/2010/main" Requires="a14">
+      <mc:AlternateContent xmlns:mc="http://schemas.openxmlformats.org/markup-compatibility/2006" xmlns:a14="http://schemas.microsoft.com/office/drawing/2010/main">
+        <mc:Choice Requires="a14">
           <p:sp>
             <p:nvSpPr>
               <p:cNvPr id="11" name="Rectangle 10">
@@ -6904,7 +6917,7 @@
             </p:txBody>
           </p:sp>
         </mc:Choice>
-        <mc:Fallback>
+        <mc:Fallback xmlns="">
           <p:sp>
             <p:nvSpPr>
               <p:cNvPr id="11" name="Rectangle 10">
@@ -6956,8 +6969,8 @@
           </p:sp>
         </mc:Fallback>
       </mc:AlternateContent>
-      <mc:AlternateContent xmlns:mc="http://schemas.openxmlformats.org/markup-compatibility/2006">
-        <mc:Choice xmlns:a14="http://schemas.microsoft.com/office/drawing/2010/main" Requires="a14">
+      <mc:AlternateContent xmlns:mc="http://schemas.openxmlformats.org/markup-compatibility/2006" xmlns:a14="http://schemas.microsoft.com/office/drawing/2010/main">
+        <mc:Choice Requires="a14">
           <p:sp>
             <p:nvSpPr>
               <p:cNvPr id="12" name="Rectangle 11">
@@ -7045,7 +7058,7 @@
             </p:txBody>
           </p:sp>
         </mc:Choice>
-        <mc:Fallback>
+        <mc:Fallback xmlns="">
           <p:sp>
             <p:nvSpPr>
               <p:cNvPr id="12" name="Rectangle 11">
@@ -7207,8 +7220,8 @@
           </a:fontRef>
         </p:style>
       </p:cxnSp>
-      <mc:AlternateContent xmlns:mc="http://schemas.openxmlformats.org/markup-compatibility/2006">
-        <mc:Choice xmlns:a14="http://schemas.microsoft.com/office/drawing/2010/main" Requires="a14">
+      <mc:AlternateContent xmlns:mc="http://schemas.openxmlformats.org/markup-compatibility/2006" xmlns:a14="http://schemas.microsoft.com/office/drawing/2010/main">
+        <mc:Choice Requires="a14">
           <p:sp>
             <p:nvSpPr>
               <p:cNvPr id="46" name="ZoneTexte 45">
@@ -7237,6 +7250,7 @@
               </a:bodyPr>
               <a:lstStyle/>
               <a:p>
+                <a:pPr/>
                 <a14:m>
                   <m:oMathPara xmlns:m="http://schemas.openxmlformats.org/officeDocument/2006/math">
                     <m:oMathParaPr>
@@ -7275,7 +7289,7 @@
             </p:txBody>
           </p:sp>
         </mc:Choice>
-        <mc:Fallback>
+        <mc:Fallback xmlns="">
           <p:sp>
             <p:nvSpPr>
               <p:cNvPr id="46" name="ZoneTexte 45">
@@ -7320,8 +7334,8 @@
           </p:sp>
         </mc:Fallback>
       </mc:AlternateContent>
-      <mc:AlternateContent xmlns:mc="http://schemas.openxmlformats.org/markup-compatibility/2006">
-        <mc:Choice xmlns:a14="http://schemas.microsoft.com/office/drawing/2010/main" Requires="a14">
+      <mc:AlternateContent xmlns:mc="http://schemas.openxmlformats.org/markup-compatibility/2006" xmlns:a14="http://schemas.microsoft.com/office/drawing/2010/main">
+        <mc:Choice Requires="a14">
           <p:sp>
             <p:nvSpPr>
               <p:cNvPr id="47" name="ZoneTexte 46">
@@ -7350,6 +7364,7 @@
               </a:bodyPr>
               <a:lstStyle/>
               <a:p>
+                <a:pPr/>
                 <a14:m>
                   <m:oMathPara xmlns:m="http://schemas.openxmlformats.org/officeDocument/2006/math">
                     <m:oMathParaPr>
@@ -7388,7 +7403,7 @@
             </p:txBody>
           </p:sp>
         </mc:Choice>
-        <mc:Fallback>
+        <mc:Fallback xmlns="">
           <p:sp>
             <p:nvSpPr>
               <p:cNvPr id="47" name="ZoneTexte 46">
@@ -8374,8 +8389,8 @@
           <a:chExt cx="0" cy="0"/>
         </a:xfrm>
       </p:grpSpPr>
-      <mc:AlternateContent xmlns:mc="http://schemas.openxmlformats.org/markup-compatibility/2006">
-        <mc:Choice xmlns:a14="http://schemas.microsoft.com/office/drawing/2010/main" Requires="a14">
+      <mc:AlternateContent xmlns:mc="http://schemas.openxmlformats.org/markup-compatibility/2006" xmlns:a14="http://schemas.microsoft.com/office/drawing/2010/main">
+        <mc:Choice Requires="a14">
           <p:sp>
             <p:nvSpPr>
               <p:cNvPr id="9" name="Rectangle 8">
@@ -8390,7 +8405,7 @@
             </p:nvSpPr>
             <p:spPr>
               <a:xfrm>
-                <a:off x="2985130" y="3432759"/>
+                <a:off x="2497578" y="3432759"/>
                 <a:ext cx="540000" cy="252000"/>
               </a:xfrm>
               <a:prstGeom prst="rect">
@@ -8463,7 +8478,7 @@
             </p:txBody>
           </p:sp>
         </mc:Choice>
-        <mc:Fallback>
+        <mc:Fallback xmlns="">
           <p:sp>
             <p:nvSpPr>
               <p:cNvPr id="9" name="Rectangle 8">
@@ -8480,7 +8495,7 @@
             </p:nvSpPr>
             <p:spPr>
               <a:xfrm>
-                <a:off x="2985130" y="3432759"/>
+                <a:off x="2497578" y="3432759"/>
                 <a:ext cx="540000" cy="252000"/>
               </a:xfrm>
               <a:prstGeom prst="rect">
@@ -8515,8 +8530,8 @@
           </p:sp>
         </mc:Fallback>
       </mc:AlternateContent>
-      <mc:AlternateContent xmlns:mc="http://schemas.openxmlformats.org/markup-compatibility/2006">
-        <mc:Choice xmlns:a14="http://schemas.microsoft.com/office/drawing/2010/main" Requires="a14">
+      <mc:AlternateContent xmlns:mc="http://schemas.openxmlformats.org/markup-compatibility/2006" xmlns:a14="http://schemas.microsoft.com/office/drawing/2010/main">
+        <mc:Choice Requires="a14">
           <p:sp>
             <p:nvSpPr>
               <p:cNvPr id="10" name="Rectangle 9">
@@ -8531,7 +8546,7 @@
             </p:nvSpPr>
             <p:spPr>
               <a:xfrm>
-                <a:off x="3884968" y="3432759"/>
+                <a:off x="3309239" y="3432759"/>
                 <a:ext cx="540000" cy="252000"/>
               </a:xfrm>
               <a:prstGeom prst="rect">
@@ -8604,7 +8619,7 @@
             </p:txBody>
           </p:sp>
         </mc:Choice>
-        <mc:Fallback>
+        <mc:Fallback xmlns="">
           <p:sp>
             <p:nvSpPr>
               <p:cNvPr id="10" name="Rectangle 9">
@@ -8621,7 +8636,7 @@
             </p:nvSpPr>
             <p:spPr>
               <a:xfrm>
-                <a:off x="3884968" y="3432759"/>
+                <a:off x="3309239" y="3432759"/>
                 <a:ext cx="540000" cy="252000"/>
               </a:xfrm>
               <a:prstGeom prst="rect">
@@ -8656,8 +8671,8 @@
           </p:sp>
         </mc:Fallback>
       </mc:AlternateContent>
-      <mc:AlternateContent xmlns:mc="http://schemas.openxmlformats.org/markup-compatibility/2006">
-        <mc:Choice xmlns:a14="http://schemas.microsoft.com/office/drawing/2010/main" Requires="a14">
+      <mc:AlternateContent xmlns:mc="http://schemas.openxmlformats.org/markup-compatibility/2006" xmlns:a14="http://schemas.microsoft.com/office/drawing/2010/main">
+        <mc:Choice Requires="a14">
           <p:sp>
             <p:nvSpPr>
               <p:cNvPr id="11" name="Rectangle 10">
@@ -8672,7 +8687,7 @@
             </p:nvSpPr>
             <p:spPr>
               <a:xfrm>
-                <a:off x="4696629" y="3432759"/>
+                <a:off x="4120900" y="3432759"/>
                 <a:ext cx="540000" cy="252000"/>
               </a:xfrm>
               <a:prstGeom prst="rect">
@@ -8745,7 +8760,7 @@
             </p:txBody>
           </p:sp>
         </mc:Choice>
-        <mc:Fallback>
+        <mc:Fallback xmlns="">
           <p:sp>
             <p:nvSpPr>
               <p:cNvPr id="11" name="Rectangle 10">
@@ -8762,7 +8777,7 @@
             </p:nvSpPr>
             <p:spPr>
               <a:xfrm>
-                <a:off x="4696629" y="3432759"/>
+                <a:off x="4120900" y="3432759"/>
                 <a:ext cx="540000" cy="252000"/>
               </a:xfrm>
               <a:prstGeom prst="rect">
@@ -8797,8 +8812,8 @@
           </p:sp>
         </mc:Fallback>
       </mc:AlternateContent>
-      <mc:AlternateContent xmlns:mc="http://schemas.openxmlformats.org/markup-compatibility/2006">
-        <mc:Choice xmlns:a14="http://schemas.microsoft.com/office/drawing/2010/main" Requires="a14">
+      <mc:AlternateContent xmlns:mc="http://schemas.openxmlformats.org/markup-compatibility/2006" xmlns:a14="http://schemas.microsoft.com/office/drawing/2010/main">
+        <mc:Choice Requires="a14">
           <p:sp>
             <p:nvSpPr>
               <p:cNvPr id="12" name="Rectangle 11">
@@ -8886,7 +8901,7 @@
             </p:txBody>
           </p:sp>
         </mc:Choice>
-        <mc:Fallback>
+        <mc:Fallback xmlns="">
           <p:sp>
             <p:nvSpPr>
               <p:cNvPr id="12" name="Rectangle 11">
@@ -9009,7 +9024,7 @@
         </p:nvCxnSpPr>
         <p:spPr>
           <a:xfrm flipV="1">
-            <a:off x="5324806" y="3555334"/>
+            <a:off x="4749077" y="3555334"/>
             <a:ext cx="0" cy="460682"/>
           </a:xfrm>
           <a:prstGeom prst="straightConnector1">
@@ -9048,8 +9063,8 @@
           </a:fontRef>
         </p:style>
       </p:cxnSp>
-      <mc:AlternateContent xmlns:mc="http://schemas.openxmlformats.org/markup-compatibility/2006">
-        <mc:Choice xmlns:a14="http://schemas.microsoft.com/office/drawing/2010/main" Requires="a14">
+      <mc:AlternateContent xmlns:mc="http://schemas.openxmlformats.org/markup-compatibility/2006" xmlns:a14="http://schemas.microsoft.com/office/drawing/2010/main">
+        <mc:Choice Requires="a14">
           <p:sp>
             <p:nvSpPr>
               <p:cNvPr id="46" name="ZoneTexte 45">
@@ -9078,6 +9093,7 @@
               </a:bodyPr>
               <a:lstStyle/>
               <a:p>
+                <a:pPr/>
                 <a14:m>
                   <m:oMathPara xmlns:m="http://schemas.openxmlformats.org/officeDocument/2006/math">
                     <m:oMathParaPr>
@@ -9116,7 +9132,7 @@
             </p:txBody>
           </p:sp>
         </mc:Choice>
-        <mc:Fallback>
+        <mc:Fallback xmlns="">
           <p:sp>
             <p:nvSpPr>
               <p:cNvPr id="46" name="ZoneTexte 45">
@@ -9161,8 +9177,8 @@
           </p:sp>
         </mc:Fallback>
       </mc:AlternateContent>
-      <mc:AlternateContent xmlns:mc="http://schemas.openxmlformats.org/markup-compatibility/2006">
-        <mc:Choice xmlns:a14="http://schemas.microsoft.com/office/drawing/2010/main" Requires="a14">
+      <mc:AlternateContent xmlns:mc="http://schemas.openxmlformats.org/markup-compatibility/2006" xmlns:a14="http://schemas.microsoft.com/office/drawing/2010/main">
+        <mc:Choice Requires="a14">
           <p:sp>
             <p:nvSpPr>
               <p:cNvPr id="47" name="ZoneTexte 46">
@@ -9177,7 +9193,7 @@
             </p:nvSpPr>
             <p:spPr>
               <a:xfrm>
-                <a:off x="5433435" y="3318588"/>
+                <a:off x="4857706" y="3318588"/>
                 <a:ext cx="336695" cy="184666"/>
               </a:xfrm>
               <a:prstGeom prst="rect">
@@ -9191,6 +9207,7 @@
               </a:bodyPr>
               <a:lstStyle/>
               <a:p>
+                <a:pPr/>
                 <a14:m>
                   <m:oMathPara xmlns:m="http://schemas.openxmlformats.org/officeDocument/2006/math">
                     <m:oMathParaPr>
@@ -9229,7 +9246,7 @@
             </p:txBody>
           </p:sp>
         </mc:Choice>
-        <mc:Fallback>
+        <mc:Fallback xmlns="">
           <p:sp>
             <p:nvSpPr>
               <p:cNvPr id="47" name="ZoneTexte 46">
@@ -9246,7 +9263,7 @@
             </p:nvSpPr>
             <p:spPr>
               <a:xfrm>
-                <a:off x="5433435" y="3318588"/>
+                <a:off x="4857706" y="3318588"/>
                 <a:ext cx="336695" cy="184666"/>
               </a:xfrm>
               <a:prstGeom prst="rect">
@@ -9255,7 +9272,7 @@
               <a:blipFill>
                 <a:blip r:embed="rId7"/>
                 <a:stretch>
-                  <a:fillRect l="-10714" t="-3226" r="-16071" b="-35484"/>
+                  <a:fillRect l="-10909" t="-3226" r="-16364" b="-35484"/>
                 </a:stretch>
               </a:blipFill>
             </p:spPr>
@@ -9345,7 +9362,7 @@
         </p:nvCxnSpPr>
         <p:spPr>
           <a:xfrm>
-            <a:off x="4424968" y="3558759"/>
+            <a:off x="3849239" y="3558759"/>
             <a:ext cx="271661" cy="0"/>
           </a:xfrm>
           <a:prstGeom prst="straightConnector1">
@@ -9395,14 +9412,13 @@
           </p:cNvPr>
           <p:cNvCxnSpPr>
             <a:cxnSpLocks/>
-            <a:stCxn id="9" idx="3"/>
           </p:cNvCxnSpPr>
           <p:nvPr/>
         </p:nvCxnSpPr>
         <p:spPr>
           <a:xfrm>
-            <a:off x="3525130" y="3558759"/>
-            <a:ext cx="359838" cy="0"/>
+            <a:off x="3037578" y="3558759"/>
+            <a:ext cx="271661" cy="0"/>
           </a:xfrm>
           <a:prstGeom prst="straightConnector1">
             <a:avLst/>
@@ -9457,7 +9473,7 @@
         <p:spPr>
           <a:xfrm flipV="1">
             <a:off x="2264915" y="3555334"/>
-            <a:ext cx="232663" cy="0"/>
+            <a:ext cx="232663" cy="6851"/>
           </a:xfrm>
           <a:prstGeom prst="straightConnector1">
             <a:avLst/>
@@ -9568,7 +9584,7 @@
         </p:nvCxnSpPr>
         <p:spPr>
           <a:xfrm>
-            <a:off x="5236629" y="3555334"/>
+            <a:off x="4660900" y="3555334"/>
             <a:ext cx="660695" cy="0"/>
           </a:xfrm>
           <a:prstGeom prst="straightConnector1">
@@ -9624,7 +9640,7 @@
         <p:spPr>
           <a:xfrm>
             <a:off x="800114" y="4016016"/>
-            <a:ext cx="4524692" cy="0"/>
+            <a:ext cx="3948963" cy="0"/>
           </a:xfrm>
           <a:prstGeom prst="straightConnector1">
             <a:avLst/>
@@ -10092,6 +10108,1850 @@
         </p:nvCxnSpPr>
         <p:spPr>
           <a:xfrm flipV="1">
+            <a:off x="4814392" y="3169385"/>
+            <a:ext cx="0" cy="379544"/>
+          </a:xfrm>
+          <a:prstGeom prst="straightConnector1">
+            <a:avLst/>
+          </a:prstGeom>
+          <a:solidFill>
+            <a:schemeClr val="accent1">
+              <a:lumMod val="20000"/>
+              <a:lumOff val="80000"/>
+            </a:schemeClr>
+          </a:solidFill>
+          <a:ln>
+            <a:solidFill>
+              <a:schemeClr val="accent1">
+                <a:lumMod val="50000"/>
+              </a:schemeClr>
+            </a:solidFill>
+            <a:headEnd type="none"/>
+            <a:tailEnd type="none" w="med" len="lg"/>
+          </a:ln>
+        </p:spPr>
+        <p:style>
+          <a:lnRef idx="2">
+            <a:schemeClr val="accent1">
+              <a:shade val="50000"/>
+            </a:schemeClr>
+          </a:lnRef>
+          <a:fillRef idx="1">
+            <a:schemeClr val="accent1"/>
+          </a:fillRef>
+          <a:effectRef idx="0">
+            <a:schemeClr val="accent1"/>
+          </a:effectRef>
+          <a:fontRef idx="minor">
+            <a:schemeClr val="lt1"/>
+          </a:fontRef>
+        </p:style>
+      </p:cxnSp>
+      <p:cxnSp>
+        <p:nvCxnSpPr>
+          <p:cNvPr id="45" name="Connecteur droit avec flèche 44">
+            <a:extLst>
+              <a:ext uri="{FF2B5EF4-FFF2-40B4-BE49-F238E27FC236}">
+                <a16:creationId xmlns:a16="http://schemas.microsoft.com/office/drawing/2014/main" id="{7D3C7C56-1EF6-4E3A-BEF6-8DA855958644}"/>
+              </a:ext>
+            </a:extLst>
+          </p:cNvPr>
+          <p:cNvCxnSpPr>
+            <a:cxnSpLocks/>
+          </p:cNvCxnSpPr>
+          <p:nvPr/>
+        </p:nvCxnSpPr>
+        <p:spPr>
+          <a:xfrm flipH="1" flipV="1">
+            <a:off x="2130745" y="3169386"/>
+            <a:ext cx="2683647" cy="1"/>
+          </a:xfrm>
+          <a:prstGeom prst="straightConnector1">
+            <a:avLst/>
+          </a:prstGeom>
+          <a:solidFill>
+            <a:schemeClr val="accent1">
+              <a:lumMod val="20000"/>
+              <a:lumOff val="80000"/>
+            </a:schemeClr>
+          </a:solidFill>
+          <a:ln>
+            <a:solidFill>
+              <a:schemeClr val="accent1">
+                <a:lumMod val="50000"/>
+              </a:schemeClr>
+            </a:solidFill>
+            <a:headEnd type="none"/>
+            <a:tailEnd type="none" w="med" len="lg"/>
+          </a:ln>
+        </p:spPr>
+        <p:style>
+          <a:lnRef idx="2">
+            <a:schemeClr val="accent1">
+              <a:shade val="50000"/>
+            </a:schemeClr>
+          </a:lnRef>
+          <a:fillRef idx="1">
+            <a:schemeClr val="accent1"/>
+          </a:fillRef>
+          <a:effectRef idx="0">
+            <a:schemeClr val="accent1"/>
+          </a:effectRef>
+          <a:fontRef idx="minor">
+            <a:schemeClr val="lt1"/>
+          </a:fontRef>
+        </p:style>
+      </p:cxnSp>
+    </p:spTree>
+    <p:extLst>
+      <p:ext uri="{BB962C8B-B14F-4D97-AF65-F5344CB8AC3E}">
+        <p14:creationId xmlns:p14="http://schemas.microsoft.com/office/powerpoint/2010/main" val="1534167236"/>
+      </p:ext>
+    </p:extLst>
+  </p:cSld>
+  <p:clrMapOvr>
+    <a:masterClrMapping/>
+  </p:clrMapOvr>
+</p:sld>
+</file>
+
+<file path=ppt/slides/slide5.xml><?xml version="1.0" encoding="utf-8"?>
+<p:sld xmlns:a="http://schemas.openxmlformats.org/drawingml/2006/main" xmlns:r="http://schemas.openxmlformats.org/officeDocument/2006/relationships" xmlns:p="http://schemas.openxmlformats.org/presentationml/2006/main">
+  <p:cSld>
+    <p:spTree>
+      <p:nvGrpSpPr>
+        <p:cNvPr id="1" name=""/>
+        <p:cNvGrpSpPr/>
+        <p:nvPr/>
+      </p:nvGrpSpPr>
+      <p:grpSpPr>
+        <a:xfrm>
+          <a:off x="0" y="0"/>
+          <a:ext cx="0" cy="0"/>
+          <a:chOff x="0" y="0"/>
+          <a:chExt cx="0" cy="0"/>
+        </a:xfrm>
+      </p:grpSpPr>
+      <mc:AlternateContent xmlns:mc="http://schemas.openxmlformats.org/markup-compatibility/2006" xmlns:a14="http://schemas.microsoft.com/office/drawing/2010/main">
+        <mc:Choice Requires="a14">
+          <p:sp>
+            <p:nvSpPr>
+              <p:cNvPr id="9" name="Rectangle 8">
+                <a:extLst>
+                  <a:ext uri="{FF2B5EF4-FFF2-40B4-BE49-F238E27FC236}">
+                    <a16:creationId xmlns:a16="http://schemas.microsoft.com/office/drawing/2014/main" id="{E1FC6A0D-BA6F-4196-A515-F22611F3FAF4}"/>
+                  </a:ext>
+                </a:extLst>
+              </p:cNvPr>
+              <p:cNvSpPr/>
+              <p:nvPr/>
+            </p:nvSpPr>
+            <p:spPr>
+              <a:xfrm>
+                <a:off x="2985130" y="3432759"/>
+                <a:ext cx="540000" cy="252000"/>
+              </a:xfrm>
+              <a:prstGeom prst="rect">
+                <a:avLst/>
+              </a:prstGeom>
+              <a:solidFill>
+                <a:schemeClr val="accent1">
+                  <a:lumMod val="20000"/>
+                  <a:lumOff val="80000"/>
+                </a:schemeClr>
+              </a:solidFill>
+              <a:ln>
+                <a:solidFill>
+                  <a:schemeClr val="accent1">
+                    <a:lumMod val="50000"/>
+                  </a:schemeClr>
+                </a:solidFill>
+              </a:ln>
+            </p:spPr>
+            <p:style>
+              <a:lnRef idx="2">
+                <a:schemeClr val="accent1">
+                  <a:shade val="50000"/>
+                </a:schemeClr>
+              </a:lnRef>
+              <a:fillRef idx="1">
+                <a:schemeClr val="accent1"/>
+              </a:fillRef>
+              <a:effectRef idx="0">
+                <a:schemeClr val="accent1"/>
+              </a:effectRef>
+              <a:fontRef idx="minor">
+                <a:schemeClr val="lt1"/>
+              </a:fontRef>
+            </p:style>
+            <p:txBody>
+              <a:bodyPr rot="0" spcFirstLastPara="0" vertOverflow="overflow" horzOverflow="overflow" vert="horz" wrap="square" lIns="91440" tIns="45720" rIns="91440" bIns="45720" numCol="1" spcCol="0" rtlCol="0" fromWordArt="0" anchor="ctr" anchorCtr="0" forceAA="0" compatLnSpc="1">
+                <a:prstTxWarp prst="textNoShape">
+                  <a:avLst/>
+                </a:prstTxWarp>
+                <a:noAutofit/>
+              </a:bodyPr>
+              <a:lstStyle/>
+              <a:p>
+                <a:pPr algn="ctr"/>
+                <a14:m>
+                  <m:oMathPara xmlns:m="http://schemas.openxmlformats.org/officeDocument/2006/math">
+                    <m:oMathParaPr>
+                      <m:jc m:val="centerGroup"/>
+                    </m:oMathParaPr>
+                    <m:oMath xmlns:m="http://schemas.openxmlformats.org/officeDocument/2006/math">
+                      <m:r>
+                        <a:rPr lang="fr-FR" sz="1200" b="1" i="0" smtClean="0">
+                          <a:solidFill>
+                            <a:schemeClr val="tx1"/>
+                          </a:solidFill>
+                          <a:latin typeface="Cambria Math" panose="02040503050406030204" pitchFamily="18" charset="0"/>
+                        </a:rPr>
+                        <m:t>𝐁</m:t>
+                      </m:r>
+                    </m:oMath>
+                  </m:oMathPara>
+                </a14:m>
+                <a:endParaRPr lang="fr-FR" sz="1200" b="1" dirty="0">
+                  <a:solidFill>
+                    <a:schemeClr val="tx1"/>
+                  </a:solidFill>
+                </a:endParaRPr>
+              </a:p>
+            </p:txBody>
+          </p:sp>
+        </mc:Choice>
+        <mc:Fallback xmlns="">
+          <p:sp>
+            <p:nvSpPr>
+              <p:cNvPr id="9" name="Rectangle 8">
+                <a:extLst>
+                  <a:ext uri="{FF2B5EF4-FFF2-40B4-BE49-F238E27FC236}">
+                    <a16:creationId xmlns:a16="http://schemas.microsoft.com/office/drawing/2014/main" id="{E1FC6A0D-BA6F-4196-A515-F22611F3FAF4}"/>
+                  </a:ext>
+                </a:extLst>
+              </p:cNvPr>
+              <p:cNvSpPr>
+                <a:spLocks noRot="1" noChangeAspect="1" noMove="1" noResize="1" noEditPoints="1" noAdjustHandles="1" noChangeArrowheads="1" noChangeShapeType="1" noTextEdit="1"/>
+              </p:cNvSpPr>
+              <p:nvPr/>
+            </p:nvSpPr>
+            <p:spPr>
+              <a:xfrm>
+                <a:off x="2985130" y="3432759"/>
+                <a:ext cx="540000" cy="252000"/>
+              </a:xfrm>
+              <a:prstGeom prst="rect">
+                <a:avLst/>
+              </a:prstGeom>
+              <a:blipFill>
+                <a:blip r:embed="rId2"/>
+                <a:stretch>
+                  <a:fillRect/>
+                </a:stretch>
+              </a:blipFill>
+              <a:ln>
+                <a:solidFill>
+                  <a:schemeClr val="accent1">
+                    <a:lumMod val="50000"/>
+                  </a:schemeClr>
+                </a:solidFill>
+              </a:ln>
+            </p:spPr>
+            <p:txBody>
+              <a:bodyPr/>
+              <a:lstStyle/>
+              <a:p>
+                <a:r>
+                  <a:rPr lang="fr-FR">
+                    <a:noFill/>
+                  </a:rPr>
+                  <a:t> </a:t>
+                </a:r>
+              </a:p>
+            </p:txBody>
+          </p:sp>
+        </mc:Fallback>
+      </mc:AlternateContent>
+      <mc:AlternateContent xmlns:mc="http://schemas.openxmlformats.org/markup-compatibility/2006" xmlns:a14="http://schemas.microsoft.com/office/drawing/2010/main">
+        <mc:Choice Requires="a14">
+          <p:sp>
+            <p:nvSpPr>
+              <p:cNvPr id="10" name="Rectangle 9">
+                <a:extLst>
+                  <a:ext uri="{FF2B5EF4-FFF2-40B4-BE49-F238E27FC236}">
+                    <a16:creationId xmlns:a16="http://schemas.microsoft.com/office/drawing/2014/main" id="{4A692074-2AC0-46E1-9869-6DA9A26DBD2B}"/>
+                  </a:ext>
+                </a:extLst>
+              </p:cNvPr>
+              <p:cNvSpPr/>
+              <p:nvPr/>
+            </p:nvSpPr>
+            <p:spPr>
+              <a:xfrm>
+                <a:off x="3884968" y="3432759"/>
+                <a:ext cx="540000" cy="252000"/>
+              </a:xfrm>
+              <a:prstGeom prst="rect">
+                <a:avLst/>
+              </a:prstGeom>
+              <a:solidFill>
+                <a:schemeClr val="accent1">
+                  <a:lumMod val="20000"/>
+                  <a:lumOff val="80000"/>
+                </a:schemeClr>
+              </a:solidFill>
+              <a:ln>
+                <a:solidFill>
+                  <a:schemeClr val="accent1">
+                    <a:lumMod val="50000"/>
+                  </a:schemeClr>
+                </a:solidFill>
+              </a:ln>
+            </p:spPr>
+            <p:style>
+              <a:lnRef idx="2">
+                <a:schemeClr val="accent1">
+                  <a:shade val="50000"/>
+                </a:schemeClr>
+              </a:lnRef>
+              <a:fillRef idx="1">
+                <a:schemeClr val="accent1"/>
+              </a:fillRef>
+              <a:effectRef idx="0">
+                <a:schemeClr val="accent1"/>
+              </a:effectRef>
+              <a:fontRef idx="minor">
+                <a:schemeClr val="lt1"/>
+              </a:fontRef>
+            </p:style>
+            <p:txBody>
+              <a:bodyPr rot="0" spcFirstLastPara="0" vertOverflow="overflow" horzOverflow="overflow" vert="horz" wrap="square" lIns="91440" tIns="45720" rIns="91440" bIns="45720" numCol="1" spcCol="0" rtlCol="0" fromWordArt="0" anchor="ctr" anchorCtr="0" forceAA="0" compatLnSpc="1">
+                <a:prstTxWarp prst="textNoShape">
+                  <a:avLst/>
+                </a:prstTxWarp>
+                <a:noAutofit/>
+              </a:bodyPr>
+              <a:lstStyle/>
+              <a:p>
+                <a:pPr algn="ctr"/>
+                <a14:m>
+                  <m:oMathPara xmlns:m="http://schemas.openxmlformats.org/officeDocument/2006/math">
+                    <m:oMathParaPr>
+                      <m:jc m:val="centerGroup"/>
+                    </m:oMathParaPr>
+                    <m:oMath xmlns:m="http://schemas.openxmlformats.org/officeDocument/2006/math">
+                      <m:r>
+                        <a:rPr lang="fr-FR" sz="1200" b="1" i="0" smtClean="0">
+                          <a:solidFill>
+                            <a:schemeClr val="tx1"/>
+                          </a:solidFill>
+                          <a:latin typeface="Cambria Math" panose="02040503050406030204" pitchFamily="18" charset="0"/>
+                        </a:rPr>
+                        <m:t>𝐂</m:t>
+                      </m:r>
+                    </m:oMath>
+                  </m:oMathPara>
+                </a14:m>
+                <a:endParaRPr lang="fr-FR" sz="1200" b="1" dirty="0">
+                  <a:solidFill>
+                    <a:schemeClr val="tx1"/>
+                  </a:solidFill>
+                </a:endParaRPr>
+              </a:p>
+            </p:txBody>
+          </p:sp>
+        </mc:Choice>
+        <mc:Fallback xmlns="">
+          <p:sp>
+            <p:nvSpPr>
+              <p:cNvPr id="10" name="Rectangle 9">
+                <a:extLst>
+                  <a:ext uri="{FF2B5EF4-FFF2-40B4-BE49-F238E27FC236}">
+                    <a16:creationId xmlns:a16="http://schemas.microsoft.com/office/drawing/2014/main" id="{4A692074-2AC0-46E1-9869-6DA9A26DBD2B}"/>
+                  </a:ext>
+                </a:extLst>
+              </p:cNvPr>
+              <p:cNvSpPr>
+                <a:spLocks noRot="1" noChangeAspect="1" noMove="1" noResize="1" noEditPoints="1" noAdjustHandles="1" noChangeArrowheads="1" noChangeShapeType="1" noTextEdit="1"/>
+              </p:cNvSpPr>
+              <p:nvPr/>
+            </p:nvSpPr>
+            <p:spPr>
+              <a:xfrm>
+                <a:off x="3884968" y="3432759"/>
+                <a:ext cx="540000" cy="252000"/>
+              </a:xfrm>
+              <a:prstGeom prst="rect">
+                <a:avLst/>
+              </a:prstGeom>
+              <a:blipFill>
+                <a:blip r:embed="rId3"/>
+                <a:stretch>
+                  <a:fillRect/>
+                </a:stretch>
+              </a:blipFill>
+              <a:ln>
+                <a:solidFill>
+                  <a:schemeClr val="accent1">
+                    <a:lumMod val="50000"/>
+                  </a:schemeClr>
+                </a:solidFill>
+              </a:ln>
+            </p:spPr>
+            <p:txBody>
+              <a:bodyPr/>
+              <a:lstStyle/>
+              <a:p>
+                <a:r>
+                  <a:rPr lang="fr-FR">
+                    <a:noFill/>
+                  </a:rPr>
+                  <a:t> </a:t>
+                </a:r>
+              </a:p>
+            </p:txBody>
+          </p:sp>
+        </mc:Fallback>
+      </mc:AlternateContent>
+      <mc:AlternateContent xmlns:mc="http://schemas.openxmlformats.org/markup-compatibility/2006" xmlns:a14="http://schemas.microsoft.com/office/drawing/2010/main">
+        <mc:Choice Requires="a14">
+          <p:sp>
+            <p:nvSpPr>
+              <p:cNvPr id="11" name="Rectangle 10">
+                <a:extLst>
+                  <a:ext uri="{FF2B5EF4-FFF2-40B4-BE49-F238E27FC236}">
+                    <a16:creationId xmlns:a16="http://schemas.microsoft.com/office/drawing/2014/main" id="{8491BB0E-EDD0-4519-B26A-C25B6BACFE3D}"/>
+                  </a:ext>
+                </a:extLst>
+              </p:cNvPr>
+              <p:cNvSpPr/>
+              <p:nvPr/>
+            </p:nvSpPr>
+            <p:spPr>
+              <a:xfrm>
+                <a:off x="4696629" y="3432759"/>
+                <a:ext cx="540000" cy="252000"/>
+              </a:xfrm>
+              <a:prstGeom prst="rect">
+                <a:avLst/>
+              </a:prstGeom>
+              <a:solidFill>
+                <a:schemeClr val="accent1">
+                  <a:lumMod val="20000"/>
+                  <a:lumOff val="80000"/>
+                </a:schemeClr>
+              </a:solidFill>
+              <a:ln>
+                <a:solidFill>
+                  <a:schemeClr val="accent1">
+                    <a:lumMod val="50000"/>
+                  </a:schemeClr>
+                </a:solidFill>
+              </a:ln>
+            </p:spPr>
+            <p:style>
+              <a:lnRef idx="2">
+                <a:schemeClr val="accent1">
+                  <a:shade val="50000"/>
+                </a:schemeClr>
+              </a:lnRef>
+              <a:fillRef idx="1">
+                <a:schemeClr val="accent1"/>
+              </a:fillRef>
+              <a:effectRef idx="0">
+                <a:schemeClr val="accent1"/>
+              </a:effectRef>
+              <a:fontRef idx="minor">
+                <a:schemeClr val="lt1"/>
+              </a:fontRef>
+            </p:style>
+            <p:txBody>
+              <a:bodyPr rot="0" spcFirstLastPara="0" vertOverflow="overflow" horzOverflow="overflow" vert="horz" wrap="square" lIns="91440" tIns="45720" rIns="91440" bIns="45720" numCol="1" spcCol="0" rtlCol="0" fromWordArt="0" anchor="ctr" anchorCtr="0" forceAA="0" compatLnSpc="1">
+                <a:prstTxWarp prst="textNoShape">
+                  <a:avLst/>
+                </a:prstTxWarp>
+                <a:noAutofit/>
+              </a:bodyPr>
+              <a:lstStyle/>
+              <a:p>
+                <a:pPr algn="ctr"/>
+                <a14:m>
+                  <m:oMathPara xmlns:m="http://schemas.openxmlformats.org/officeDocument/2006/math">
+                    <m:oMathParaPr>
+                      <m:jc m:val="centerGroup"/>
+                    </m:oMathParaPr>
+                    <m:oMath xmlns:m="http://schemas.openxmlformats.org/officeDocument/2006/math">
+                      <m:r>
+                        <a:rPr lang="fr-FR" sz="1200" b="1" i="0" smtClean="0">
+                          <a:solidFill>
+                            <a:schemeClr val="tx1"/>
+                          </a:solidFill>
+                          <a:latin typeface="Cambria Math" panose="02040503050406030204" pitchFamily="18" charset="0"/>
+                        </a:rPr>
+                        <m:t>𝐃</m:t>
+                      </m:r>
+                    </m:oMath>
+                  </m:oMathPara>
+                </a14:m>
+                <a:endParaRPr lang="fr-FR" sz="1200" b="1" dirty="0">
+                  <a:solidFill>
+                    <a:schemeClr val="tx1"/>
+                  </a:solidFill>
+                </a:endParaRPr>
+              </a:p>
+            </p:txBody>
+          </p:sp>
+        </mc:Choice>
+        <mc:Fallback xmlns="">
+          <p:sp>
+            <p:nvSpPr>
+              <p:cNvPr id="11" name="Rectangle 10">
+                <a:extLst>
+                  <a:ext uri="{FF2B5EF4-FFF2-40B4-BE49-F238E27FC236}">
+                    <a16:creationId xmlns:a16="http://schemas.microsoft.com/office/drawing/2014/main" id="{8491BB0E-EDD0-4519-B26A-C25B6BACFE3D}"/>
+                  </a:ext>
+                </a:extLst>
+              </p:cNvPr>
+              <p:cNvSpPr>
+                <a:spLocks noRot="1" noChangeAspect="1" noMove="1" noResize="1" noEditPoints="1" noAdjustHandles="1" noChangeArrowheads="1" noChangeShapeType="1" noTextEdit="1"/>
+              </p:cNvSpPr>
+              <p:nvPr/>
+            </p:nvSpPr>
+            <p:spPr>
+              <a:xfrm>
+                <a:off x="4696629" y="3432759"/>
+                <a:ext cx="540000" cy="252000"/>
+              </a:xfrm>
+              <a:prstGeom prst="rect">
+                <a:avLst/>
+              </a:prstGeom>
+              <a:blipFill>
+                <a:blip r:embed="rId4"/>
+                <a:stretch>
+                  <a:fillRect/>
+                </a:stretch>
+              </a:blipFill>
+              <a:ln>
+                <a:solidFill>
+                  <a:schemeClr val="accent1">
+                    <a:lumMod val="50000"/>
+                  </a:schemeClr>
+                </a:solidFill>
+              </a:ln>
+            </p:spPr>
+            <p:txBody>
+              <a:bodyPr/>
+              <a:lstStyle/>
+              <a:p>
+                <a:r>
+                  <a:rPr lang="fr-FR">
+                    <a:noFill/>
+                  </a:rPr>
+                  <a:t> </a:t>
+                </a:r>
+              </a:p>
+            </p:txBody>
+          </p:sp>
+        </mc:Fallback>
+      </mc:AlternateContent>
+      <mc:AlternateContent xmlns:mc="http://schemas.openxmlformats.org/markup-compatibility/2006" xmlns:a14="http://schemas.microsoft.com/office/drawing/2010/main">
+        <mc:Choice Requires="a14">
+          <p:sp>
+            <p:nvSpPr>
+              <p:cNvPr id="12" name="Rectangle 11">
+                <a:extLst>
+                  <a:ext uri="{FF2B5EF4-FFF2-40B4-BE49-F238E27FC236}">
+                    <a16:creationId xmlns:a16="http://schemas.microsoft.com/office/drawing/2014/main" id="{CA6133C4-0A9A-4936-81DD-C7A5C1CA6821}"/>
+                  </a:ext>
+                </a:extLst>
+              </p:cNvPr>
+              <p:cNvSpPr/>
+              <p:nvPr/>
+            </p:nvSpPr>
+            <p:spPr>
+              <a:xfrm>
+                <a:off x="1230353" y="3432759"/>
+                <a:ext cx="540385" cy="252000"/>
+              </a:xfrm>
+              <a:prstGeom prst="rect">
+                <a:avLst/>
+              </a:prstGeom>
+              <a:solidFill>
+                <a:schemeClr val="accent1">
+                  <a:lumMod val="20000"/>
+                  <a:lumOff val="80000"/>
+                </a:schemeClr>
+              </a:solidFill>
+              <a:ln>
+                <a:solidFill>
+                  <a:schemeClr val="accent1">
+                    <a:lumMod val="50000"/>
+                  </a:schemeClr>
+                </a:solidFill>
+              </a:ln>
+            </p:spPr>
+            <p:style>
+              <a:lnRef idx="2">
+                <a:schemeClr val="accent1">
+                  <a:shade val="50000"/>
+                </a:schemeClr>
+              </a:lnRef>
+              <a:fillRef idx="1">
+                <a:schemeClr val="accent1"/>
+              </a:fillRef>
+              <a:effectRef idx="0">
+                <a:schemeClr val="accent1"/>
+              </a:effectRef>
+              <a:fontRef idx="minor">
+                <a:schemeClr val="lt1"/>
+              </a:fontRef>
+            </p:style>
+            <p:txBody>
+              <a:bodyPr rot="0" spcFirstLastPara="0" vertOverflow="overflow" horzOverflow="overflow" vert="horz" wrap="square" lIns="91440" tIns="45720" rIns="91440" bIns="45720" numCol="1" spcCol="0" rtlCol="0" fromWordArt="0" anchor="ctr" anchorCtr="0" forceAA="0" compatLnSpc="1">
+                <a:prstTxWarp prst="textNoShape">
+                  <a:avLst/>
+                </a:prstTxWarp>
+                <a:noAutofit/>
+              </a:bodyPr>
+              <a:lstStyle/>
+              <a:p>
+                <a:pPr algn="ctr"/>
+                <a14:m>
+                  <m:oMathPara xmlns:m="http://schemas.openxmlformats.org/officeDocument/2006/math">
+                    <m:oMathParaPr>
+                      <m:jc m:val="centerGroup"/>
+                    </m:oMathParaPr>
+                    <m:oMath xmlns:m="http://schemas.openxmlformats.org/officeDocument/2006/math">
+                      <m:r>
+                        <a:rPr lang="fr-FR" sz="1200" b="1" i="0" smtClean="0">
+                          <a:solidFill>
+                            <a:schemeClr val="tx1"/>
+                          </a:solidFill>
+                          <a:latin typeface="Cambria Math" panose="02040503050406030204" pitchFamily="18" charset="0"/>
+                        </a:rPr>
+                        <m:t>𝐀</m:t>
+                      </m:r>
+                    </m:oMath>
+                  </m:oMathPara>
+                </a14:m>
+                <a:endParaRPr lang="fr-FR" sz="1200" b="1" dirty="0">
+                  <a:solidFill>
+                    <a:schemeClr val="tx1"/>
+                  </a:solidFill>
+                </a:endParaRPr>
+              </a:p>
+            </p:txBody>
+          </p:sp>
+        </mc:Choice>
+        <mc:Fallback xmlns="">
+          <p:sp>
+            <p:nvSpPr>
+              <p:cNvPr id="12" name="Rectangle 11">
+                <a:extLst>
+                  <a:ext uri="{FF2B5EF4-FFF2-40B4-BE49-F238E27FC236}">
+                    <a16:creationId xmlns:a16="http://schemas.microsoft.com/office/drawing/2014/main" id="{CA6133C4-0A9A-4936-81DD-C7A5C1CA6821}"/>
+                  </a:ext>
+                </a:extLst>
+              </p:cNvPr>
+              <p:cNvSpPr>
+                <a:spLocks noRot="1" noChangeAspect="1" noMove="1" noResize="1" noEditPoints="1" noAdjustHandles="1" noChangeArrowheads="1" noChangeShapeType="1" noTextEdit="1"/>
+              </p:cNvSpPr>
+              <p:nvPr/>
+            </p:nvSpPr>
+            <p:spPr>
+              <a:xfrm>
+                <a:off x="1230353" y="3432759"/>
+                <a:ext cx="540385" cy="252000"/>
+              </a:xfrm>
+              <a:prstGeom prst="rect">
+                <a:avLst/>
+              </a:prstGeom>
+              <a:blipFill>
+                <a:blip r:embed="rId5"/>
+                <a:stretch>
+                  <a:fillRect/>
+                </a:stretch>
+              </a:blipFill>
+              <a:ln>
+                <a:solidFill>
+                  <a:schemeClr val="accent1">
+                    <a:lumMod val="50000"/>
+                  </a:schemeClr>
+                </a:solidFill>
+              </a:ln>
+            </p:spPr>
+            <p:txBody>
+              <a:bodyPr/>
+              <a:lstStyle/>
+              <a:p>
+                <a:r>
+                  <a:rPr lang="fr-FR">
+                    <a:noFill/>
+                  </a:rPr>
+                  <a:t> </a:t>
+                </a:r>
+              </a:p>
+            </p:txBody>
+          </p:sp>
+        </mc:Fallback>
+      </mc:AlternateContent>
+      <p:cxnSp>
+        <p:nvCxnSpPr>
+          <p:cNvPr id="22" name="Connecteur droit avec flèche 21">
+            <a:extLst>
+              <a:ext uri="{FF2B5EF4-FFF2-40B4-BE49-F238E27FC236}">
+                <a16:creationId xmlns:a16="http://schemas.microsoft.com/office/drawing/2014/main" id="{147ED992-79DF-4385-AE3B-E7357B17CCD3}"/>
+              </a:ext>
+            </a:extLst>
+          </p:cNvPr>
+          <p:cNvCxnSpPr>
+            <a:cxnSpLocks/>
+          </p:cNvCxnSpPr>
+          <p:nvPr/>
+        </p:nvCxnSpPr>
+        <p:spPr>
+          <a:xfrm flipV="1">
+            <a:off x="800115" y="3684399"/>
+            <a:ext cx="0" cy="331257"/>
+          </a:xfrm>
+          <a:prstGeom prst="straightConnector1">
+            <a:avLst/>
+          </a:prstGeom>
+          <a:solidFill>
+            <a:schemeClr val="accent1">
+              <a:lumMod val="20000"/>
+              <a:lumOff val="80000"/>
+            </a:schemeClr>
+          </a:solidFill>
+          <a:ln>
+            <a:solidFill>
+              <a:schemeClr val="accent1">
+                <a:lumMod val="50000"/>
+              </a:schemeClr>
+            </a:solidFill>
+            <a:headEnd type="none"/>
+            <a:tailEnd type="stealth" w="med" len="lg"/>
+          </a:ln>
+        </p:spPr>
+        <p:style>
+          <a:lnRef idx="2">
+            <a:schemeClr val="accent1">
+              <a:shade val="50000"/>
+            </a:schemeClr>
+          </a:lnRef>
+          <a:fillRef idx="1">
+            <a:schemeClr val="accent1"/>
+          </a:fillRef>
+          <a:effectRef idx="0">
+            <a:schemeClr val="accent1"/>
+          </a:effectRef>
+          <a:fontRef idx="minor">
+            <a:schemeClr val="lt1"/>
+          </a:fontRef>
+        </p:style>
+      </p:cxnSp>
+      <p:cxnSp>
+        <p:nvCxnSpPr>
+          <p:cNvPr id="39" name="Connecteur droit avec flèche 38">
+            <a:extLst>
+              <a:ext uri="{FF2B5EF4-FFF2-40B4-BE49-F238E27FC236}">
+                <a16:creationId xmlns:a16="http://schemas.microsoft.com/office/drawing/2014/main" id="{E5CEB3B4-10EC-4189-A83D-D9EBF1B0AD74}"/>
+              </a:ext>
+            </a:extLst>
+          </p:cNvPr>
+          <p:cNvCxnSpPr>
+            <a:cxnSpLocks/>
+          </p:cNvCxnSpPr>
+          <p:nvPr/>
+        </p:nvCxnSpPr>
+        <p:spPr>
+          <a:xfrm flipV="1">
+            <a:off x="5324806" y="3555334"/>
+            <a:ext cx="0" cy="460682"/>
+          </a:xfrm>
+          <a:prstGeom prst="straightConnector1">
+            <a:avLst/>
+          </a:prstGeom>
+          <a:solidFill>
+            <a:schemeClr val="accent1">
+              <a:lumMod val="20000"/>
+              <a:lumOff val="80000"/>
+            </a:schemeClr>
+          </a:solidFill>
+          <a:ln>
+            <a:solidFill>
+              <a:schemeClr val="accent1">
+                <a:lumMod val="50000"/>
+              </a:schemeClr>
+            </a:solidFill>
+            <a:headEnd type="none"/>
+            <a:tailEnd type="none" w="med" len="lg"/>
+          </a:ln>
+        </p:spPr>
+        <p:style>
+          <a:lnRef idx="2">
+            <a:schemeClr val="accent1">
+              <a:shade val="50000"/>
+            </a:schemeClr>
+          </a:lnRef>
+          <a:fillRef idx="1">
+            <a:schemeClr val="accent1"/>
+          </a:fillRef>
+          <a:effectRef idx="0">
+            <a:schemeClr val="accent1"/>
+          </a:effectRef>
+          <a:fontRef idx="minor">
+            <a:schemeClr val="lt1"/>
+          </a:fontRef>
+        </p:style>
+      </p:cxnSp>
+      <mc:AlternateContent xmlns:mc="http://schemas.openxmlformats.org/markup-compatibility/2006" xmlns:a14="http://schemas.microsoft.com/office/drawing/2010/main">
+        <mc:Choice Requires="a14">
+          <p:sp>
+            <p:nvSpPr>
+              <p:cNvPr id="46" name="ZoneTexte 45">
+                <a:extLst>
+                  <a:ext uri="{FF2B5EF4-FFF2-40B4-BE49-F238E27FC236}">
+                    <a16:creationId xmlns:a16="http://schemas.microsoft.com/office/drawing/2014/main" id="{316570E4-C93F-4785-BD5E-88B451BCD63E}"/>
+                  </a:ext>
+                </a:extLst>
+              </p:cNvPr>
+              <p:cNvSpPr txBox="1"/>
+              <p:nvPr/>
+            </p:nvSpPr>
+            <p:spPr>
+              <a:xfrm>
+                <a:off x="217791" y="3340426"/>
+                <a:ext cx="354136" cy="184666"/>
+              </a:xfrm>
+              <a:prstGeom prst="rect">
+                <a:avLst/>
+              </a:prstGeom>
+              <a:noFill/>
+            </p:spPr>
+            <p:txBody>
+              <a:bodyPr wrap="none" lIns="0" tIns="0" rIns="0" bIns="0" rtlCol="0">
+                <a:spAutoFit/>
+              </a:bodyPr>
+              <a:lstStyle/>
+              <a:p>
+                <a:pPr/>
+                <a14:m>
+                  <m:oMathPara xmlns:m="http://schemas.openxmlformats.org/officeDocument/2006/math">
+                    <m:oMathParaPr>
+                      <m:jc m:val="centerGroup"/>
+                    </m:oMathParaPr>
+                    <m:oMath xmlns:m="http://schemas.openxmlformats.org/officeDocument/2006/math">
+                      <m:r>
+                        <a:rPr lang="fr-FR" sz="1200" b="0" i="1" smtClean="0">
+                          <a:latin typeface="Cambria Math" panose="02040503050406030204" pitchFamily="18" charset="0"/>
+                        </a:rPr>
+                        <m:t>𝐸</m:t>
+                      </m:r>
+                      <m:r>
+                        <a:rPr lang="fr-FR" sz="1200" b="0" i="1" smtClean="0">
+                          <a:latin typeface="Cambria Math" panose="02040503050406030204" pitchFamily="18" charset="0"/>
+                        </a:rPr>
+                        <m:t>(</m:t>
+                      </m:r>
+                      <m:r>
+                        <a:rPr lang="fr-FR" sz="1200" b="0" i="1" smtClean="0">
+                          <a:latin typeface="Cambria Math" panose="02040503050406030204" pitchFamily="18" charset="0"/>
+                        </a:rPr>
+                        <m:t>𝑝</m:t>
+                      </m:r>
+                      <m:r>
+                        <a:rPr lang="fr-FR" sz="1200" b="0" i="1" smtClean="0">
+                          <a:latin typeface="Cambria Math" panose="02040503050406030204" pitchFamily="18" charset="0"/>
+                        </a:rPr>
+                        <m:t>)</m:t>
+                      </m:r>
+                    </m:oMath>
+                  </m:oMathPara>
+                </a14:m>
+                <a:endParaRPr lang="fr-FR" sz="1200" dirty="0"/>
+              </a:p>
+            </p:txBody>
+          </p:sp>
+        </mc:Choice>
+        <mc:Fallback xmlns="">
+          <p:sp>
+            <p:nvSpPr>
+              <p:cNvPr id="46" name="ZoneTexte 45">
+                <a:extLst>
+                  <a:ext uri="{FF2B5EF4-FFF2-40B4-BE49-F238E27FC236}">
+                    <a16:creationId xmlns:a16="http://schemas.microsoft.com/office/drawing/2014/main" id="{316570E4-C93F-4785-BD5E-88B451BCD63E}"/>
+                  </a:ext>
+                </a:extLst>
+              </p:cNvPr>
+              <p:cNvSpPr txBox="1">
+                <a:spLocks noRot="1" noChangeAspect="1" noMove="1" noResize="1" noEditPoints="1" noAdjustHandles="1" noChangeArrowheads="1" noChangeShapeType="1" noTextEdit="1"/>
+              </p:cNvSpPr>
+              <p:nvPr/>
+            </p:nvSpPr>
+            <p:spPr>
+              <a:xfrm>
+                <a:off x="217791" y="3340426"/>
+                <a:ext cx="354136" cy="184666"/>
+              </a:xfrm>
+              <a:prstGeom prst="rect">
+                <a:avLst/>
+              </a:prstGeom>
+              <a:blipFill>
+                <a:blip r:embed="rId6"/>
+                <a:stretch>
+                  <a:fillRect l="-10345" t="-6667" r="-15517" b="-36667"/>
+                </a:stretch>
+              </a:blipFill>
+            </p:spPr>
+            <p:txBody>
+              <a:bodyPr/>
+              <a:lstStyle/>
+              <a:p>
+                <a:r>
+                  <a:rPr lang="fr-FR">
+                    <a:noFill/>
+                  </a:rPr>
+                  <a:t> </a:t>
+                </a:r>
+              </a:p>
+            </p:txBody>
+          </p:sp>
+        </mc:Fallback>
+      </mc:AlternateContent>
+      <mc:AlternateContent xmlns:mc="http://schemas.openxmlformats.org/markup-compatibility/2006" xmlns:a14="http://schemas.microsoft.com/office/drawing/2010/main">
+        <mc:Choice Requires="a14">
+          <p:sp>
+            <p:nvSpPr>
+              <p:cNvPr id="47" name="ZoneTexte 46">
+                <a:extLst>
+                  <a:ext uri="{FF2B5EF4-FFF2-40B4-BE49-F238E27FC236}">
+                    <a16:creationId xmlns:a16="http://schemas.microsoft.com/office/drawing/2014/main" id="{76153325-6CDE-46AA-9006-0227DBB70A10}"/>
+                  </a:ext>
+                </a:extLst>
+              </p:cNvPr>
+              <p:cNvSpPr txBox="1"/>
+              <p:nvPr/>
+            </p:nvSpPr>
+            <p:spPr>
+              <a:xfrm>
+                <a:off x="5433435" y="3318588"/>
+                <a:ext cx="336695" cy="184666"/>
+              </a:xfrm>
+              <a:prstGeom prst="rect">
+                <a:avLst/>
+              </a:prstGeom>
+              <a:noFill/>
+            </p:spPr>
+            <p:txBody>
+              <a:bodyPr wrap="none" lIns="0" tIns="0" rIns="0" bIns="0" rtlCol="0">
+                <a:spAutoFit/>
+              </a:bodyPr>
+              <a:lstStyle/>
+              <a:p>
+                <a:pPr/>
+                <a14:m>
+                  <m:oMathPara xmlns:m="http://schemas.openxmlformats.org/officeDocument/2006/math">
+                    <m:oMathParaPr>
+                      <m:jc m:val="centerGroup"/>
+                    </m:oMathParaPr>
+                    <m:oMath xmlns:m="http://schemas.openxmlformats.org/officeDocument/2006/math">
+                      <m:r>
+                        <a:rPr lang="fr-FR" sz="1200" b="0" i="1" smtClean="0">
+                          <a:latin typeface="Cambria Math" panose="02040503050406030204" pitchFamily="18" charset="0"/>
+                        </a:rPr>
+                        <m:t>𝑆</m:t>
+                      </m:r>
+                      <m:r>
+                        <a:rPr lang="fr-FR" sz="1200" b="0" i="1" smtClean="0">
+                          <a:latin typeface="Cambria Math" panose="02040503050406030204" pitchFamily="18" charset="0"/>
+                        </a:rPr>
+                        <m:t>(</m:t>
+                      </m:r>
+                      <m:r>
+                        <a:rPr lang="fr-FR" sz="1200" b="0" i="1" smtClean="0">
+                          <a:latin typeface="Cambria Math" panose="02040503050406030204" pitchFamily="18" charset="0"/>
+                        </a:rPr>
+                        <m:t>𝑝</m:t>
+                      </m:r>
+                      <m:r>
+                        <a:rPr lang="fr-FR" sz="1200" b="0" i="1" smtClean="0">
+                          <a:latin typeface="Cambria Math" panose="02040503050406030204" pitchFamily="18" charset="0"/>
+                        </a:rPr>
+                        <m:t>)</m:t>
+                      </m:r>
+                    </m:oMath>
+                  </m:oMathPara>
+                </a14:m>
+                <a:endParaRPr lang="fr-FR" sz="1200" dirty="0"/>
+              </a:p>
+            </p:txBody>
+          </p:sp>
+        </mc:Choice>
+        <mc:Fallback xmlns="">
+          <p:sp>
+            <p:nvSpPr>
+              <p:cNvPr id="47" name="ZoneTexte 46">
+                <a:extLst>
+                  <a:ext uri="{FF2B5EF4-FFF2-40B4-BE49-F238E27FC236}">
+                    <a16:creationId xmlns:a16="http://schemas.microsoft.com/office/drawing/2014/main" id="{76153325-6CDE-46AA-9006-0227DBB70A10}"/>
+                  </a:ext>
+                </a:extLst>
+              </p:cNvPr>
+              <p:cNvSpPr txBox="1">
+                <a:spLocks noRot="1" noChangeAspect="1" noMove="1" noResize="1" noEditPoints="1" noAdjustHandles="1" noChangeArrowheads="1" noChangeShapeType="1" noTextEdit="1"/>
+              </p:cNvSpPr>
+              <p:nvPr/>
+            </p:nvSpPr>
+            <p:spPr>
+              <a:xfrm>
+                <a:off x="5433435" y="3318588"/>
+                <a:ext cx="336695" cy="184666"/>
+              </a:xfrm>
+              <a:prstGeom prst="rect">
+                <a:avLst/>
+              </a:prstGeom>
+              <a:blipFill>
+                <a:blip r:embed="rId7"/>
+                <a:stretch>
+                  <a:fillRect l="-10714" t="-3226" r="-16071" b="-35484"/>
+                </a:stretch>
+              </a:blipFill>
+            </p:spPr>
+            <p:txBody>
+              <a:bodyPr/>
+              <a:lstStyle/>
+              <a:p>
+                <a:r>
+                  <a:rPr lang="fr-FR">
+                    <a:noFill/>
+                  </a:rPr>
+                  <a:t> </a:t>
+                </a:r>
+              </a:p>
+            </p:txBody>
+          </p:sp>
+        </mc:Fallback>
+      </mc:AlternateContent>
+      <p:cxnSp>
+        <p:nvCxnSpPr>
+          <p:cNvPr id="32" name="Connecteur droit avec flèche 31">
+            <a:extLst>
+              <a:ext uri="{FF2B5EF4-FFF2-40B4-BE49-F238E27FC236}">
+                <a16:creationId xmlns:a16="http://schemas.microsoft.com/office/drawing/2014/main" id="{2B2FA539-79DA-4386-936E-38A87CFE125A}"/>
+              </a:ext>
+            </a:extLst>
+          </p:cNvPr>
+          <p:cNvCxnSpPr>
+            <a:cxnSpLocks/>
+          </p:cNvCxnSpPr>
+          <p:nvPr/>
+        </p:nvCxnSpPr>
+        <p:spPr>
+          <a:xfrm>
+            <a:off x="1770738" y="3555334"/>
+            <a:ext cx="216653" cy="0"/>
+          </a:xfrm>
+          <a:prstGeom prst="straightConnector1">
+            <a:avLst/>
+          </a:prstGeom>
+          <a:solidFill>
+            <a:schemeClr val="accent1">
+              <a:lumMod val="20000"/>
+              <a:lumOff val="80000"/>
+            </a:schemeClr>
+          </a:solidFill>
+          <a:ln>
+            <a:solidFill>
+              <a:schemeClr val="accent1">
+                <a:lumMod val="50000"/>
+              </a:schemeClr>
+            </a:solidFill>
+            <a:headEnd type="none"/>
+            <a:tailEnd type="stealth" w="med" len="lg"/>
+          </a:ln>
+        </p:spPr>
+        <p:style>
+          <a:lnRef idx="2">
+            <a:schemeClr val="accent1">
+              <a:shade val="50000"/>
+            </a:schemeClr>
+          </a:lnRef>
+          <a:fillRef idx="1">
+            <a:schemeClr val="accent1"/>
+          </a:fillRef>
+          <a:effectRef idx="0">
+            <a:schemeClr val="accent1"/>
+          </a:effectRef>
+          <a:fontRef idx="minor">
+            <a:schemeClr val="lt1"/>
+          </a:fontRef>
+        </p:style>
+      </p:cxnSp>
+      <p:cxnSp>
+        <p:nvCxnSpPr>
+          <p:cNvPr id="37" name="Connecteur droit avec flèche 36">
+            <a:extLst>
+              <a:ext uri="{FF2B5EF4-FFF2-40B4-BE49-F238E27FC236}">
+                <a16:creationId xmlns:a16="http://schemas.microsoft.com/office/drawing/2014/main" id="{26D52C66-B22E-4B0C-B0DD-A7A0876B6596}"/>
+              </a:ext>
+            </a:extLst>
+          </p:cNvPr>
+          <p:cNvCxnSpPr>
+            <a:cxnSpLocks/>
+          </p:cNvCxnSpPr>
+          <p:nvPr/>
+        </p:nvCxnSpPr>
+        <p:spPr>
+          <a:xfrm>
+            <a:off x="4424968" y="3558759"/>
+            <a:ext cx="271661" cy="0"/>
+          </a:xfrm>
+          <a:prstGeom prst="straightConnector1">
+            <a:avLst/>
+          </a:prstGeom>
+          <a:solidFill>
+            <a:schemeClr val="accent1">
+              <a:lumMod val="20000"/>
+              <a:lumOff val="80000"/>
+            </a:schemeClr>
+          </a:solidFill>
+          <a:ln>
+            <a:solidFill>
+              <a:schemeClr val="accent1">
+                <a:lumMod val="50000"/>
+              </a:schemeClr>
+            </a:solidFill>
+            <a:headEnd type="none"/>
+            <a:tailEnd type="stealth" w="med" len="lg"/>
+          </a:ln>
+        </p:spPr>
+        <p:style>
+          <a:lnRef idx="2">
+            <a:schemeClr val="accent1">
+              <a:shade val="50000"/>
+            </a:schemeClr>
+          </a:lnRef>
+          <a:fillRef idx="1">
+            <a:schemeClr val="accent1"/>
+          </a:fillRef>
+          <a:effectRef idx="0">
+            <a:schemeClr val="accent1"/>
+          </a:effectRef>
+          <a:fontRef idx="minor">
+            <a:schemeClr val="lt1"/>
+          </a:fontRef>
+        </p:style>
+      </p:cxnSp>
+      <p:cxnSp>
+        <p:nvCxnSpPr>
+          <p:cNvPr id="38" name="Connecteur droit avec flèche 37">
+            <a:extLst>
+              <a:ext uri="{FF2B5EF4-FFF2-40B4-BE49-F238E27FC236}">
+                <a16:creationId xmlns:a16="http://schemas.microsoft.com/office/drawing/2014/main" id="{38A989D1-E56B-4B44-9247-A6E2A399CFFE}"/>
+              </a:ext>
+            </a:extLst>
+          </p:cNvPr>
+          <p:cNvCxnSpPr>
+            <a:cxnSpLocks/>
+            <a:stCxn id="9" idx="3"/>
+          </p:cNvCxnSpPr>
+          <p:nvPr/>
+        </p:nvCxnSpPr>
+        <p:spPr>
+          <a:xfrm>
+            <a:off x="3525130" y="3558759"/>
+            <a:ext cx="359838" cy="0"/>
+          </a:xfrm>
+          <a:prstGeom prst="straightConnector1">
+            <a:avLst/>
+          </a:prstGeom>
+          <a:solidFill>
+            <a:schemeClr val="accent1">
+              <a:lumMod val="20000"/>
+              <a:lumOff val="80000"/>
+            </a:schemeClr>
+          </a:solidFill>
+          <a:ln>
+            <a:solidFill>
+              <a:schemeClr val="accent1">
+                <a:lumMod val="50000"/>
+              </a:schemeClr>
+            </a:solidFill>
+            <a:headEnd type="none"/>
+            <a:tailEnd type="stealth" w="med" len="lg"/>
+          </a:ln>
+        </p:spPr>
+        <p:style>
+          <a:lnRef idx="2">
+            <a:schemeClr val="accent1">
+              <a:shade val="50000"/>
+            </a:schemeClr>
+          </a:lnRef>
+          <a:fillRef idx="1">
+            <a:schemeClr val="accent1"/>
+          </a:fillRef>
+          <a:effectRef idx="0">
+            <a:schemeClr val="accent1"/>
+          </a:effectRef>
+          <a:fontRef idx="minor">
+            <a:schemeClr val="lt1"/>
+          </a:fontRef>
+        </p:style>
+      </p:cxnSp>
+      <p:cxnSp>
+        <p:nvCxnSpPr>
+          <p:cNvPr id="41" name="Connecteur droit avec flèche 40">
+            <a:extLst>
+              <a:ext uri="{FF2B5EF4-FFF2-40B4-BE49-F238E27FC236}">
+                <a16:creationId xmlns:a16="http://schemas.microsoft.com/office/drawing/2014/main" id="{130B4178-E52F-4875-AB3B-CED741D85B83}"/>
+              </a:ext>
+            </a:extLst>
+          </p:cNvPr>
+          <p:cNvCxnSpPr>
+            <a:cxnSpLocks/>
+          </p:cNvCxnSpPr>
+          <p:nvPr/>
+        </p:nvCxnSpPr>
+        <p:spPr>
+          <a:xfrm flipV="1">
+            <a:off x="2264915" y="3555334"/>
+            <a:ext cx="232663" cy="0"/>
+          </a:xfrm>
+          <a:prstGeom prst="straightConnector1">
+            <a:avLst/>
+          </a:prstGeom>
+          <a:solidFill>
+            <a:schemeClr val="accent1">
+              <a:lumMod val="20000"/>
+              <a:lumOff val="80000"/>
+            </a:schemeClr>
+          </a:solidFill>
+          <a:ln>
+            <a:solidFill>
+              <a:schemeClr val="accent1">
+                <a:lumMod val="50000"/>
+              </a:schemeClr>
+            </a:solidFill>
+            <a:headEnd type="none"/>
+            <a:tailEnd type="stealth" w="med" len="lg"/>
+          </a:ln>
+        </p:spPr>
+        <p:style>
+          <a:lnRef idx="2">
+            <a:schemeClr val="accent1">
+              <a:shade val="50000"/>
+            </a:schemeClr>
+          </a:lnRef>
+          <a:fillRef idx="1">
+            <a:schemeClr val="accent1"/>
+          </a:fillRef>
+          <a:effectRef idx="0">
+            <a:schemeClr val="accent1"/>
+          </a:effectRef>
+          <a:fontRef idx="minor">
+            <a:schemeClr val="lt1"/>
+          </a:fontRef>
+        </p:style>
+      </p:cxnSp>
+      <p:cxnSp>
+        <p:nvCxnSpPr>
+          <p:cNvPr id="44" name="Connecteur droit avec flèche 43">
+            <a:extLst>
+              <a:ext uri="{FF2B5EF4-FFF2-40B4-BE49-F238E27FC236}">
+                <a16:creationId xmlns:a16="http://schemas.microsoft.com/office/drawing/2014/main" id="{20F5819F-735F-46BD-B018-6C48003B7EEC}"/>
+              </a:ext>
+            </a:extLst>
+          </p:cNvPr>
+          <p:cNvCxnSpPr>
+            <a:cxnSpLocks/>
+            <a:stCxn id="21" idx="6"/>
+            <a:endCxn id="12" idx="1"/>
+          </p:cNvCxnSpPr>
+          <p:nvPr/>
+        </p:nvCxnSpPr>
+        <p:spPr>
+          <a:xfrm>
+            <a:off x="926115" y="3558399"/>
+            <a:ext cx="304238" cy="360"/>
+          </a:xfrm>
+          <a:prstGeom prst="straightConnector1">
+            <a:avLst/>
+          </a:prstGeom>
+          <a:solidFill>
+            <a:schemeClr val="accent1">
+              <a:lumMod val="20000"/>
+              <a:lumOff val="80000"/>
+            </a:schemeClr>
+          </a:solidFill>
+          <a:ln>
+            <a:solidFill>
+              <a:schemeClr val="accent1">
+                <a:lumMod val="50000"/>
+              </a:schemeClr>
+            </a:solidFill>
+            <a:headEnd type="none"/>
+            <a:tailEnd type="stealth" w="med" len="lg"/>
+          </a:ln>
+        </p:spPr>
+        <p:style>
+          <a:lnRef idx="2">
+            <a:schemeClr val="accent1">
+              <a:shade val="50000"/>
+            </a:schemeClr>
+          </a:lnRef>
+          <a:fillRef idx="1">
+            <a:schemeClr val="accent1"/>
+          </a:fillRef>
+          <a:effectRef idx="0">
+            <a:schemeClr val="accent1"/>
+          </a:effectRef>
+          <a:fontRef idx="minor">
+            <a:schemeClr val="lt1"/>
+          </a:fontRef>
+        </p:style>
+      </p:cxnSp>
+      <p:cxnSp>
+        <p:nvCxnSpPr>
+          <p:cNvPr id="48" name="Connecteur droit avec flèche 47">
+            <a:extLst>
+              <a:ext uri="{FF2B5EF4-FFF2-40B4-BE49-F238E27FC236}">
+                <a16:creationId xmlns:a16="http://schemas.microsoft.com/office/drawing/2014/main" id="{C08D1A19-5E89-4E9B-97F9-34B11180DB38}"/>
+              </a:ext>
+            </a:extLst>
+          </p:cNvPr>
+          <p:cNvCxnSpPr>
+            <a:cxnSpLocks/>
+          </p:cNvCxnSpPr>
+          <p:nvPr/>
+        </p:nvCxnSpPr>
+        <p:spPr>
+          <a:xfrm>
+            <a:off x="5236629" y="3555334"/>
+            <a:ext cx="660695" cy="0"/>
+          </a:xfrm>
+          <a:prstGeom prst="straightConnector1">
+            <a:avLst/>
+          </a:prstGeom>
+          <a:solidFill>
+            <a:schemeClr val="accent1">
+              <a:lumMod val="20000"/>
+              <a:lumOff val="80000"/>
+            </a:schemeClr>
+          </a:solidFill>
+          <a:ln>
+            <a:solidFill>
+              <a:schemeClr val="accent1">
+                <a:lumMod val="50000"/>
+              </a:schemeClr>
+            </a:solidFill>
+            <a:headEnd type="none"/>
+            <a:tailEnd type="stealth" w="med" len="lg"/>
+          </a:ln>
+        </p:spPr>
+        <p:style>
+          <a:lnRef idx="2">
+            <a:schemeClr val="accent1">
+              <a:shade val="50000"/>
+            </a:schemeClr>
+          </a:lnRef>
+          <a:fillRef idx="1">
+            <a:schemeClr val="accent1"/>
+          </a:fillRef>
+          <a:effectRef idx="0">
+            <a:schemeClr val="accent1"/>
+          </a:effectRef>
+          <a:fontRef idx="minor">
+            <a:schemeClr val="lt1"/>
+          </a:fontRef>
+        </p:style>
+      </p:cxnSp>
+      <p:cxnSp>
+        <p:nvCxnSpPr>
+          <p:cNvPr id="52" name="Connecteur droit avec flèche 51">
+            <a:extLst>
+              <a:ext uri="{FF2B5EF4-FFF2-40B4-BE49-F238E27FC236}">
+                <a16:creationId xmlns:a16="http://schemas.microsoft.com/office/drawing/2014/main" id="{9E46C6F3-831A-466A-AF6F-FD74E8D9E621}"/>
+              </a:ext>
+            </a:extLst>
+          </p:cNvPr>
+          <p:cNvCxnSpPr>
+            <a:cxnSpLocks/>
+          </p:cNvCxnSpPr>
+          <p:nvPr/>
+        </p:nvCxnSpPr>
+        <p:spPr>
+          <a:xfrm>
+            <a:off x="800114" y="4016016"/>
+            <a:ext cx="4524692" cy="0"/>
+          </a:xfrm>
+          <a:prstGeom prst="straightConnector1">
+            <a:avLst/>
+          </a:prstGeom>
+          <a:solidFill>
+            <a:schemeClr val="accent1">
+              <a:lumMod val="20000"/>
+              <a:lumOff val="80000"/>
+            </a:schemeClr>
+          </a:solidFill>
+          <a:ln>
+            <a:solidFill>
+              <a:schemeClr val="accent1">
+                <a:lumMod val="50000"/>
+              </a:schemeClr>
+            </a:solidFill>
+            <a:headEnd type="none"/>
+            <a:tailEnd type="none" w="med" len="lg"/>
+          </a:ln>
+        </p:spPr>
+        <p:style>
+          <a:lnRef idx="2">
+            <a:schemeClr val="accent1">
+              <a:shade val="50000"/>
+            </a:schemeClr>
+          </a:lnRef>
+          <a:fillRef idx="1">
+            <a:schemeClr val="accent1"/>
+          </a:fillRef>
+          <a:effectRef idx="0">
+            <a:schemeClr val="accent1"/>
+          </a:effectRef>
+          <a:fontRef idx="minor">
+            <a:schemeClr val="lt1"/>
+          </a:fontRef>
+        </p:style>
+      </p:cxnSp>
+      <p:grpSp>
+        <p:nvGrpSpPr>
+          <p:cNvPr id="20" name="Groupe 19">
+            <a:extLst>
+              <a:ext uri="{FF2B5EF4-FFF2-40B4-BE49-F238E27FC236}">
+                <a16:creationId xmlns:a16="http://schemas.microsoft.com/office/drawing/2014/main" id="{BA626378-6268-43C5-BDE4-16CB7D742027}"/>
+              </a:ext>
+            </a:extLst>
+          </p:cNvPr>
+          <p:cNvGrpSpPr/>
+          <p:nvPr/>
+        </p:nvGrpSpPr>
+        <p:grpSpPr>
+          <a:xfrm>
+            <a:off x="603952" y="3404510"/>
+            <a:ext cx="322163" cy="391212"/>
+            <a:chOff x="2225997" y="1079551"/>
+            <a:chExt cx="322163" cy="391212"/>
+          </a:xfrm>
+        </p:grpSpPr>
+        <p:sp>
+          <p:nvSpPr>
+            <p:cNvPr id="21" name="Organigramme : Jonction de sommaire 20">
+              <a:extLst>
+                <a:ext uri="{FF2B5EF4-FFF2-40B4-BE49-F238E27FC236}">
+                  <a16:creationId xmlns:a16="http://schemas.microsoft.com/office/drawing/2014/main" id="{74CBCBAD-FF1C-4345-A0A2-CF5B31E5D3F2}"/>
+                </a:ext>
+              </a:extLst>
+            </p:cNvPr>
+            <p:cNvSpPr/>
+            <p:nvPr/>
+          </p:nvSpPr>
+          <p:spPr>
+            <a:xfrm>
+              <a:off x="2296160" y="1107440"/>
+              <a:ext cx="252000" cy="252000"/>
+            </a:xfrm>
+            <a:prstGeom prst="flowChartSummingJunction">
+              <a:avLst/>
+            </a:prstGeom>
+            <a:solidFill>
+              <a:schemeClr val="accent1">
+                <a:lumMod val="20000"/>
+                <a:lumOff val="80000"/>
+              </a:schemeClr>
+            </a:solidFill>
+            <a:ln>
+              <a:solidFill>
+                <a:schemeClr val="accent1">
+                  <a:lumMod val="50000"/>
+                </a:schemeClr>
+              </a:solidFill>
+            </a:ln>
+          </p:spPr>
+          <p:style>
+            <a:lnRef idx="2">
+              <a:schemeClr val="accent1">
+                <a:shade val="50000"/>
+              </a:schemeClr>
+            </a:lnRef>
+            <a:fillRef idx="1">
+              <a:schemeClr val="accent1"/>
+            </a:fillRef>
+            <a:effectRef idx="0">
+              <a:schemeClr val="accent1"/>
+            </a:effectRef>
+            <a:fontRef idx="minor">
+              <a:schemeClr val="lt1"/>
+            </a:fontRef>
+          </p:style>
+          <p:txBody>
+            <a:bodyPr rtlCol="0" anchor="ctr"/>
+            <a:lstStyle/>
+            <a:p>
+              <a:pPr algn="ctr"/>
+              <a:endParaRPr lang="fr-FR"/>
+            </a:p>
+          </p:txBody>
+        </p:sp>
+        <p:sp>
+          <p:nvSpPr>
+            <p:cNvPr id="23" name="ZoneTexte 22">
+              <a:extLst>
+                <a:ext uri="{FF2B5EF4-FFF2-40B4-BE49-F238E27FC236}">
+                  <a16:creationId xmlns:a16="http://schemas.microsoft.com/office/drawing/2014/main" id="{ED9FDE57-2B48-4595-BBDB-6FC6D1A89B4D}"/>
+                </a:ext>
+              </a:extLst>
+            </p:cNvPr>
+            <p:cNvSpPr txBox="1"/>
+            <p:nvPr/>
+          </p:nvSpPr>
+          <p:spPr>
+            <a:xfrm>
+              <a:off x="2225997" y="1079551"/>
+              <a:ext cx="241684" cy="307777"/>
+            </a:xfrm>
+            <a:prstGeom prst="rect">
+              <a:avLst/>
+            </a:prstGeom>
+            <a:noFill/>
+          </p:spPr>
+          <p:txBody>
+            <a:bodyPr wrap="square" rtlCol="0">
+              <a:spAutoFit/>
+            </a:bodyPr>
+            <a:lstStyle/>
+            <a:p>
+              <a:pPr algn="ctr"/>
+              <a:r>
+                <a:rPr lang="fr-FR" sz="1400" dirty="0"/>
+                <a:t>+</a:t>
+              </a:r>
+            </a:p>
+          </p:txBody>
+        </p:sp>
+        <p:sp>
+          <p:nvSpPr>
+            <p:cNvPr id="24" name="ZoneTexte 23">
+              <a:extLst>
+                <a:ext uri="{FF2B5EF4-FFF2-40B4-BE49-F238E27FC236}">
+                  <a16:creationId xmlns:a16="http://schemas.microsoft.com/office/drawing/2014/main" id="{89C234DB-D452-4C1D-A110-1E01D1421732}"/>
+                </a:ext>
+              </a:extLst>
+            </p:cNvPr>
+            <p:cNvSpPr txBox="1"/>
+            <p:nvPr/>
+          </p:nvSpPr>
+          <p:spPr>
+            <a:xfrm>
+              <a:off x="2302482" y="1101431"/>
+              <a:ext cx="241684" cy="369332"/>
+            </a:xfrm>
+            <a:prstGeom prst="rect">
+              <a:avLst/>
+            </a:prstGeom>
+            <a:noFill/>
+          </p:spPr>
+          <p:txBody>
+            <a:bodyPr wrap="square" rtlCol="0">
+              <a:spAutoFit/>
+            </a:bodyPr>
+            <a:lstStyle/>
+            <a:p>
+              <a:pPr algn="ctr"/>
+              <a:r>
+                <a:rPr lang="fr-FR" dirty="0"/>
+                <a:t>-</a:t>
+              </a:r>
+            </a:p>
+          </p:txBody>
+        </p:sp>
+      </p:grpSp>
+      <p:cxnSp>
+        <p:nvCxnSpPr>
+          <p:cNvPr id="26" name="Connecteur droit avec flèche 25">
+            <a:extLst>
+              <a:ext uri="{FF2B5EF4-FFF2-40B4-BE49-F238E27FC236}">
+                <a16:creationId xmlns:a16="http://schemas.microsoft.com/office/drawing/2014/main" id="{E8FC64D1-D03D-40B2-92C8-8D3C90944073}"/>
+              </a:ext>
+            </a:extLst>
+          </p:cNvPr>
+          <p:cNvCxnSpPr>
+            <a:cxnSpLocks/>
+          </p:cNvCxnSpPr>
+          <p:nvPr/>
+        </p:nvCxnSpPr>
+        <p:spPr>
+          <a:xfrm>
+            <a:off x="351685" y="3561825"/>
+            <a:ext cx="304238" cy="360"/>
+          </a:xfrm>
+          <a:prstGeom prst="straightConnector1">
+            <a:avLst/>
+          </a:prstGeom>
+          <a:solidFill>
+            <a:schemeClr val="accent1">
+              <a:lumMod val="20000"/>
+              <a:lumOff val="80000"/>
+            </a:schemeClr>
+          </a:solidFill>
+          <a:ln>
+            <a:solidFill>
+              <a:schemeClr val="accent1">
+                <a:lumMod val="50000"/>
+              </a:schemeClr>
+            </a:solidFill>
+            <a:headEnd type="none"/>
+            <a:tailEnd type="stealth" w="med" len="lg"/>
+          </a:ln>
+        </p:spPr>
+        <p:style>
+          <a:lnRef idx="2">
+            <a:schemeClr val="accent1">
+              <a:shade val="50000"/>
+            </a:schemeClr>
+          </a:lnRef>
+          <a:fillRef idx="1">
+            <a:schemeClr val="accent1"/>
+          </a:fillRef>
+          <a:effectRef idx="0">
+            <a:schemeClr val="accent1"/>
+          </a:effectRef>
+          <a:fontRef idx="minor">
+            <a:schemeClr val="lt1"/>
+          </a:fontRef>
+        </p:style>
+      </p:cxnSp>
+      <p:grpSp>
+        <p:nvGrpSpPr>
+          <p:cNvPr id="27" name="Groupe 26">
+            <a:extLst>
+              <a:ext uri="{FF2B5EF4-FFF2-40B4-BE49-F238E27FC236}">
+                <a16:creationId xmlns:a16="http://schemas.microsoft.com/office/drawing/2014/main" id="{88E9A667-6EBB-4545-913A-08551050E45B}"/>
+              </a:ext>
+            </a:extLst>
+          </p:cNvPr>
+          <p:cNvGrpSpPr/>
+          <p:nvPr/>
+        </p:nvGrpSpPr>
+        <p:grpSpPr>
+          <a:xfrm>
+            <a:off x="1934582" y="3278730"/>
+            <a:ext cx="322163" cy="439968"/>
+            <a:chOff x="2225997" y="947360"/>
+            <a:chExt cx="322163" cy="439968"/>
+          </a:xfrm>
+        </p:grpSpPr>
+        <p:sp>
+          <p:nvSpPr>
+            <p:cNvPr id="28" name="Organigramme : Jonction de sommaire 27">
+              <a:extLst>
+                <a:ext uri="{FF2B5EF4-FFF2-40B4-BE49-F238E27FC236}">
+                  <a16:creationId xmlns:a16="http://schemas.microsoft.com/office/drawing/2014/main" id="{59970A63-DCFA-421E-8FF5-A1F515787DFD}"/>
+                </a:ext>
+              </a:extLst>
+            </p:cNvPr>
+            <p:cNvSpPr/>
+            <p:nvPr/>
+          </p:nvSpPr>
+          <p:spPr>
+            <a:xfrm>
+              <a:off x="2296160" y="1107440"/>
+              <a:ext cx="252000" cy="252000"/>
+            </a:xfrm>
+            <a:prstGeom prst="flowChartSummingJunction">
+              <a:avLst/>
+            </a:prstGeom>
+            <a:solidFill>
+              <a:schemeClr val="accent1">
+                <a:lumMod val="20000"/>
+                <a:lumOff val="80000"/>
+              </a:schemeClr>
+            </a:solidFill>
+            <a:ln>
+              <a:solidFill>
+                <a:schemeClr val="accent1">
+                  <a:lumMod val="50000"/>
+                </a:schemeClr>
+              </a:solidFill>
+            </a:ln>
+          </p:spPr>
+          <p:style>
+            <a:lnRef idx="2">
+              <a:schemeClr val="accent1">
+                <a:shade val="50000"/>
+              </a:schemeClr>
+            </a:lnRef>
+            <a:fillRef idx="1">
+              <a:schemeClr val="accent1"/>
+            </a:fillRef>
+            <a:effectRef idx="0">
+              <a:schemeClr val="accent1"/>
+            </a:effectRef>
+            <a:fontRef idx="minor">
+              <a:schemeClr val="lt1"/>
+            </a:fontRef>
+          </p:style>
+          <p:txBody>
+            <a:bodyPr rtlCol="0" anchor="ctr"/>
+            <a:lstStyle/>
+            <a:p>
+              <a:pPr algn="ctr"/>
+              <a:endParaRPr lang="fr-FR"/>
+            </a:p>
+          </p:txBody>
+        </p:sp>
+        <p:sp>
+          <p:nvSpPr>
+            <p:cNvPr id="29" name="ZoneTexte 28">
+              <a:extLst>
+                <a:ext uri="{FF2B5EF4-FFF2-40B4-BE49-F238E27FC236}">
+                  <a16:creationId xmlns:a16="http://schemas.microsoft.com/office/drawing/2014/main" id="{7FFCB8A4-C1A7-46B1-B3D3-183A86239DDC}"/>
+                </a:ext>
+              </a:extLst>
+            </p:cNvPr>
+            <p:cNvSpPr txBox="1"/>
+            <p:nvPr/>
+          </p:nvSpPr>
+          <p:spPr>
+            <a:xfrm>
+              <a:off x="2225997" y="1079551"/>
+              <a:ext cx="241684" cy="307777"/>
+            </a:xfrm>
+            <a:prstGeom prst="rect">
+              <a:avLst/>
+            </a:prstGeom>
+            <a:noFill/>
+          </p:spPr>
+          <p:txBody>
+            <a:bodyPr wrap="square" rtlCol="0">
+              <a:spAutoFit/>
+            </a:bodyPr>
+            <a:lstStyle/>
+            <a:p>
+              <a:pPr algn="ctr"/>
+              <a:r>
+                <a:rPr lang="fr-FR" sz="1400" dirty="0"/>
+                <a:t>+</a:t>
+              </a:r>
+            </a:p>
+          </p:txBody>
+        </p:sp>
+        <p:sp>
+          <p:nvSpPr>
+            <p:cNvPr id="30" name="ZoneTexte 29">
+              <a:extLst>
+                <a:ext uri="{FF2B5EF4-FFF2-40B4-BE49-F238E27FC236}">
+                  <a16:creationId xmlns:a16="http://schemas.microsoft.com/office/drawing/2014/main" id="{345EB3AE-A781-44B6-9EBA-60DCD9B83566}"/>
+                </a:ext>
+              </a:extLst>
+            </p:cNvPr>
+            <p:cNvSpPr txBox="1"/>
+            <p:nvPr/>
+          </p:nvSpPr>
+          <p:spPr>
+            <a:xfrm>
+              <a:off x="2302482" y="947360"/>
+              <a:ext cx="241684" cy="369332"/>
+            </a:xfrm>
+            <a:prstGeom prst="rect">
+              <a:avLst/>
+            </a:prstGeom>
+            <a:noFill/>
+          </p:spPr>
+          <p:txBody>
+            <a:bodyPr wrap="square" rtlCol="0">
+              <a:spAutoFit/>
+            </a:bodyPr>
+            <a:lstStyle/>
+            <a:p>
+              <a:pPr algn="ctr"/>
+              <a:r>
+                <a:rPr lang="fr-FR" dirty="0"/>
+                <a:t>-</a:t>
+              </a:r>
+            </a:p>
+          </p:txBody>
+        </p:sp>
+      </p:grpSp>
+      <p:cxnSp>
+        <p:nvCxnSpPr>
+          <p:cNvPr id="33" name="Connecteur droit avec flèche 32">
+            <a:extLst>
+              <a:ext uri="{FF2B5EF4-FFF2-40B4-BE49-F238E27FC236}">
+                <a16:creationId xmlns:a16="http://schemas.microsoft.com/office/drawing/2014/main" id="{F30A0416-DFA7-4548-925B-9B1C381181F2}"/>
+              </a:ext>
+            </a:extLst>
+          </p:cNvPr>
+          <p:cNvCxnSpPr>
+            <a:cxnSpLocks/>
+          </p:cNvCxnSpPr>
+          <p:nvPr/>
+        </p:nvCxnSpPr>
+        <p:spPr>
+          <a:xfrm>
+            <a:off x="2130745" y="3169385"/>
+            <a:ext cx="1" cy="257005"/>
+          </a:xfrm>
+          <a:prstGeom prst="straightConnector1">
+            <a:avLst/>
+          </a:prstGeom>
+          <a:solidFill>
+            <a:schemeClr val="accent1">
+              <a:lumMod val="20000"/>
+              <a:lumOff val="80000"/>
+            </a:schemeClr>
+          </a:solidFill>
+          <a:ln>
+            <a:solidFill>
+              <a:schemeClr val="accent1">
+                <a:lumMod val="50000"/>
+              </a:schemeClr>
+            </a:solidFill>
+            <a:headEnd type="none"/>
+            <a:tailEnd type="stealth" w="med" len="lg"/>
+          </a:ln>
+        </p:spPr>
+        <p:style>
+          <a:lnRef idx="2">
+            <a:schemeClr val="accent1">
+              <a:shade val="50000"/>
+            </a:schemeClr>
+          </a:lnRef>
+          <a:fillRef idx="1">
+            <a:schemeClr val="accent1"/>
+          </a:fillRef>
+          <a:effectRef idx="0">
+            <a:schemeClr val="accent1"/>
+          </a:effectRef>
+          <a:fontRef idx="minor">
+            <a:schemeClr val="lt1"/>
+          </a:fontRef>
+        </p:style>
+      </p:cxnSp>
+      <p:cxnSp>
+        <p:nvCxnSpPr>
+          <p:cNvPr id="42" name="Connecteur droit avec flèche 41">
+            <a:extLst>
+              <a:ext uri="{FF2B5EF4-FFF2-40B4-BE49-F238E27FC236}">
+                <a16:creationId xmlns:a16="http://schemas.microsoft.com/office/drawing/2014/main" id="{05EE83D0-30F9-4385-ACB5-2621450194FA}"/>
+              </a:ext>
+            </a:extLst>
+          </p:cNvPr>
+          <p:cNvCxnSpPr>
+            <a:cxnSpLocks/>
+          </p:cNvCxnSpPr>
+          <p:nvPr/>
+        </p:nvCxnSpPr>
+        <p:spPr>
+          <a:xfrm flipV="1">
             <a:off x="5390121" y="3169385"/>
             <a:ext cx="0" cy="379544"/>
           </a:xfrm>
@@ -10562,6 +12422,5710 @@
     <p:extLst>
       <p:ext uri="{BB962C8B-B14F-4D97-AF65-F5344CB8AC3E}">
         <p14:creationId xmlns:p14="http://schemas.microsoft.com/office/powerpoint/2010/main" val="3076735206"/>
+      </p:ext>
+    </p:extLst>
+  </p:cSld>
+  <p:clrMapOvr>
+    <a:masterClrMapping/>
+  </p:clrMapOvr>
+</p:sld>
+</file>
+
+<file path=ppt/slides/slide6.xml><?xml version="1.0" encoding="utf-8"?>
+<p:sld xmlns:a="http://schemas.openxmlformats.org/drawingml/2006/main" xmlns:r="http://schemas.openxmlformats.org/officeDocument/2006/relationships" xmlns:p="http://schemas.openxmlformats.org/presentationml/2006/main">
+  <p:cSld>
+    <p:spTree>
+      <p:nvGrpSpPr>
+        <p:cNvPr id="1" name=""/>
+        <p:cNvGrpSpPr/>
+        <p:nvPr/>
+      </p:nvGrpSpPr>
+      <p:grpSpPr>
+        <a:xfrm>
+          <a:off x="0" y="0"/>
+          <a:ext cx="0" cy="0"/>
+          <a:chOff x="0" y="0"/>
+          <a:chExt cx="0" cy="0"/>
+        </a:xfrm>
+      </p:grpSpPr>
+      <mc:AlternateContent xmlns:mc="http://schemas.openxmlformats.org/markup-compatibility/2006" xmlns:a14="http://schemas.microsoft.com/office/drawing/2010/main">
+        <mc:Choice Requires="a14">
+          <p:sp>
+            <p:nvSpPr>
+              <p:cNvPr id="9" name="Rectangle 8">
+                <a:extLst>
+                  <a:ext uri="{FF2B5EF4-FFF2-40B4-BE49-F238E27FC236}">
+                    <a16:creationId xmlns:a16="http://schemas.microsoft.com/office/drawing/2014/main" id="{E1FC6A0D-BA6F-4196-A515-F22611F3FAF4}"/>
+                  </a:ext>
+                </a:extLst>
+              </p:cNvPr>
+              <p:cNvSpPr/>
+              <p:nvPr/>
+            </p:nvSpPr>
+            <p:spPr>
+              <a:xfrm>
+                <a:off x="2497578" y="3432759"/>
+                <a:ext cx="540000" cy="252000"/>
+              </a:xfrm>
+              <a:prstGeom prst="rect">
+                <a:avLst/>
+              </a:prstGeom>
+              <a:solidFill>
+                <a:schemeClr val="accent1">
+                  <a:lumMod val="20000"/>
+                  <a:lumOff val="80000"/>
+                </a:schemeClr>
+              </a:solidFill>
+              <a:ln>
+                <a:solidFill>
+                  <a:schemeClr val="accent1">
+                    <a:lumMod val="50000"/>
+                  </a:schemeClr>
+                </a:solidFill>
+              </a:ln>
+            </p:spPr>
+            <p:style>
+              <a:lnRef idx="2">
+                <a:schemeClr val="accent1">
+                  <a:shade val="50000"/>
+                </a:schemeClr>
+              </a:lnRef>
+              <a:fillRef idx="1">
+                <a:schemeClr val="accent1"/>
+              </a:fillRef>
+              <a:effectRef idx="0">
+                <a:schemeClr val="accent1"/>
+              </a:effectRef>
+              <a:fontRef idx="minor">
+                <a:schemeClr val="lt1"/>
+              </a:fontRef>
+            </p:style>
+            <p:txBody>
+              <a:bodyPr rot="0" spcFirstLastPara="0" vertOverflow="overflow" horzOverflow="overflow" vert="horz" wrap="square" lIns="91440" tIns="45720" rIns="91440" bIns="45720" numCol="1" spcCol="0" rtlCol="0" fromWordArt="0" anchor="ctr" anchorCtr="0" forceAA="0" compatLnSpc="1">
+                <a:prstTxWarp prst="textNoShape">
+                  <a:avLst/>
+                </a:prstTxWarp>
+                <a:noAutofit/>
+              </a:bodyPr>
+              <a:lstStyle/>
+              <a:p>
+                <a:pPr algn="ctr"/>
+                <a14:m>
+                  <m:oMathPara xmlns:m="http://schemas.openxmlformats.org/officeDocument/2006/math">
+                    <m:oMathParaPr>
+                      <m:jc m:val="centerGroup"/>
+                    </m:oMathParaPr>
+                    <m:oMath xmlns:m="http://schemas.openxmlformats.org/officeDocument/2006/math">
+                      <m:r>
+                        <a:rPr lang="fr-FR" sz="1200" b="1" i="0" smtClean="0">
+                          <a:solidFill>
+                            <a:schemeClr val="tx1"/>
+                          </a:solidFill>
+                          <a:latin typeface="Cambria Math" panose="02040503050406030204" pitchFamily="18" charset="0"/>
+                        </a:rPr>
+                        <m:t>𝐁</m:t>
+                      </m:r>
+                    </m:oMath>
+                  </m:oMathPara>
+                </a14:m>
+                <a:endParaRPr lang="fr-FR" sz="1200" b="1" dirty="0">
+                  <a:solidFill>
+                    <a:schemeClr val="tx1"/>
+                  </a:solidFill>
+                </a:endParaRPr>
+              </a:p>
+            </p:txBody>
+          </p:sp>
+        </mc:Choice>
+        <mc:Fallback xmlns="">
+          <p:sp>
+            <p:nvSpPr>
+              <p:cNvPr id="9" name="Rectangle 8">
+                <a:extLst>
+                  <a:ext uri="{FF2B5EF4-FFF2-40B4-BE49-F238E27FC236}">
+                    <a16:creationId xmlns:a16="http://schemas.microsoft.com/office/drawing/2014/main" id="{E1FC6A0D-BA6F-4196-A515-F22611F3FAF4}"/>
+                  </a:ext>
+                </a:extLst>
+              </p:cNvPr>
+              <p:cNvSpPr>
+                <a:spLocks noRot="1" noChangeAspect="1" noMove="1" noResize="1" noEditPoints="1" noAdjustHandles="1" noChangeArrowheads="1" noChangeShapeType="1" noTextEdit="1"/>
+              </p:cNvSpPr>
+              <p:nvPr/>
+            </p:nvSpPr>
+            <p:spPr>
+              <a:xfrm>
+                <a:off x="2497578" y="3432759"/>
+                <a:ext cx="540000" cy="252000"/>
+              </a:xfrm>
+              <a:prstGeom prst="rect">
+                <a:avLst/>
+              </a:prstGeom>
+              <a:blipFill>
+                <a:blip r:embed="rId2"/>
+                <a:stretch>
+                  <a:fillRect/>
+                </a:stretch>
+              </a:blipFill>
+              <a:ln>
+                <a:solidFill>
+                  <a:schemeClr val="accent1">
+                    <a:lumMod val="50000"/>
+                  </a:schemeClr>
+                </a:solidFill>
+              </a:ln>
+            </p:spPr>
+            <p:txBody>
+              <a:bodyPr/>
+              <a:lstStyle/>
+              <a:p>
+                <a:r>
+                  <a:rPr lang="fr-FR">
+                    <a:noFill/>
+                  </a:rPr>
+                  <a:t> </a:t>
+                </a:r>
+              </a:p>
+            </p:txBody>
+          </p:sp>
+        </mc:Fallback>
+      </mc:AlternateContent>
+      <mc:AlternateContent xmlns:mc="http://schemas.openxmlformats.org/markup-compatibility/2006" xmlns:a14="http://schemas.microsoft.com/office/drawing/2010/main">
+        <mc:Choice Requires="a14">
+          <p:sp>
+            <p:nvSpPr>
+              <p:cNvPr id="10" name="Rectangle 9">
+                <a:extLst>
+                  <a:ext uri="{FF2B5EF4-FFF2-40B4-BE49-F238E27FC236}">
+                    <a16:creationId xmlns:a16="http://schemas.microsoft.com/office/drawing/2014/main" id="{4A692074-2AC0-46E1-9869-6DA9A26DBD2B}"/>
+                  </a:ext>
+                </a:extLst>
+              </p:cNvPr>
+              <p:cNvSpPr/>
+              <p:nvPr/>
+            </p:nvSpPr>
+            <p:spPr>
+              <a:xfrm>
+                <a:off x="3309239" y="3432759"/>
+                <a:ext cx="540000" cy="252000"/>
+              </a:xfrm>
+              <a:prstGeom prst="rect">
+                <a:avLst/>
+              </a:prstGeom>
+              <a:solidFill>
+                <a:schemeClr val="accent1">
+                  <a:lumMod val="20000"/>
+                  <a:lumOff val="80000"/>
+                </a:schemeClr>
+              </a:solidFill>
+              <a:ln>
+                <a:solidFill>
+                  <a:schemeClr val="accent1">
+                    <a:lumMod val="50000"/>
+                  </a:schemeClr>
+                </a:solidFill>
+              </a:ln>
+            </p:spPr>
+            <p:style>
+              <a:lnRef idx="2">
+                <a:schemeClr val="accent1">
+                  <a:shade val="50000"/>
+                </a:schemeClr>
+              </a:lnRef>
+              <a:fillRef idx="1">
+                <a:schemeClr val="accent1"/>
+              </a:fillRef>
+              <a:effectRef idx="0">
+                <a:schemeClr val="accent1"/>
+              </a:effectRef>
+              <a:fontRef idx="minor">
+                <a:schemeClr val="lt1"/>
+              </a:fontRef>
+            </p:style>
+            <p:txBody>
+              <a:bodyPr rot="0" spcFirstLastPara="0" vertOverflow="overflow" horzOverflow="overflow" vert="horz" wrap="square" lIns="91440" tIns="45720" rIns="91440" bIns="45720" numCol="1" spcCol="0" rtlCol="0" fromWordArt="0" anchor="ctr" anchorCtr="0" forceAA="0" compatLnSpc="1">
+                <a:prstTxWarp prst="textNoShape">
+                  <a:avLst/>
+                </a:prstTxWarp>
+                <a:noAutofit/>
+              </a:bodyPr>
+              <a:lstStyle/>
+              <a:p>
+                <a:pPr algn="ctr"/>
+                <a14:m>
+                  <m:oMathPara xmlns:m="http://schemas.openxmlformats.org/officeDocument/2006/math">
+                    <m:oMathParaPr>
+                      <m:jc m:val="centerGroup"/>
+                    </m:oMathParaPr>
+                    <m:oMath xmlns:m="http://schemas.openxmlformats.org/officeDocument/2006/math">
+                      <m:r>
+                        <a:rPr lang="fr-FR" sz="1200" b="1" i="0" smtClean="0">
+                          <a:solidFill>
+                            <a:schemeClr val="tx1"/>
+                          </a:solidFill>
+                          <a:latin typeface="Cambria Math" panose="02040503050406030204" pitchFamily="18" charset="0"/>
+                        </a:rPr>
+                        <m:t>𝐂</m:t>
+                      </m:r>
+                    </m:oMath>
+                  </m:oMathPara>
+                </a14:m>
+                <a:endParaRPr lang="fr-FR" sz="1200" b="1" dirty="0">
+                  <a:solidFill>
+                    <a:schemeClr val="tx1"/>
+                  </a:solidFill>
+                </a:endParaRPr>
+              </a:p>
+            </p:txBody>
+          </p:sp>
+        </mc:Choice>
+        <mc:Fallback xmlns="">
+          <p:sp>
+            <p:nvSpPr>
+              <p:cNvPr id="10" name="Rectangle 9">
+                <a:extLst>
+                  <a:ext uri="{FF2B5EF4-FFF2-40B4-BE49-F238E27FC236}">
+                    <a16:creationId xmlns:a16="http://schemas.microsoft.com/office/drawing/2014/main" id="{4A692074-2AC0-46E1-9869-6DA9A26DBD2B}"/>
+                  </a:ext>
+                </a:extLst>
+              </p:cNvPr>
+              <p:cNvSpPr>
+                <a:spLocks noRot="1" noChangeAspect="1" noMove="1" noResize="1" noEditPoints="1" noAdjustHandles="1" noChangeArrowheads="1" noChangeShapeType="1" noTextEdit="1"/>
+              </p:cNvSpPr>
+              <p:nvPr/>
+            </p:nvSpPr>
+            <p:spPr>
+              <a:xfrm>
+                <a:off x="3309239" y="3432759"/>
+                <a:ext cx="540000" cy="252000"/>
+              </a:xfrm>
+              <a:prstGeom prst="rect">
+                <a:avLst/>
+              </a:prstGeom>
+              <a:blipFill>
+                <a:blip r:embed="rId3"/>
+                <a:stretch>
+                  <a:fillRect/>
+                </a:stretch>
+              </a:blipFill>
+              <a:ln>
+                <a:solidFill>
+                  <a:schemeClr val="accent1">
+                    <a:lumMod val="50000"/>
+                  </a:schemeClr>
+                </a:solidFill>
+              </a:ln>
+            </p:spPr>
+            <p:txBody>
+              <a:bodyPr/>
+              <a:lstStyle/>
+              <a:p>
+                <a:r>
+                  <a:rPr lang="fr-FR">
+                    <a:noFill/>
+                  </a:rPr>
+                  <a:t> </a:t>
+                </a:r>
+              </a:p>
+            </p:txBody>
+          </p:sp>
+        </mc:Fallback>
+      </mc:AlternateContent>
+      <mc:AlternateContent xmlns:mc="http://schemas.openxmlformats.org/markup-compatibility/2006">
+        <mc:Choice xmlns:a14="http://schemas.microsoft.com/office/drawing/2010/main" Requires="a14">
+          <p:sp>
+            <p:nvSpPr>
+              <p:cNvPr id="11" name="Rectangle 10">
+                <a:extLst>
+                  <a:ext uri="{FF2B5EF4-FFF2-40B4-BE49-F238E27FC236}">
+                    <a16:creationId xmlns:a16="http://schemas.microsoft.com/office/drawing/2014/main" id="{8491BB0E-EDD0-4519-B26A-C25B6BACFE3D}"/>
+                  </a:ext>
+                </a:extLst>
+              </p:cNvPr>
+              <p:cNvSpPr/>
+              <p:nvPr/>
+            </p:nvSpPr>
+            <p:spPr>
+              <a:xfrm>
+                <a:off x="1230353" y="2824419"/>
+                <a:ext cx="540000" cy="252000"/>
+              </a:xfrm>
+              <a:prstGeom prst="rect">
+                <a:avLst/>
+              </a:prstGeom>
+              <a:solidFill>
+                <a:schemeClr val="accent1">
+                  <a:lumMod val="20000"/>
+                  <a:lumOff val="80000"/>
+                </a:schemeClr>
+              </a:solidFill>
+              <a:ln>
+                <a:solidFill>
+                  <a:schemeClr val="accent1">
+                    <a:lumMod val="50000"/>
+                  </a:schemeClr>
+                </a:solidFill>
+              </a:ln>
+            </p:spPr>
+            <p:style>
+              <a:lnRef idx="2">
+                <a:schemeClr val="accent1">
+                  <a:shade val="50000"/>
+                </a:schemeClr>
+              </a:lnRef>
+              <a:fillRef idx="1">
+                <a:schemeClr val="accent1"/>
+              </a:fillRef>
+              <a:effectRef idx="0">
+                <a:schemeClr val="accent1"/>
+              </a:effectRef>
+              <a:fontRef idx="minor">
+                <a:schemeClr val="lt1"/>
+              </a:fontRef>
+            </p:style>
+            <p:txBody>
+              <a:bodyPr rot="0" spcFirstLastPara="0" vertOverflow="overflow" horzOverflow="overflow" vert="horz" wrap="square" lIns="91440" tIns="45720" rIns="91440" bIns="45720" numCol="1" spcCol="0" rtlCol="0" fromWordArt="0" anchor="ctr" anchorCtr="0" forceAA="0" compatLnSpc="1">
+                <a:prstTxWarp prst="textNoShape">
+                  <a:avLst/>
+                </a:prstTxWarp>
+                <a:noAutofit/>
+              </a:bodyPr>
+              <a:lstStyle/>
+              <a:p>
+                <a:pPr algn="ctr"/>
+                <a14:m>
+                  <m:oMathPara xmlns:m="http://schemas.openxmlformats.org/officeDocument/2006/math">
+                    <m:oMathParaPr>
+                      <m:jc m:val="centerGroup"/>
+                    </m:oMathParaPr>
+                    <m:oMath xmlns:m="http://schemas.openxmlformats.org/officeDocument/2006/math">
+                      <m:r>
+                        <a:rPr lang="fr-FR" sz="1200" b="1" i="0" smtClean="0">
+                          <a:solidFill>
+                            <a:schemeClr val="tx1"/>
+                          </a:solidFill>
+                          <a:latin typeface="Cambria Math" panose="02040503050406030204" pitchFamily="18" charset="0"/>
+                        </a:rPr>
+                        <m:t>𝐃</m:t>
+                      </m:r>
+                    </m:oMath>
+                  </m:oMathPara>
+                </a14:m>
+                <a:endParaRPr lang="fr-FR" sz="1200" b="1" dirty="0">
+                  <a:solidFill>
+                    <a:schemeClr val="tx1"/>
+                  </a:solidFill>
+                </a:endParaRPr>
+              </a:p>
+            </p:txBody>
+          </p:sp>
+        </mc:Choice>
+        <mc:Fallback>
+          <p:sp>
+            <p:nvSpPr>
+              <p:cNvPr id="11" name="Rectangle 10">
+                <a:extLst>
+                  <a:ext uri="{FF2B5EF4-FFF2-40B4-BE49-F238E27FC236}">
+                    <a16:creationId xmlns:a16="http://schemas.microsoft.com/office/drawing/2014/main" id="{8491BB0E-EDD0-4519-B26A-C25B6BACFE3D}"/>
+                  </a:ext>
+                </a:extLst>
+              </p:cNvPr>
+              <p:cNvSpPr>
+                <a:spLocks noRot="1" noChangeAspect="1" noMove="1" noResize="1" noEditPoints="1" noAdjustHandles="1" noChangeArrowheads="1" noChangeShapeType="1" noTextEdit="1"/>
+              </p:cNvSpPr>
+              <p:nvPr/>
+            </p:nvSpPr>
+            <p:spPr>
+              <a:xfrm>
+                <a:off x="1230353" y="2824419"/>
+                <a:ext cx="540000" cy="252000"/>
+              </a:xfrm>
+              <a:prstGeom prst="rect">
+                <a:avLst/>
+              </a:prstGeom>
+              <a:blipFill>
+                <a:blip r:embed="rId4"/>
+                <a:stretch>
+                  <a:fillRect/>
+                </a:stretch>
+              </a:blipFill>
+              <a:ln>
+                <a:solidFill>
+                  <a:schemeClr val="accent1">
+                    <a:lumMod val="50000"/>
+                  </a:schemeClr>
+                </a:solidFill>
+              </a:ln>
+            </p:spPr>
+            <p:txBody>
+              <a:bodyPr/>
+              <a:lstStyle/>
+              <a:p>
+                <a:r>
+                  <a:rPr lang="fr-FR">
+                    <a:noFill/>
+                  </a:rPr>
+                  <a:t> </a:t>
+                </a:r>
+              </a:p>
+            </p:txBody>
+          </p:sp>
+        </mc:Fallback>
+      </mc:AlternateContent>
+      <mc:AlternateContent xmlns:mc="http://schemas.openxmlformats.org/markup-compatibility/2006" xmlns:a14="http://schemas.microsoft.com/office/drawing/2010/main">
+        <mc:Choice Requires="a14">
+          <p:sp>
+            <p:nvSpPr>
+              <p:cNvPr id="12" name="Rectangle 11">
+                <a:extLst>
+                  <a:ext uri="{FF2B5EF4-FFF2-40B4-BE49-F238E27FC236}">
+                    <a16:creationId xmlns:a16="http://schemas.microsoft.com/office/drawing/2014/main" id="{CA6133C4-0A9A-4936-81DD-C7A5C1CA6821}"/>
+                  </a:ext>
+                </a:extLst>
+              </p:cNvPr>
+              <p:cNvSpPr/>
+              <p:nvPr/>
+            </p:nvSpPr>
+            <p:spPr>
+              <a:xfrm>
+                <a:off x="1230353" y="3432759"/>
+                <a:ext cx="540385" cy="252000"/>
+              </a:xfrm>
+              <a:prstGeom prst="rect">
+                <a:avLst/>
+              </a:prstGeom>
+              <a:solidFill>
+                <a:schemeClr val="accent1">
+                  <a:lumMod val="20000"/>
+                  <a:lumOff val="80000"/>
+                </a:schemeClr>
+              </a:solidFill>
+              <a:ln>
+                <a:solidFill>
+                  <a:schemeClr val="accent1">
+                    <a:lumMod val="50000"/>
+                  </a:schemeClr>
+                </a:solidFill>
+              </a:ln>
+            </p:spPr>
+            <p:style>
+              <a:lnRef idx="2">
+                <a:schemeClr val="accent1">
+                  <a:shade val="50000"/>
+                </a:schemeClr>
+              </a:lnRef>
+              <a:fillRef idx="1">
+                <a:schemeClr val="accent1"/>
+              </a:fillRef>
+              <a:effectRef idx="0">
+                <a:schemeClr val="accent1"/>
+              </a:effectRef>
+              <a:fontRef idx="minor">
+                <a:schemeClr val="lt1"/>
+              </a:fontRef>
+            </p:style>
+            <p:txBody>
+              <a:bodyPr rot="0" spcFirstLastPara="0" vertOverflow="overflow" horzOverflow="overflow" vert="horz" wrap="square" lIns="91440" tIns="45720" rIns="91440" bIns="45720" numCol="1" spcCol="0" rtlCol="0" fromWordArt="0" anchor="ctr" anchorCtr="0" forceAA="0" compatLnSpc="1">
+                <a:prstTxWarp prst="textNoShape">
+                  <a:avLst/>
+                </a:prstTxWarp>
+                <a:noAutofit/>
+              </a:bodyPr>
+              <a:lstStyle/>
+              <a:p>
+                <a:pPr algn="ctr"/>
+                <a14:m>
+                  <m:oMathPara xmlns:m="http://schemas.openxmlformats.org/officeDocument/2006/math">
+                    <m:oMathParaPr>
+                      <m:jc m:val="centerGroup"/>
+                    </m:oMathParaPr>
+                    <m:oMath xmlns:m="http://schemas.openxmlformats.org/officeDocument/2006/math">
+                      <m:r>
+                        <a:rPr lang="fr-FR" sz="1200" b="1" i="0" smtClean="0">
+                          <a:solidFill>
+                            <a:schemeClr val="tx1"/>
+                          </a:solidFill>
+                          <a:latin typeface="Cambria Math" panose="02040503050406030204" pitchFamily="18" charset="0"/>
+                        </a:rPr>
+                        <m:t>𝐀</m:t>
+                      </m:r>
+                    </m:oMath>
+                  </m:oMathPara>
+                </a14:m>
+                <a:endParaRPr lang="fr-FR" sz="1200" b="1" dirty="0">
+                  <a:solidFill>
+                    <a:schemeClr val="tx1"/>
+                  </a:solidFill>
+                </a:endParaRPr>
+              </a:p>
+            </p:txBody>
+          </p:sp>
+        </mc:Choice>
+        <mc:Fallback xmlns="">
+          <p:sp>
+            <p:nvSpPr>
+              <p:cNvPr id="12" name="Rectangle 11">
+                <a:extLst>
+                  <a:ext uri="{FF2B5EF4-FFF2-40B4-BE49-F238E27FC236}">
+                    <a16:creationId xmlns:a16="http://schemas.microsoft.com/office/drawing/2014/main" id="{CA6133C4-0A9A-4936-81DD-C7A5C1CA6821}"/>
+                  </a:ext>
+                </a:extLst>
+              </p:cNvPr>
+              <p:cNvSpPr>
+                <a:spLocks noRot="1" noChangeAspect="1" noMove="1" noResize="1" noEditPoints="1" noAdjustHandles="1" noChangeArrowheads="1" noChangeShapeType="1" noTextEdit="1"/>
+              </p:cNvSpPr>
+              <p:nvPr/>
+            </p:nvSpPr>
+            <p:spPr>
+              <a:xfrm>
+                <a:off x="1230353" y="3432759"/>
+                <a:ext cx="540385" cy="252000"/>
+              </a:xfrm>
+              <a:prstGeom prst="rect">
+                <a:avLst/>
+              </a:prstGeom>
+              <a:blipFill>
+                <a:blip r:embed="rId5"/>
+                <a:stretch>
+                  <a:fillRect/>
+                </a:stretch>
+              </a:blipFill>
+              <a:ln>
+                <a:solidFill>
+                  <a:schemeClr val="accent1">
+                    <a:lumMod val="50000"/>
+                  </a:schemeClr>
+                </a:solidFill>
+              </a:ln>
+            </p:spPr>
+            <p:txBody>
+              <a:bodyPr/>
+              <a:lstStyle/>
+              <a:p>
+                <a:r>
+                  <a:rPr lang="fr-FR">
+                    <a:noFill/>
+                  </a:rPr>
+                  <a:t> </a:t>
+                </a:r>
+              </a:p>
+            </p:txBody>
+          </p:sp>
+        </mc:Fallback>
+      </mc:AlternateContent>
+      <p:cxnSp>
+        <p:nvCxnSpPr>
+          <p:cNvPr id="22" name="Connecteur droit avec flèche 21">
+            <a:extLst>
+              <a:ext uri="{FF2B5EF4-FFF2-40B4-BE49-F238E27FC236}">
+                <a16:creationId xmlns:a16="http://schemas.microsoft.com/office/drawing/2014/main" id="{147ED992-79DF-4385-AE3B-E7357B17CCD3}"/>
+              </a:ext>
+            </a:extLst>
+          </p:cNvPr>
+          <p:cNvCxnSpPr>
+            <a:cxnSpLocks/>
+          </p:cNvCxnSpPr>
+          <p:nvPr/>
+        </p:nvCxnSpPr>
+        <p:spPr>
+          <a:xfrm flipV="1">
+            <a:off x="800115" y="3684399"/>
+            <a:ext cx="0" cy="331257"/>
+          </a:xfrm>
+          <a:prstGeom prst="straightConnector1">
+            <a:avLst/>
+          </a:prstGeom>
+          <a:solidFill>
+            <a:schemeClr val="accent1">
+              <a:lumMod val="20000"/>
+              <a:lumOff val="80000"/>
+            </a:schemeClr>
+          </a:solidFill>
+          <a:ln>
+            <a:solidFill>
+              <a:schemeClr val="accent1">
+                <a:lumMod val="50000"/>
+              </a:schemeClr>
+            </a:solidFill>
+            <a:headEnd type="none"/>
+            <a:tailEnd type="stealth" w="med" len="lg"/>
+          </a:ln>
+        </p:spPr>
+        <p:style>
+          <a:lnRef idx="2">
+            <a:schemeClr val="accent1">
+              <a:shade val="50000"/>
+            </a:schemeClr>
+          </a:lnRef>
+          <a:fillRef idx="1">
+            <a:schemeClr val="accent1"/>
+          </a:fillRef>
+          <a:effectRef idx="0">
+            <a:schemeClr val="accent1"/>
+          </a:effectRef>
+          <a:fontRef idx="minor">
+            <a:schemeClr val="lt1"/>
+          </a:fontRef>
+        </p:style>
+      </p:cxnSp>
+      <p:cxnSp>
+        <p:nvCxnSpPr>
+          <p:cNvPr id="39" name="Connecteur droit avec flèche 38">
+            <a:extLst>
+              <a:ext uri="{FF2B5EF4-FFF2-40B4-BE49-F238E27FC236}">
+                <a16:creationId xmlns:a16="http://schemas.microsoft.com/office/drawing/2014/main" id="{E5CEB3B4-10EC-4189-A83D-D9EBF1B0AD74}"/>
+              </a:ext>
+            </a:extLst>
+          </p:cNvPr>
+          <p:cNvCxnSpPr>
+            <a:cxnSpLocks/>
+          </p:cNvCxnSpPr>
+          <p:nvPr/>
+        </p:nvCxnSpPr>
+        <p:spPr>
+          <a:xfrm flipV="1">
+            <a:off x="3902491" y="3565381"/>
+            <a:ext cx="0" cy="460682"/>
+          </a:xfrm>
+          <a:prstGeom prst="straightConnector1">
+            <a:avLst/>
+          </a:prstGeom>
+          <a:solidFill>
+            <a:schemeClr val="accent1">
+              <a:lumMod val="20000"/>
+              <a:lumOff val="80000"/>
+            </a:schemeClr>
+          </a:solidFill>
+          <a:ln>
+            <a:solidFill>
+              <a:schemeClr val="accent1">
+                <a:lumMod val="50000"/>
+              </a:schemeClr>
+            </a:solidFill>
+            <a:headEnd type="none"/>
+            <a:tailEnd type="none" w="med" len="lg"/>
+          </a:ln>
+        </p:spPr>
+        <p:style>
+          <a:lnRef idx="2">
+            <a:schemeClr val="accent1">
+              <a:shade val="50000"/>
+            </a:schemeClr>
+          </a:lnRef>
+          <a:fillRef idx="1">
+            <a:schemeClr val="accent1"/>
+          </a:fillRef>
+          <a:effectRef idx="0">
+            <a:schemeClr val="accent1"/>
+          </a:effectRef>
+          <a:fontRef idx="minor">
+            <a:schemeClr val="lt1"/>
+          </a:fontRef>
+        </p:style>
+      </p:cxnSp>
+      <mc:AlternateContent xmlns:mc="http://schemas.openxmlformats.org/markup-compatibility/2006" xmlns:a14="http://schemas.microsoft.com/office/drawing/2010/main">
+        <mc:Choice Requires="a14">
+          <p:sp>
+            <p:nvSpPr>
+              <p:cNvPr id="46" name="ZoneTexte 45">
+                <a:extLst>
+                  <a:ext uri="{FF2B5EF4-FFF2-40B4-BE49-F238E27FC236}">
+                    <a16:creationId xmlns:a16="http://schemas.microsoft.com/office/drawing/2014/main" id="{316570E4-C93F-4785-BD5E-88B451BCD63E}"/>
+                  </a:ext>
+                </a:extLst>
+              </p:cNvPr>
+              <p:cNvSpPr txBox="1"/>
+              <p:nvPr/>
+            </p:nvSpPr>
+            <p:spPr>
+              <a:xfrm>
+                <a:off x="217791" y="3340426"/>
+                <a:ext cx="354136" cy="184666"/>
+              </a:xfrm>
+              <a:prstGeom prst="rect">
+                <a:avLst/>
+              </a:prstGeom>
+              <a:noFill/>
+            </p:spPr>
+            <p:txBody>
+              <a:bodyPr wrap="none" lIns="0" tIns="0" rIns="0" bIns="0" rtlCol="0">
+                <a:spAutoFit/>
+              </a:bodyPr>
+              <a:lstStyle/>
+              <a:p>
+                <a:pPr/>
+                <a14:m>
+                  <m:oMathPara xmlns:m="http://schemas.openxmlformats.org/officeDocument/2006/math">
+                    <m:oMathParaPr>
+                      <m:jc m:val="centerGroup"/>
+                    </m:oMathParaPr>
+                    <m:oMath xmlns:m="http://schemas.openxmlformats.org/officeDocument/2006/math">
+                      <m:r>
+                        <a:rPr lang="fr-FR" sz="1200" b="0" i="1" smtClean="0">
+                          <a:latin typeface="Cambria Math" panose="02040503050406030204" pitchFamily="18" charset="0"/>
+                        </a:rPr>
+                        <m:t>𝐸</m:t>
+                      </m:r>
+                      <m:r>
+                        <a:rPr lang="fr-FR" sz="1200" b="0" i="1" smtClean="0">
+                          <a:latin typeface="Cambria Math" panose="02040503050406030204" pitchFamily="18" charset="0"/>
+                        </a:rPr>
+                        <m:t>(</m:t>
+                      </m:r>
+                      <m:r>
+                        <a:rPr lang="fr-FR" sz="1200" b="0" i="1" smtClean="0">
+                          <a:latin typeface="Cambria Math" panose="02040503050406030204" pitchFamily="18" charset="0"/>
+                        </a:rPr>
+                        <m:t>𝑝</m:t>
+                      </m:r>
+                      <m:r>
+                        <a:rPr lang="fr-FR" sz="1200" b="0" i="1" smtClean="0">
+                          <a:latin typeface="Cambria Math" panose="02040503050406030204" pitchFamily="18" charset="0"/>
+                        </a:rPr>
+                        <m:t>)</m:t>
+                      </m:r>
+                    </m:oMath>
+                  </m:oMathPara>
+                </a14:m>
+                <a:endParaRPr lang="fr-FR" sz="1200" dirty="0"/>
+              </a:p>
+            </p:txBody>
+          </p:sp>
+        </mc:Choice>
+        <mc:Fallback xmlns="">
+          <p:sp>
+            <p:nvSpPr>
+              <p:cNvPr id="46" name="ZoneTexte 45">
+                <a:extLst>
+                  <a:ext uri="{FF2B5EF4-FFF2-40B4-BE49-F238E27FC236}">
+                    <a16:creationId xmlns:a16="http://schemas.microsoft.com/office/drawing/2014/main" id="{316570E4-C93F-4785-BD5E-88B451BCD63E}"/>
+                  </a:ext>
+                </a:extLst>
+              </p:cNvPr>
+              <p:cNvSpPr txBox="1">
+                <a:spLocks noRot="1" noChangeAspect="1" noMove="1" noResize="1" noEditPoints="1" noAdjustHandles="1" noChangeArrowheads="1" noChangeShapeType="1" noTextEdit="1"/>
+              </p:cNvSpPr>
+              <p:nvPr/>
+            </p:nvSpPr>
+            <p:spPr>
+              <a:xfrm>
+                <a:off x="217791" y="3340426"/>
+                <a:ext cx="354136" cy="184666"/>
+              </a:xfrm>
+              <a:prstGeom prst="rect">
+                <a:avLst/>
+              </a:prstGeom>
+              <a:blipFill>
+                <a:blip r:embed="rId6"/>
+                <a:stretch>
+                  <a:fillRect l="-10345" t="-6667" r="-15517" b="-36667"/>
+                </a:stretch>
+              </a:blipFill>
+            </p:spPr>
+            <p:txBody>
+              <a:bodyPr/>
+              <a:lstStyle/>
+              <a:p>
+                <a:r>
+                  <a:rPr lang="fr-FR">
+                    <a:noFill/>
+                  </a:rPr>
+                  <a:t> </a:t>
+                </a:r>
+              </a:p>
+            </p:txBody>
+          </p:sp>
+        </mc:Fallback>
+      </mc:AlternateContent>
+      <mc:AlternateContent xmlns:mc="http://schemas.openxmlformats.org/markup-compatibility/2006">
+        <mc:Choice xmlns:a14="http://schemas.microsoft.com/office/drawing/2010/main" Requires="a14">
+          <p:sp>
+            <p:nvSpPr>
+              <p:cNvPr id="47" name="ZoneTexte 46">
+                <a:extLst>
+                  <a:ext uri="{FF2B5EF4-FFF2-40B4-BE49-F238E27FC236}">
+                    <a16:creationId xmlns:a16="http://schemas.microsoft.com/office/drawing/2014/main" id="{76153325-6CDE-46AA-9006-0227DBB70A10}"/>
+                  </a:ext>
+                </a:extLst>
+              </p:cNvPr>
+              <p:cNvSpPr txBox="1"/>
+              <p:nvPr/>
+            </p:nvSpPr>
+            <p:spPr>
+              <a:xfrm>
+                <a:off x="4163468" y="3456596"/>
+                <a:ext cx="336695" cy="184666"/>
+              </a:xfrm>
+              <a:prstGeom prst="rect">
+                <a:avLst/>
+              </a:prstGeom>
+              <a:noFill/>
+            </p:spPr>
+            <p:txBody>
+              <a:bodyPr wrap="none" lIns="0" tIns="0" rIns="0" bIns="0" rtlCol="0">
+                <a:spAutoFit/>
+              </a:bodyPr>
+              <a:lstStyle/>
+              <a:p>
+                <a:pPr/>
+                <a14:m>
+                  <m:oMathPara xmlns:m="http://schemas.openxmlformats.org/officeDocument/2006/math">
+                    <m:oMathParaPr>
+                      <m:jc m:val="centerGroup"/>
+                    </m:oMathParaPr>
+                    <m:oMath xmlns:m="http://schemas.openxmlformats.org/officeDocument/2006/math">
+                      <m:r>
+                        <a:rPr lang="fr-FR" sz="1200" b="0" i="1" smtClean="0">
+                          <a:latin typeface="Cambria Math" panose="02040503050406030204" pitchFamily="18" charset="0"/>
+                        </a:rPr>
+                        <m:t>𝑆</m:t>
+                      </m:r>
+                      <m:r>
+                        <a:rPr lang="fr-FR" sz="1200" b="0" i="1" smtClean="0">
+                          <a:latin typeface="Cambria Math" panose="02040503050406030204" pitchFamily="18" charset="0"/>
+                        </a:rPr>
+                        <m:t>(</m:t>
+                      </m:r>
+                      <m:r>
+                        <a:rPr lang="fr-FR" sz="1200" b="0" i="1" smtClean="0">
+                          <a:latin typeface="Cambria Math" panose="02040503050406030204" pitchFamily="18" charset="0"/>
+                        </a:rPr>
+                        <m:t>𝑝</m:t>
+                      </m:r>
+                      <m:r>
+                        <a:rPr lang="fr-FR" sz="1200" b="0" i="1" smtClean="0">
+                          <a:latin typeface="Cambria Math" panose="02040503050406030204" pitchFamily="18" charset="0"/>
+                        </a:rPr>
+                        <m:t>)</m:t>
+                      </m:r>
+                    </m:oMath>
+                  </m:oMathPara>
+                </a14:m>
+                <a:endParaRPr lang="fr-FR" sz="1200" dirty="0"/>
+              </a:p>
+            </p:txBody>
+          </p:sp>
+        </mc:Choice>
+        <mc:Fallback>
+          <p:sp>
+            <p:nvSpPr>
+              <p:cNvPr id="47" name="ZoneTexte 46">
+                <a:extLst>
+                  <a:ext uri="{FF2B5EF4-FFF2-40B4-BE49-F238E27FC236}">
+                    <a16:creationId xmlns:a16="http://schemas.microsoft.com/office/drawing/2014/main" id="{76153325-6CDE-46AA-9006-0227DBB70A10}"/>
+                  </a:ext>
+                </a:extLst>
+              </p:cNvPr>
+              <p:cNvSpPr txBox="1">
+                <a:spLocks noRot="1" noChangeAspect="1" noMove="1" noResize="1" noEditPoints="1" noAdjustHandles="1" noChangeArrowheads="1" noChangeShapeType="1" noTextEdit="1"/>
+              </p:cNvSpPr>
+              <p:nvPr/>
+            </p:nvSpPr>
+            <p:spPr>
+              <a:xfrm>
+                <a:off x="4163468" y="3456596"/>
+                <a:ext cx="336695" cy="184666"/>
+              </a:xfrm>
+              <a:prstGeom prst="rect">
+                <a:avLst/>
+              </a:prstGeom>
+              <a:blipFill>
+                <a:blip r:embed="rId7"/>
+                <a:stretch>
+                  <a:fillRect l="-10909" t="-3333" r="-16364" b="-40000"/>
+                </a:stretch>
+              </a:blipFill>
+            </p:spPr>
+            <p:txBody>
+              <a:bodyPr/>
+              <a:lstStyle/>
+              <a:p>
+                <a:r>
+                  <a:rPr lang="fr-FR">
+                    <a:noFill/>
+                  </a:rPr>
+                  <a:t> </a:t>
+                </a:r>
+              </a:p>
+            </p:txBody>
+          </p:sp>
+        </mc:Fallback>
+      </mc:AlternateContent>
+      <p:cxnSp>
+        <p:nvCxnSpPr>
+          <p:cNvPr id="32" name="Connecteur droit avec flèche 31">
+            <a:extLst>
+              <a:ext uri="{FF2B5EF4-FFF2-40B4-BE49-F238E27FC236}">
+                <a16:creationId xmlns:a16="http://schemas.microsoft.com/office/drawing/2014/main" id="{2B2FA539-79DA-4386-936E-38A87CFE125A}"/>
+              </a:ext>
+            </a:extLst>
+          </p:cNvPr>
+          <p:cNvCxnSpPr>
+            <a:cxnSpLocks/>
+          </p:cNvCxnSpPr>
+          <p:nvPr/>
+        </p:nvCxnSpPr>
+        <p:spPr>
+          <a:xfrm>
+            <a:off x="1770738" y="3555334"/>
+            <a:ext cx="216653" cy="0"/>
+          </a:xfrm>
+          <a:prstGeom prst="straightConnector1">
+            <a:avLst/>
+          </a:prstGeom>
+          <a:solidFill>
+            <a:schemeClr val="accent1">
+              <a:lumMod val="20000"/>
+              <a:lumOff val="80000"/>
+            </a:schemeClr>
+          </a:solidFill>
+          <a:ln>
+            <a:solidFill>
+              <a:schemeClr val="accent1">
+                <a:lumMod val="50000"/>
+              </a:schemeClr>
+            </a:solidFill>
+            <a:headEnd type="none"/>
+            <a:tailEnd type="stealth" w="med" len="lg"/>
+          </a:ln>
+        </p:spPr>
+        <p:style>
+          <a:lnRef idx="2">
+            <a:schemeClr val="accent1">
+              <a:shade val="50000"/>
+            </a:schemeClr>
+          </a:lnRef>
+          <a:fillRef idx="1">
+            <a:schemeClr val="accent1"/>
+          </a:fillRef>
+          <a:effectRef idx="0">
+            <a:schemeClr val="accent1"/>
+          </a:effectRef>
+          <a:fontRef idx="minor">
+            <a:schemeClr val="lt1"/>
+          </a:fontRef>
+        </p:style>
+      </p:cxnSp>
+      <p:cxnSp>
+        <p:nvCxnSpPr>
+          <p:cNvPr id="37" name="Connecteur droit avec flèche 36">
+            <a:extLst>
+              <a:ext uri="{FF2B5EF4-FFF2-40B4-BE49-F238E27FC236}">
+                <a16:creationId xmlns:a16="http://schemas.microsoft.com/office/drawing/2014/main" id="{26D52C66-B22E-4B0C-B0DD-A7A0876B6596}"/>
+              </a:ext>
+            </a:extLst>
+          </p:cNvPr>
+          <p:cNvCxnSpPr>
+            <a:cxnSpLocks/>
+          </p:cNvCxnSpPr>
+          <p:nvPr/>
+        </p:nvCxnSpPr>
+        <p:spPr>
+          <a:xfrm>
+            <a:off x="3849239" y="3558759"/>
+            <a:ext cx="271661" cy="0"/>
+          </a:xfrm>
+          <a:prstGeom prst="straightConnector1">
+            <a:avLst/>
+          </a:prstGeom>
+          <a:solidFill>
+            <a:schemeClr val="accent1">
+              <a:lumMod val="20000"/>
+              <a:lumOff val="80000"/>
+            </a:schemeClr>
+          </a:solidFill>
+          <a:ln>
+            <a:solidFill>
+              <a:schemeClr val="accent1">
+                <a:lumMod val="50000"/>
+              </a:schemeClr>
+            </a:solidFill>
+            <a:headEnd type="none"/>
+            <a:tailEnd type="stealth" w="med" len="lg"/>
+          </a:ln>
+        </p:spPr>
+        <p:style>
+          <a:lnRef idx="2">
+            <a:schemeClr val="accent1">
+              <a:shade val="50000"/>
+            </a:schemeClr>
+          </a:lnRef>
+          <a:fillRef idx="1">
+            <a:schemeClr val="accent1"/>
+          </a:fillRef>
+          <a:effectRef idx="0">
+            <a:schemeClr val="accent1"/>
+          </a:effectRef>
+          <a:fontRef idx="minor">
+            <a:schemeClr val="lt1"/>
+          </a:fontRef>
+        </p:style>
+      </p:cxnSp>
+      <p:cxnSp>
+        <p:nvCxnSpPr>
+          <p:cNvPr id="38" name="Connecteur droit avec flèche 37">
+            <a:extLst>
+              <a:ext uri="{FF2B5EF4-FFF2-40B4-BE49-F238E27FC236}">
+                <a16:creationId xmlns:a16="http://schemas.microsoft.com/office/drawing/2014/main" id="{38A989D1-E56B-4B44-9247-A6E2A399CFFE}"/>
+              </a:ext>
+            </a:extLst>
+          </p:cNvPr>
+          <p:cNvCxnSpPr>
+            <a:cxnSpLocks/>
+          </p:cNvCxnSpPr>
+          <p:nvPr/>
+        </p:nvCxnSpPr>
+        <p:spPr>
+          <a:xfrm>
+            <a:off x="3037578" y="3558759"/>
+            <a:ext cx="271661" cy="0"/>
+          </a:xfrm>
+          <a:prstGeom prst="straightConnector1">
+            <a:avLst/>
+          </a:prstGeom>
+          <a:solidFill>
+            <a:schemeClr val="accent1">
+              <a:lumMod val="20000"/>
+              <a:lumOff val="80000"/>
+            </a:schemeClr>
+          </a:solidFill>
+          <a:ln>
+            <a:solidFill>
+              <a:schemeClr val="accent1">
+                <a:lumMod val="50000"/>
+              </a:schemeClr>
+            </a:solidFill>
+            <a:headEnd type="none"/>
+            <a:tailEnd type="stealth" w="med" len="lg"/>
+          </a:ln>
+        </p:spPr>
+        <p:style>
+          <a:lnRef idx="2">
+            <a:schemeClr val="accent1">
+              <a:shade val="50000"/>
+            </a:schemeClr>
+          </a:lnRef>
+          <a:fillRef idx="1">
+            <a:schemeClr val="accent1"/>
+          </a:fillRef>
+          <a:effectRef idx="0">
+            <a:schemeClr val="accent1"/>
+          </a:effectRef>
+          <a:fontRef idx="minor">
+            <a:schemeClr val="lt1"/>
+          </a:fontRef>
+        </p:style>
+      </p:cxnSp>
+      <p:cxnSp>
+        <p:nvCxnSpPr>
+          <p:cNvPr id="41" name="Connecteur droit avec flèche 40">
+            <a:extLst>
+              <a:ext uri="{FF2B5EF4-FFF2-40B4-BE49-F238E27FC236}">
+                <a16:creationId xmlns:a16="http://schemas.microsoft.com/office/drawing/2014/main" id="{130B4178-E52F-4875-AB3B-CED741D85B83}"/>
+              </a:ext>
+            </a:extLst>
+          </p:cNvPr>
+          <p:cNvCxnSpPr>
+            <a:cxnSpLocks/>
+          </p:cNvCxnSpPr>
+          <p:nvPr/>
+        </p:nvCxnSpPr>
+        <p:spPr>
+          <a:xfrm flipV="1">
+            <a:off x="2264915" y="3555334"/>
+            <a:ext cx="232663" cy="6851"/>
+          </a:xfrm>
+          <a:prstGeom prst="straightConnector1">
+            <a:avLst/>
+          </a:prstGeom>
+          <a:solidFill>
+            <a:schemeClr val="accent1">
+              <a:lumMod val="20000"/>
+              <a:lumOff val="80000"/>
+            </a:schemeClr>
+          </a:solidFill>
+          <a:ln>
+            <a:solidFill>
+              <a:schemeClr val="accent1">
+                <a:lumMod val="50000"/>
+              </a:schemeClr>
+            </a:solidFill>
+            <a:headEnd type="none"/>
+            <a:tailEnd type="stealth" w="med" len="lg"/>
+          </a:ln>
+        </p:spPr>
+        <p:style>
+          <a:lnRef idx="2">
+            <a:schemeClr val="accent1">
+              <a:shade val="50000"/>
+            </a:schemeClr>
+          </a:lnRef>
+          <a:fillRef idx="1">
+            <a:schemeClr val="accent1"/>
+          </a:fillRef>
+          <a:effectRef idx="0">
+            <a:schemeClr val="accent1"/>
+          </a:effectRef>
+          <a:fontRef idx="minor">
+            <a:schemeClr val="lt1"/>
+          </a:fontRef>
+        </p:style>
+      </p:cxnSp>
+      <p:cxnSp>
+        <p:nvCxnSpPr>
+          <p:cNvPr id="44" name="Connecteur droit avec flèche 43">
+            <a:extLst>
+              <a:ext uri="{FF2B5EF4-FFF2-40B4-BE49-F238E27FC236}">
+                <a16:creationId xmlns:a16="http://schemas.microsoft.com/office/drawing/2014/main" id="{20F5819F-735F-46BD-B018-6C48003B7EEC}"/>
+              </a:ext>
+            </a:extLst>
+          </p:cNvPr>
+          <p:cNvCxnSpPr>
+            <a:cxnSpLocks/>
+            <a:stCxn id="21" idx="6"/>
+            <a:endCxn id="12" idx="1"/>
+          </p:cNvCxnSpPr>
+          <p:nvPr/>
+        </p:nvCxnSpPr>
+        <p:spPr>
+          <a:xfrm>
+            <a:off x="926115" y="3558399"/>
+            <a:ext cx="304238" cy="360"/>
+          </a:xfrm>
+          <a:prstGeom prst="straightConnector1">
+            <a:avLst/>
+          </a:prstGeom>
+          <a:solidFill>
+            <a:schemeClr val="accent1">
+              <a:lumMod val="20000"/>
+              <a:lumOff val="80000"/>
+            </a:schemeClr>
+          </a:solidFill>
+          <a:ln>
+            <a:solidFill>
+              <a:schemeClr val="accent1">
+                <a:lumMod val="50000"/>
+              </a:schemeClr>
+            </a:solidFill>
+            <a:headEnd type="none"/>
+            <a:tailEnd type="stealth" w="med" len="lg"/>
+          </a:ln>
+        </p:spPr>
+        <p:style>
+          <a:lnRef idx="2">
+            <a:schemeClr val="accent1">
+              <a:shade val="50000"/>
+            </a:schemeClr>
+          </a:lnRef>
+          <a:fillRef idx="1">
+            <a:schemeClr val="accent1"/>
+          </a:fillRef>
+          <a:effectRef idx="0">
+            <a:schemeClr val="accent1"/>
+          </a:effectRef>
+          <a:fontRef idx="minor">
+            <a:schemeClr val="lt1"/>
+          </a:fontRef>
+        </p:style>
+      </p:cxnSp>
+      <p:cxnSp>
+        <p:nvCxnSpPr>
+          <p:cNvPr id="52" name="Connecteur droit avec flèche 51">
+            <a:extLst>
+              <a:ext uri="{FF2B5EF4-FFF2-40B4-BE49-F238E27FC236}">
+                <a16:creationId xmlns:a16="http://schemas.microsoft.com/office/drawing/2014/main" id="{9E46C6F3-831A-466A-AF6F-FD74E8D9E621}"/>
+              </a:ext>
+            </a:extLst>
+          </p:cNvPr>
+          <p:cNvCxnSpPr>
+            <a:cxnSpLocks/>
+          </p:cNvCxnSpPr>
+          <p:nvPr/>
+        </p:nvCxnSpPr>
+        <p:spPr>
+          <a:xfrm>
+            <a:off x="800114" y="4016016"/>
+            <a:ext cx="3102377" cy="0"/>
+          </a:xfrm>
+          <a:prstGeom prst="straightConnector1">
+            <a:avLst/>
+          </a:prstGeom>
+          <a:solidFill>
+            <a:schemeClr val="accent1">
+              <a:lumMod val="20000"/>
+              <a:lumOff val="80000"/>
+            </a:schemeClr>
+          </a:solidFill>
+          <a:ln>
+            <a:solidFill>
+              <a:schemeClr val="accent1">
+                <a:lumMod val="50000"/>
+              </a:schemeClr>
+            </a:solidFill>
+            <a:headEnd type="none"/>
+            <a:tailEnd type="none" w="med" len="lg"/>
+          </a:ln>
+        </p:spPr>
+        <p:style>
+          <a:lnRef idx="2">
+            <a:schemeClr val="accent1">
+              <a:shade val="50000"/>
+            </a:schemeClr>
+          </a:lnRef>
+          <a:fillRef idx="1">
+            <a:schemeClr val="accent1"/>
+          </a:fillRef>
+          <a:effectRef idx="0">
+            <a:schemeClr val="accent1"/>
+          </a:effectRef>
+          <a:fontRef idx="minor">
+            <a:schemeClr val="lt1"/>
+          </a:fontRef>
+        </p:style>
+      </p:cxnSp>
+      <p:grpSp>
+        <p:nvGrpSpPr>
+          <p:cNvPr id="20" name="Groupe 19">
+            <a:extLst>
+              <a:ext uri="{FF2B5EF4-FFF2-40B4-BE49-F238E27FC236}">
+                <a16:creationId xmlns:a16="http://schemas.microsoft.com/office/drawing/2014/main" id="{BA626378-6268-43C5-BDE4-16CB7D742027}"/>
+              </a:ext>
+            </a:extLst>
+          </p:cNvPr>
+          <p:cNvGrpSpPr/>
+          <p:nvPr/>
+        </p:nvGrpSpPr>
+        <p:grpSpPr>
+          <a:xfrm>
+            <a:off x="603952" y="3404510"/>
+            <a:ext cx="322163" cy="391212"/>
+            <a:chOff x="2225997" y="1079551"/>
+            <a:chExt cx="322163" cy="391212"/>
+          </a:xfrm>
+        </p:grpSpPr>
+        <p:sp>
+          <p:nvSpPr>
+            <p:cNvPr id="21" name="Organigramme : Jonction de sommaire 20">
+              <a:extLst>
+                <a:ext uri="{FF2B5EF4-FFF2-40B4-BE49-F238E27FC236}">
+                  <a16:creationId xmlns:a16="http://schemas.microsoft.com/office/drawing/2014/main" id="{74CBCBAD-FF1C-4345-A0A2-CF5B31E5D3F2}"/>
+                </a:ext>
+              </a:extLst>
+            </p:cNvPr>
+            <p:cNvSpPr/>
+            <p:nvPr/>
+          </p:nvSpPr>
+          <p:spPr>
+            <a:xfrm>
+              <a:off x="2296160" y="1107440"/>
+              <a:ext cx="252000" cy="252000"/>
+            </a:xfrm>
+            <a:prstGeom prst="flowChartSummingJunction">
+              <a:avLst/>
+            </a:prstGeom>
+            <a:solidFill>
+              <a:schemeClr val="accent1">
+                <a:lumMod val="20000"/>
+                <a:lumOff val="80000"/>
+              </a:schemeClr>
+            </a:solidFill>
+            <a:ln>
+              <a:solidFill>
+                <a:schemeClr val="accent1">
+                  <a:lumMod val="50000"/>
+                </a:schemeClr>
+              </a:solidFill>
+            </a:ln>
+          </p:spPr>
+          <p:style>
+            <a:lnRef idx="2">
+              <a:schemeClr val="accent1">
+                <a:shade val="50000"/>
+              </a:schemeClr>
+            </a:lnRef>
+            <a:fillRef idx="1">
+              <a:schemeClr val="accent1"/>
+            </a:fillRef>
+            <a:effectRef idx="0">
+              <a:schemeClr val="accent1"/>
+            </a:effectRef>
+            <a:fontRef idx="minor">
+              <a:schemeClr val="lt1"/>
+            </a:fontRef>
+          </p:style>
+          <p:txBody>
+            <a:bodyPr rtlCol="0" anchor="ctr"/>
+            <a:lstStyle/>
+            <a:p>
+              <a:pPr algn="ctr"/>
+              <a:endParaRPr lang="fr-FR"/>
+            </a:p>
+          </p:txBody>
+        </p:sp>
+        <p:sp>
+          <p:nvSpPr>
+            <p:cNvPr id="23" name="ZoneTexte 22">
+              <a:extLst>
+                <a:ext uri="{FF2B5EF4-FFF2-40B4-BE49-F238E27FC236}">
+                  <a16:creationId xmlns:a16="http://schemas.microsoft.com/office/drawing/2014/main" id="{ED9FDE57-2B48-4595-BBDB-6FC6D1A89B4D}"/>
+                </a:ext>
+              </a:extLst>
+            </p:cNvPr>
+            <p:cNvSpPr txBox="1"/>
+            <p:nvPr/>
+          </p:nvSpPr>
+          <p:spPr>
+            <a:xfrm>
+              <a:off x="2225997" y="1079551"/>
+              <a:ext cx="241684" cy="307777"/>
+            </a:xfrm>
+            <a:prstGeom prst="rect">
+              <a:avLst/>
+            </a:prstGeom>
+            <a:noFill/>
+          </p:spPr>
+          <p:txBody>
+            <a:bodyPr wrap="square" rtlCol="0">
+              <a:spAutoFit/>
+            </a:bodyPr>
+            <a:lstStyle/>
+            <a:p>
+              <a:pPr algn="ctr"/>
+              <a:r>
+                <a:rPr lang="fr-FR" sz="1400" dirty="0"/>
+                <a:t>+</a:t>
+              </a:r>
+            </a:p>
+          </p:txBody>
+        </p:sp>
+        <p:sp>
+          <p:nvSpPr>
+            <p:cNvPr id="24" name="ZoneTexte 23">
+              <a:extLst>
+                <a:ext uri="{FF2B5EF4-FFF2-40B4-BE49-F238E27FC236}">
+                  <a16:creationId xmlns:a16="http://schemas.microsoft.com/office/drawing/2014/main" id="{89C234DB-D452-4C1D-A110-1E01D1421732}"/>
+                </a:ext>
+              </a:extLst>
+            </p:cNvPr>
+            <p:cNvSpPr txBox="1"/>
+            <p:nvPr/>
+          </p:nvSpPr>
+          <p:spPr>
+            <a:xfrm>
+              <a:off x="2302482" y="1101431"/>
+              <a:ext cx="241684" cy="369332"/>
+            </a:xfrm>
+            <a:prstGeom prst="rect">
+              <a:avLst/>
+            </a:prstGeom>
+            <a:noFill/>
+          </p:spPr>
+          <p:txBody>
+            <a:bodyPr wrap="square" rtlCol="0">
+              <a:spAutoFit/>
+            </a:bodyPr>
+            <a:lstStyle/>
+            <a:p>
+              <a:pPr algn="ctr"/>
+              <a:r>
+                <a:rPr lang="fr-FR" dirty="0"/>
+                <a:t>-</a:t>
+              </a:r>
+            </a:p>
+          </p:txBody>
+        </p:sp>
+      </p:grpSp>
+      <p:cxnSp>
+        <p:nvCxnSpPr>
+          <p:cNvPr id="26" name="Connecteur droit avec flèche 25">
+            <a:extLst>
+              <a:ext uri="{FF2B5EF4-FFF2-40B4-BE49-F238E27FC236}">
+                <a16:creationId xmlns:a16="http://schemas.microsoft.com/office/drawing/2014/main" id="{E8FC64D1-D03D-40B2-92C8-8D3C90944073}"/>
+              </a:ext>
+            </a:extLst>
+          </p:cNvPr>
+          <p:cNvCxnSpPr>
+            <a:cxnSpLocks/>
+          </p:cNvCxnSpPr>
+          <p:nvPr/>
+        </p:nvCxnSpPr>
+        <p:spPr>
+          <a:xfrm>
+            <a:off x="351685" y="3561825"/>
+            <a:ext cx="304238" cy="360"/>
+          </a:xfrm>
+          <a:prstGeom prst="straightConnector1">
+            <a:avLst/>
+          </a:prstGeom>
+          <a:solidFill>
+            <a:schemeClr val="accent1">
+              <a:lumMod val="20000"/>
+              <a:lumOff val="80000"/>
+            </a:schemeClr>
+          </a:solidFill>
+          <a:ln>
+            <a:solidFill>
+              <a:schemeClr val="accent1">
+                <a:lumMod val="50000"/>
+              </a:schemeClr>
+            </a:solidFill>
+            <a:headEnd type="none"/>
+            <a:tailEnd type="stealth" w="med" len="lg"/>
+          </a:ln>
+        </p:spPr>
+        <p:style>
+          <a:lnRef idx="2">
+            <a:schemeClr val="accent1">
+              <a:shade val="50000"/>
+            </a:schemeClr>
+          </a:lnRef>
+          <a:fillRef idx="1">
+            <a:schemeClr val="accent1"/>
+          </a:fillRef>
+          <a:effectRef idx="0">
+            <a:schemeClr val="accent1"/>
+          </a:effectRef>
+          <a:fontRef idx="minor">
+            <a:schemeClr val="lt1"/>
+          </a:fontRef>
+        </p:style>
+      </p:cxnSp>
+      <p:grpSp>
+        <p:nvGrpSpPr>
+          <p:cNvPr id="27" name="Groupe 26">
+            <a:extLst>
+              <a:ext uri="{FF2B5EF4-FFF2-40B4-BE49-F238E27FC236}">
+                <a16:creationId xmlns:a16="http://schemas.microsoft.com/office/drawing/2014/main" id="{88E9A667-6EBB-4545-913A-08551050E45B}"/>
+              </a:ext>
+            </a:extLst>
+          </p:cNvPr>
+          <p:cNvGrpSpPr/>
+          <p:nvPr/>
+        </p:nvGrpSpPr>
+        <p:grpSpPr>
+          <a:xfrm>
+            <a:off x="1934582" y="3278730"/>
+            <a:ext cx="322163" cy="439968"/>
+            <a:chOff x="2225997" y="947360"/>
+            <a:chExt cx="322163" cy="439968"/>
+          </a:xfrm>
+        </p:grpSpPr>
+        <p:sp>
+          <p:nvSpPr>
+            <p:cNvPr id="28" name="Organigramme : Jonction de sommaire 27">
+              <a:extLst>
+                <a:ext uri="{FF2B5EF4-FFF2-40B4-BE49-F238E27FC236}">
+                  <a16:creationId xmlns:a16="http://schemas.microsoft.com/office/drawing/2014/main" id="{59970A63-DCFA-421E-8FF5-A1F515787DFD}"/>
+                </a:ext>
+              </a:extLst>
+            </p:cNvPr>
+            <p:cNvSpPr/>
+            <p:nvPr/>
+          </p:nvSpPr>
+          <p:spPr>
+            <a:xfrm>
+              <a:off x="2296160" y="1107440"/>
+              <a:ext cx="252000" cy="252000"/>
+            </a:xfrm>
+            <a:prstGeom prst="flowChartSummingJunction">
+              <a:avLst/>
+            </a:prstGeom>
+            <a:solidFill>
+              <a:schemeClr val="accent1">
+                <a:lumMod val="20000"/>
+                <a:lumOff val="80000"/>
+              </a:schemeClr>
+            </a:solidFill>
+            <a:ln>
+              <a:solidFill>
+                <a:schemeClr val="accent1">
+                  <a:lumMod val="50000"/>
+                </a:schemeClr>
+              </a:solidFill>
+            </a:ln>
+          </p:spPr>
+          <p:style>
+            <a:lnRef idx="2">
+              <a:schemeClr val="accent1">
+                <a:shade val="50000"/>
+              </a:schemeClr>
+            </a:lnRef>
+            <a:fillRef idx="1">
+              <a:schemeClr val="accent1"/>
+            </a:fillRef>
+            <a:effectRef idx="0">
+              <a:schemeClr val="accent1"/>
+            </a:effectRef>
+            <a:fontRef idx="minor">
+              <a:schemeClr val="lt1"/>
+            </a:fontRef>
+          </p:style>
+          <p:txBody>
+            <a:bodyPr rtlCol="0" anchor="ctr"/>
+            <a:lstStyle/>
+            <a:p>
+              <a:pPr algn="ctr"/>
+              <a:endParaRPr lang="fr-FR"/>
+            </a:p>
+          </p:txBody>
+        </p:sp>
+        <p:sp>
+          <p:nvSpPr>
+            <p:cNvPr id="29" name="ZoneTexte 28">
+              <a:extLst>
+                <a:ext uri="{FF2B5EF4-FFF2-40B4-BE49-F238E27FC236}">
+                  <a16:creationId xmlns:a16="http://schemas.microsoft.com/office/drawing/2014/main" id="{7FFCB8A4-C1A7-46B1-B3D3-183A86239DDC}"/>
+                </a:ext>
+              </a:extLst>
+            </p:cNvPr>
+            <p:cNvSpPr txBox="1"/>
+            <p:nvPr/>
+          </p:nvSpPr>
+          <p:spPr>
+            <a:xfrm>
+              <a:off x="2225997" y="1079551"/>
+              <a:ext cx="241684" cy="307777"/>
+            </a:xfrm>
+            <a:prstGeom prst="rect">
+              <a:avLst/>
+            </a:prstGeom>
+            <a:noFill/>
+          </p:spPr>
+          <p:txBody>
+            <a:bodyPr wrap="square" rtlCol="0">
+              <a:spAutoFit/>
+            </a:bodyPr>
+            <a:lstStyle/>
+            <a:p>
+              <a:pPr algn="ctr"/>
+              <a:r>
+                <a:rPr lang="fr-FR" sz="1400" dirty="0"/>
+                <a:t>+</a:t>
+              </a:r>
+            </a:p>
+          </p:txBody>
+        </p:sp>
+        <p:sp>
+          <p:nvSpPr>
+            <p:cNvPr id="30" name="ZoneTexte 29">
+              <a:extLst>
+                <a:ext uri="{FF2B5EF4-FFF2-40B4-BE49-F238E27FC236}">
+                  <a16:creationId xmlns:a16="http://schemas.microsoft.com/office/drawing/2014/main" id="{345EB3AE-A781-44B6-9EBA-60DCD9B83566}"/>
+                </a:ext>
+              </a:extLst>
+            </p:cNvPr>
+            <p:cNvSpPr txBox="1"/>
+            <p:nvPr/>
+          </p:nvSpPr>
+          <p:spPr>
+            <a:xfrm>
+              <a:off x="2302482" y="947360"/>
+              <a:ext cx="241684" cy="369332"/>
+            </a:xfrm>
+            <a:prstGeom prst="rect">
+              <a:avLst/>
+            </a:prstGeom>
+            <a:noFill/>
+          </p:spPr>
+          <p:txBody>
+            <a:bodyPr wrap="square" rtlCol="0">
+              <a:spAutoFit/>
+            </a:bodyPr>
+            <a:lstStyle/>
+            <a:p>
+              <a:pPr algn="ctr"/>
+              <a:r>
+                <a:rPr lang="fr-FR" dirty="0"/>
+                <a:t>-</a:t>
+              </a:r>
+            </a:p>
+          </p:txBody>
+        </p:sp>
+      </p:grpSp>
+      <p:cxnSp>
+        <p:nvCxnSpPr>
+          <p:cNvPr id="33" name="Connecteur droit avec flèche 32">
+            <a:extLst>
+              <a:ext uri="{FF2B5EF4-FFF2-40B4-BE49-F238E27FC236}">
+                <a16:creationId xmlns:a16="http://schemas.microsoft.com/office/drawing/2014/main" id="{F30A0416-DFA7-4548-925B-9B1C381181F2}"/>
+              </a:ext>
+            </a:extLst>
+          </p:cNvPr>
+          <p:cNvCxnSpPr>
+            <a:cxnSpLocks/>
+          </p:cNvCxnSpPr>
+          <p:nvPr/>
+        </p:nvCxnSpPr>
+        <p:spPr>
+          <a:xfrm>
+            <a:off x="2126456" y="2937427"/>
+            <a:ext cx="4290" cy="488963"/>
+          </a:xfrm>
+          <a:prstGeom prst="straightConnector1">
+            <a:avLst/>
+          </a:prstGeom>
+          <a:solidFill>
+            <a:schemeClr val="accent1">
+              <a:lumMod val="20000"/>
+              <a:lumOff val="80000"/>
+            </a:schemeClr>
+          </a:solidFill>
+          <a:ln>
+            <a:solidFill>
+              <a:schemeClr val="accent1">
+                <a:lumMod val="50000"/>
+              </a:schemeClr>
+            </a:solidFill>
+            <a:headEnd type="none"/>
+            <a:tailEnd type="stealth" w="med" len="lg"/>
+          </a:ln>
+        </p:spPr>
+        <p:style>
+          <a:lnRef idx="2">
+            <a:schemeClr val="accent1">
+              <a:shade val="50000"/>
+            </a:schemeClr>
+          </a:lnRef>
+          <a:fillRef idx="1">
+            <a:schemeClr val="accent1"/>
+          </a:fillRef>
+          <a:effectRef idx="0">
+            <a:schemeClr val="accent1"/>
+          </a:effectRef>
+          <a:fontRef idx="minor">
+            <a:schemeClr val="lt1"/>
+          </a:fontRef>
+        </p:style>
+      </p:cxnSp>
+      <p:cxnSp>
+        <p:nvCxnSpPr>
+          <p:cNvPr id="45" name="Connecteur droit avec flèche 44">
+            <a:extLst>
+              <a:ext uri="{FF2B5EF4-FFF2-40B4-BE49-F238E27FC236}">
+                <a16:creationId xmlns:a16="http://schemas.microsoft.com/office/drawing/2014/main" id="{7D3C7C56-1EF6-4E3A-BEF6-8DA855958644}"/>
+              </a:ext>
+            </a:extLst>
+          </p:cNvPr>
+          <p:cNvCxnSpPr>
+            <a:cxnSpLocks/>
+          </p:cNvCxnSpPr>
+          <p:nvPr/>
+        </p:nvCxnSpPr>
+        <p:spPr>
+          <a:xfrm>
+            <a:off x="1770353" y="2937427"/>
+            <a:ext cx="356103" cy="0"/>
+          </a:xfrm>
+          <a:prstGeom prst="straightConnector1">
+            <a:avLst/>
+          </a:prstGeom>
+          <a:solidFill>
+            <a:schemeClr val="accent1">
+              <a:lumMod val="20000"/>
+              <a:lumOff val="80000"/>
+            </a:schemeClr>
+          </a:solidFill>
+          <a:ln>
+            <a:solidFill>
+              <a:schemeClr val="accent1">
+                <a:lumMod val="50000"/>
+              </a:schemeClr>
+            </a:solidFill>
+            <a:headEnd type="none"/>
+            <a:tailEnd type="none" w="med" len="lg"/>
+          </a:ln>
+        </p:spPr>
+        <p:style>
+          <a:lnRef idx="2">
+            <a:schemeClr val="accent1">
+              <a:shade val="50000"/>
+            </a:schemeClr>
+          </a:lnRef>
+          <a:fillRef idx="1">
+            <a:schemeClr val="accent1"/>
+          </a:fillRef>
+          <a:effectRef idx="0">
+            <a:schemeClr val="accent1"/>
+          </a:effectRef>
+          <a:fontRef idx="minor">
+            <a:schemeClr val="lt1"/>
+          </a:fontRef>
+        </p:style>
+      </p:cxnSp>
+      <p:cxnSp>
+        <p:nvCxnSpPr>
+          <p:cNvPr id="36" name="Connecteur droit avec flèche 35">
+            <a:extLst>
+              <a:ext uri="{FF2B5EF4-FFF2-40B4-BE49-F238E27FC236}">
+                <a16:creationId xmlns:a16="http://schemas.microsoft.com/office/drawing/2014/main" id="{E5B1EE3D-12DA-4948-A6E8-98F6B00F1E1C}"/>
+              </a:ext>
+            </a:extLst>
+          </p:cNvPr>
+          <p:cNvCxnSpPr>
+            <a:cxnSpLocks/>
+          </p:cNvCxnSpPr>
+          <p:nvPr/>
+        </p:nvCxnSpPr>
+        <p:spPr>
+          <a:xfrm>
+            <a:off x="874250" y="2950419"/>
+            <a:ext cx="356103" cy="0"/>
+          </a:xfrm>
+          <a:prstGeom prst="straightConnector1">
+            <a:avLst/>
+          </a:prstGeom>
+          <a:solidFill>
+            <a:schemeClr val="accent1">
+              <a:lumMod val="20000"/>
+              <a:lumOff val="80000"/>
+            </a:schemeClr>
+          </a:solidFill>
+          <a:ln>
+            <a:solidFill>
+              <a:schemeClr val="accent1">
+                <a:lumMod val="50000"/>
+              </a:schemeClr>
+            </a:solidFill>
+            <a:headEnd type="none"/>
+            <a:tailEnd type="none" w="med" len="lg"/>
+          </a:ln>
+        </p:spPr>
+        <p:style>
+          <a:lnRef idx="2">
+            <a:schemeClr val="accent1">
+              <a:shade val="50000"/>
+            </a:schemeClr>
+          </a:lnRef>
+          <a:fillRef idx="1">
+            <a:schemeClr val="accent1"/>
+          </a:fillRef>
+          <a:effectRef idx="0">
+            <a:schemeClr val="accent1"/>
+          </a:effectRef>
+          <a:fontRef idx="minor">
+            <a:schemeClr val="lt1"/>
+          </a:fontRef>
+        </p:style>
+      </p:cxnSp>
+      <mc:AlternateContent xmlns:mc="http://schemas.openxmlformats.org/markup-compatibility/2006">
+        <mc:Choice xmlns:a14="http://schemas.microsoft.com/office/drawing/2010/main" Requires="a14">
+          <p:sp>
+            <p:nvSpPr>
+              <p:cNvPr id="40" name="ZoneTexte 39">
+                <a:extLst>
+                  <a:ext uri="{FF2B5EF4-FFF2-40B4-BE49-F238E27FC236}">
+                    <a16:creationId xmlns:a16="http://schemas.microsoft.com/office/drawing/2014/main" id="{58854BC3-23D7-4BF5-B592-CEFB9147F84F}"/>
+                  </a:ext>
+                </a:extLst>
+              </p:cNvPr>
+              <p:cNvSpPr txBox="1"/>
+              <p:nvPr/>
+            </p:nvSpPr>
+            <p:spPr>
+              <a:xfrm>
+                <a:off x="878462" y="2729082"/>
+                <a:ext cx="351891" cy="184666"/>
+              </a:xfrm>
+              <a:prstGeom prst="rect">
+                <a:avLst/>
+              </a:prstGeom>
+              <a:noFill/>
+            </p:spPr>
+            <p:txBody>
+              <a:bodyPr wrap="none" lIns="0" tIns="0" rIns="0" bIns="0" rtlCol="0">
+                <a:spAutoFit/>
+              </a:bodyPr>
+              <a:lstStyle/>
+              <a:p>
+                <a:pPr/>
+                <a14:m>
+                  <m:oMathPara xmlns:m="http://schemas.openxmlformats.org/officeDocument/2006/math">
+                    <m:oMathParaPr>
+                      <m:jc m:val="centerGroup"/>
+                    </m:oMathParaPr>
+                    <m:oMath xmlns:m="http://schemas.openxmlformats.org/officeDocument/2006/math">
+                      <m:r>
+                        <a:rPr lang="fr-FR" sz="1200" b="0" i="1" smtClean="0">
+                          <a:latin typeface="Cambria Math" panose="02040503050406030204" pitchFamily="18" charset="0"/>
+                        </a:rPr>
+                        <m:t>𝑃</m:t>
+                      </m:r>
+                      <m:r>
+                        <a:rPr lang="fr-FR" sz="1200" b="0" i="1" smtClean="0">
+                          <a:latin typeface="Cambria Math" panose="02040503050406030204" pitchFamily="18" charset="0"/>
+                        </a:rPr>
+                        <m:t>(</m:t>
+                      </m:r>
+                      <m:r>
+                        <a:rPr lang="fr-FR" sz="1200" b="0" i="1" smtClean="0">
+                          <a:latin typeface="Cambria Math" panose="02040503050406030204" pitchFamily="18" charset="0"/>
+                        </a:rPr>
+                        <m:t>𝑝</m:t>
+                      </m:r>
+                      <m:r>
+                        <a:rPr lang="fr-FR" sz="1200" b="0" i="1" smtClean="0">
+                          <a:latin typeface="Cambria Math" panose="02040503050406030204" pitchFamily="18" charset="0"/>
+                        </a:rPr>
+                        <m:t>)</m:t>
+                      </m:r>
+                    </m:oMath>
+                  </m:oMathPara>
+                </a14:m>
+                <a:endParaRPr lang="fr-FR" sz="1200" dirty="0"/>
+              </a:p>
+            </p:txBody>
+          </p:sp>
+        </mc:Choice>
+        <mc:Fallback>
+          <p:sp>
+            <p:nvSpPr>
+              <p:cNvPr id="40" name="ZoneTexte 39">
+                <a:extLst>
+                  <a:ext uri="{FF2B5EF4-FFF2-40B4-BE49-F238E27FC236}">
+                    <a16:creationId xmlns:a16="http://schemas.microsoft.com/office/drawing/2014/main" id="{58854BC3-23D7-4BF5-B592-CEFB9147F84F}"/>
+                  </a:ext>
+                </a:extLst>
+              </p:cNvPr>
+              <p:cNvSpPr txBox="1">
+                <a:spLocks noRot="1" noChangeAspect="1" noMove="1" noResize="1" noEditPoints="1" noAdjustHandles="1" noChangeArrowheads="1" noChangeShapeType="1" noTextEdit="1"/>
+              </p:cNvSpPr>
+              <p:nvPr/>
+            </p:nvSpPr>
+            <p:spPr>
+              <a:xfrm>
+                <a:off x="878462" y="2729082"/>
+                <a:ext cx="351891" cy="184666"/>
+              </a:xfrm>
+              <a:prstGeom prst="rect">
+                <a:avLst/>
+              </a:prstGeom>
+              <a:blipFill>
+                <a:blip r:embed="rId8"/>
+                <a:stretch>
+                  <a:fillRect l="-10345" t="-6667" r="-15517" b="-36667"/>
+                </a:stretch>
+              </a:blipFill>
+            </p:spPr>
+            <p:txBody>
+              <a:bodyPr/>
+              <a:lstStyle/>
+              <a:p>
+                <a:r>
+                  <a:rPr lang="fr-FR">
+                    <a:noFill/>
+                  </a:rPr>
+                  <a:t> </a:t>
+                </a:r>
+              </a:p>
+            </p:txBody>
+          </p:sp>
+        </mc:Fallback>
+      </mc:AlternateContent>
+    </p:spTree>
+    <p:extLst>
+      <p:ext uri="{BB962C8B-B14F-4D97-AF65-F5344CB8AC3E}">
+        <p14:creationId xmlns:p14="http://schemas.microsoft.com/office/powerpoint/2010/main" val="3624121597"/>
+      </p:ext>
+    </p:extLst>
+  </p:cSld>
+  <p:clrMapOvr>
+    <a:masterClrMapping/>
+  </p:clrMapOvr>
+</p:sld>
+</file>
+
+<file path=ppt/slides/slide7.xml><?xml version="1.0" encoding="utf-8"?>
+<p:sld xmlns:a="http://schemas.openxmlformats.org/drawingml/2006/main" xmlns:r="http://schemas.openxmlformats.org/officeDocument/2006/relationships" xmlns:p="http://schemas.openxmlformats.org/presentationml/2006/main">
+  <p:cSld>
+    <p:spTree>
+      <p:nvGrpSpPr>
+        <p:cNvPr id="1" name=""/>
+        <p:cNvGrpSpPr/>
+        <p:nvPr/>
+      </p:nvGrpSpPr>
+      <p:grpSpPr>
+        <a:xfrm>
+          <a:off x="0" y="0"/>
+          <a:ext cx="0" cy="0"/>
+          <a:chOff x="0" y="0"/>
+          <a:chExt cx="0" cy="0"/>
+        </a:xfrm>
+      </p:grpSpPr>
+      <mc:AlternateContent xmlns:mc="http://schemas.openxmlformats.org/markup-compatibility/2006" xmlns:a14="http://schemas.microsoft.com/office/drawing/2010/main">
+        <mc:Choice Requires="a14">
+          <p:sp>
+            <p:nvSpPr>
+              <p:cNvPr id="9" name="Rectangle 8">
+                <a:extLst>
+                  <a:ext uri="{FF2B5EF4-FFF2-40B4-BE49-F238E27FC236}">
+                    <a16:creationId xmlns:a16="http://schemas.microsoft.com/office/drawing/2014/main" id="{E1FC6A0D-BA6F-4196-A515-F22611F3FAF4}"/>
+                  </a:ext>
+                </a:extLst>
+              </p:cNvPr>
+              <p:cNvSpPr/>
+              <p:nvPr/>
+            </p:nvSpPr>
+            <p:spPr>
+              <a:xfrm>
+                <a:off x="2497578" y="3432759"/>
+                <a:ext cx="540000" cy="252000"/>
+              </a:xfrm>
+              <a:prstGeom prst="rect">
+                <a:avLst/>
+              </a:prstGeom>
+              <a:solidFill>
+                <a:schemeClr val="accent1">
+                  <a:lumMod val="20000"/>
+                  <a:lumOff val="80000"/>
+                </a:schemeClr>
+              </a:solidFill>
+              <a:ln>
+                <a:solidFill>
+                  <a:schemeClr val="accent1">
+                    <a:lumMod val="50000"/>
+                  </a:schemeClr>
+                </a:solidFill>
+              </a:ln>
+            </p:spPr>
+            <p:style>
+              <a:lnRef idx="2">
+                <a:schemeClr val="accent1">
+                  <a:shade val="50000"/>
+                </a:schemeClr>
+              </a:lnRef>
+              <a:fillRef idx="1">
+                <a:schemeClr val="accent1"/>
+              </a:fillRef>
+              <a:effectRef idx="0">
+                <a:schemeClr val="accent1"/>
+              </a:effectRef>
+              <a:fontRef idx="minor">
+                <a:schemeClr val="lt1"/>
+              </a:fontRef>
+            </p:style>
+            <p:txBody>
+              <a:bodyPr rot="0" spcFirstLastPara="0" vertOverflow="overflow" horzOverflow="overflow" vert="horz" wrap="square" lIns="91440" tIns="45720" rIns="91440" bIns="45720" numCol="1" spcCol="0" rtlCol="0" fromWordArt="0" anchor="ctr" anchorCtr="0" forceAA="0" compatLnSpc="1">
+                <a:prstTxWarp prst="textNoShape">
+                  <a:avLst/>
+                </a:prstTxWarp>
+                <a:noAutofit/>
+              </a:bodyPr>
+              <a:lstStyle/>
+              <a:p>
+                <a:pPr algn="ctr"/>
+                <a14:m>
+                  <m:oMathPara xmlns:m="http://schemas.openxmlformats.org/officeDocument/2006/math">
+                    <m:oMathParaPr>
+                      <m:jc m:val="centerGroup"/>
+                    </m:oMathParaPr>
+                    <m:oMath xmlns:m="http://schemas.openxmlformats.org/officeDocument/2006/math">
+                      <m:r>
+                        <a:rPr lang="fr-FR" sz="1200" b="1" i="0" smtClean="0">
+                          <a:solidFill>
+                            <a:schemeClr val="tx1"/>
+                          </a:solidFill>
+                          <a:latin typeface="Cambria Math" panose="02040503050406030204" pitchFamily="18" charset="0"/>
+                        </a:rPr>
+                        <m:t>𝐁</m:t>
+                      </m:r>
+                    </m:oMath>
+                  </m:oMathPara>
+                </a14:m>
+                <a:endParaRPr lang="fr-FR" sz="1200" b="1" dirty="0">
+                  <a:solidFill>
+                    <a:schemeClr val="tx1"/>
+                  </a:solidFill>
+                </a:endParaRPr>
+              </a:p>
+            </p:txBody>
+          </p:sp>
+        </mc:Choice>
+        <mc:Fallback xmlns="">
+          <p:sp>
+            <p:nvSpPr>
+              <p:cNvPr id="9" name="Rectangle 8">
+                <a:extLst>
+                  <a:ext uri="{FF2B5EF4-FFF2-40B4-BE49-F238E27FC236}">
+                    <a16:creationId xmlns:a16="http://schemas.microsoft.com/office/drawing/2014/main" id="{E1FC6A0D-BA6F-4196-A515-F22611F3FAF4}"/>
+                  </a:ext>
+                </a:extLst>
+              </p:cNvPr>
+              <p:cNvSpPr>
+                <a:spLocks noRot="1" noChangeAspect="1" noMove="1" noResize="1" noEditPoints="1" noAdjustHandles="1" noChangeArrowheads="1" noChangeShapeType="1" noTextEdit="1"/>
+              </p:cNvSpPr>
+              <p:nvPr/>
+            </p:nvSpPr>
+            <p:spPr>
+              <a:xfrm>
+                <a:off x="2497578" y="3432759"/>
+                <a:ext cx="540000" cy="252000"/>
+              </a:xfrm>
+              <a:prstGeom prst="rect">
+                <a:avLst/>
+              </a:prstGeom>
+              <a:blipFill>
+                <a:blip r:embed="rId2"/>
+                <a:stretch>
+                  <a:fillRect/>
+                </a:stretch>
+              </a:blipFill>
+              <a:ln>
+                <a:solidFill>
+                  <a:schemeClr val="accent1">
+                    <a:lumMod val="50000"/>
+                  </a:schemeClr>
+                </a:solidFill>
+              </a:ln>
+            </p:spPr>
+            <p:txBody>
+              <a:bodyPr/>
+              <a:lstStyle/>
+              <a:p>
+                <a:r>
+                  <a:rPr lang="fr-FR">
+                    <a:noFill/>
+                  </a:rPr>
+                  <a:t> </a:t>
+                </a:r>
+              </a:p>
+            </p:txBody>
+          </p:sp>
+        </mc:Fallback>
+      </mc:AlternateContent>
+      <mc:AlternateContent xmlns:mc="http://schemas.openxmlformats.org/markup-compatibility/2006" xmlns:a14="http://schemas.microsoft.com/office/drawing/2010/main">
+        <mc:Choice Requires="a14">
+          <p:sp>
+            <p:nvSpPr>
+              <p:cNvPr id="10" name="Rectangle 9">
+                <a:extLst>
+                  <a:ext uri="{FF2B5EF4-FFF2-40B4-BE49-F238E27FC236}">
+                    <a16:creationId xmlns:a16="http://schemas.microsoft.com/office/drawing/2014/main" id="{4A692074-2AC0-46E1-9869-6DA9A26DBD2B}"/>
+                  </a:ext>
+                </a:extLst>
+              </p:cNvPr>
+              <p:cNvSpPr/>
+              <p:nvPr/>
+            </p:nvSpPr>
+            <p:spPr>
+              <a:xfrm>
+                <a:off x="3309239" y="3432759"/>
+                <a:ext cx="540000" cy="252000"/>
+              </a:xfrm>
+              <a:prstGeom prst="rect">
+                <a:avLst/>
+              </a:prstGeom>
+              <a:solidFill>
+                <a:schemeClr val="accent1">
+                  <a:lumMod val="20000"/>
+                  <a:lumOff val="80000"/>
+                </a:schemeClr>
+              </a:solidFill>
+              <a:ln>
+                <a:solidFill>
+                  <a:schemeClr val="accent1">
+                    <a:lumMod val="50000"/>
+                  </a:schemeClr>
+                </a:solidFill>
+              </a:ln>
+            </p:spPr>
+            <p:style>
+              <a:lnRef idx="2">
+                <a:schemeClr val="accent1">
+                  <a:shade val="50000"/>
+                </a:schemeClr>
+              </a:lnRef>
+              <a:fillRef idx="1">
+                <a:schemeClr val="accent1"/>
+              </a:fillRef>
+              <a:effectRef idx="0">
+                <a:schemeClr val="accent1"/>
+              </a:effectRef>
+              <a:fontRef idx="minor">
+                <a:schemeClr val="lt1"/>
+              </a:fontRef>
+            </p:style>
+            <p:txBody>
+              <a:bodyPr rot="0" spcFirstLastPara="0" vertOverflow="overflow" horzOverflow="overflow" vert="horz" wrap="square" lIns="91440" tIns="45720" rIns="91440" bIns="45720" numCol="1" spcCol="0" rtlCol="0" fromWordArt="0" anchor="ctr" anchorCtr="0" forceAA="0" compatLnSpc="1">
+                <a:prstTxWarp prst="textNoShape">
+                  <a:avLst/>
+                </a:prstTxWarp>
+                <a:noAutofit/>
+              </a:bodyPr>
+              <a:lstStyle/>
+              <a:p>
+                <a:pPr algn="ctr"/>
+                <a14:m>
+                  <m:oMathPara xmlns:m="http://schemas.openxmlformats.org/officeDocument/2006/math">
+                    <m:oMathParaPr>
+                      <m:jc m:val="centerGroup"/>
+                    </m:oMathParaPr>
+                    <m:oMath xmlns:m="http://schemas.openxmlformats.org/officeDocument/2006/math">
+                      <m:r>
+                        <a:rPr lang="fr-FR" sz="1200" b="1" i="0" smtClean="0">
+                          <a:solidFill>
+                            <a:schemeClr val="tx1"/>
+                          </a:solidFill>
+                          <a:latin typeface="Cambria Math" panose="02040503050406030204" pitchFamily="18" charset="0"/>
+                        </a:rPr>
+                        <m:t>𝐂</m:t>
+                      </m:r>
+                    </m:oMath>
+                  </m:oMathPara>
+                </a14:m>
+                <a:endParaRPr lang="fr-FR" sz="1200" b="1" dirty="0">
+                  <a:solidFill>
+                    <a:schemeClr val="tx1"/>
+                  </a:solidFill>
+                </a:endParaRPr>
+              </a:p>
+            </p:txBody>
+          </p:sp>
+        </mc:Choice>
+        <mc:Fallback xmlns="">
+          <p:sp>
+            <p:nvSpPr>
+              <p:cNvPr id="10" name="Rectangle 9">
+                <a:extLst>
+                  <a:ext uri="{FF2B5EF4-FFF2-40B4-BE49-F238E27FC236}">
+                    <a16:creationId xmlns:a16="http://schemas.microsoft.com/office/drawing/2014/main" id="{4A692074-2AC0-46E1-9869-6DA9A26DBD2B}"/>
+                  </a:ext>
+                </a:extLst>
+              </p:cNvPr>
+              <p:cNvSpPr>
+                <a:spLocks noRot="1" noChangeAspect="1" noMove="1" noResize="1" noEditPoints="1" noAdjustHandles="1" noChangeArrowheads="1" noChangeShapeType="1" noTextEdit="1"/>
+              </p:cNvSpPr>
+              <p:nvPr/>
+            </p:nvSpPr>
+            <p:spPr>
+              <a:xfrm>
+                <a:off x="3309239" y="3432759"/>
+                <a:ext cx="540000" cy="252000"/>
+              </a:xfrm>
+              <a:prstGeom prst="rect">
+                <a:avLst/>
+              </a:prstGeom>
+              <a:blipFill>
+                <a:blip r:embed="rId3"/>
+                <a:stretch>
+                  <a:fillRect/>
+                </a:stretch>
+              </a:blipFill>
+              <a:ln>
+                <a:solidFill>
+                  <a:schemeClr val="accent1">
+                    <a:lumMod val="50000"/>
+                  </a:schemeClr>
+                </a:solidFill>
+              </a:ln>
+            </p:spPr>
+            <p:txBody>
+              <a:bodyPr/>
+              <a:lstStyle/>
+              <a:p>
+                <a:r>
+                  <a:rPr lang="fr-FR">
+                    <a:noFill/>
+                  </a:rPr>
+                  <a:t> </a:t>
+                </a:r>
+              </a:p>
+            </p:txBody>
+          </p:sp>
+        </mc:Fallback>
+      </mc:AlternateContent>
+      <mc:AlternateContent xmlns:mc="http://schemas.openxmlformats.org/markup-compatibility/2006">
+        <mc:Choice xmlns:a14="http://schemas.microsoft.com/office/drawing/2010/main" Requires="a14">
+          <p:sp>
+            <p:nvSpPr>
+              <p:cNvPr id="11" name="Rectangle 10">
+                <a:extLst>
+                  <a:ext uri="{FF2B5EF4-FFF2-40B4-BE49-F238E27FC236}">
+                    <a16:creationId xmlns:a16="http://schemas.microsoft.com/office/drawing/2014/main" id="{8491BB0E-EDD0-4519-B26A-C25B6BACFE3D}"/>
+                  </a:ext>
+                </a:extLst>
+              </p:cNvPr>
+              <p:cNvSpPr/>
+              <p:nvPr/>
+            </p:nvSpPr>
+            <p:spPr>
+              <a:xfrm>
+                <a:off x="1230353" y="2824419"/>
+                <a:ext cx="540000" cy="252000"/>
+              </a:xfrm>
+              <a:prstGeom prst="rect">
+                <a:avLst/>
+              </a:prstGeom>
+              <a:solidFill>
+                <a:schemeClr val="accent1">
+                  <a:lumMod val="20000"/>
+                  <a:lumOff val="80000"/>
+                </a:schemeClr>
+              </a:solidFill>
+              <a:ln>
+                <a:solidFill>
+                  <a:schemeClr val="accent1">
+                    <a:lumMod val="50000"/>
+                  </a:schemeClr>
+                </a:solidFill>
+              </a:ln>
+            </p:spPr>
+            <p:style>
+              <a:lnRef idx="2">
+                <a:schemeClr val="accent1">
+                  <a:shade val="50000"/>
+                </a:schemeClr>
+              </a:lnRef>
+              <a:fillRef idx="1">
+                <a:schemeClr val="accent1"/>
+              </a:fillRef>
+              <a:effectRef idx="0">
+                <a:schemeClr val="accent1"/>
+              </a:effectRef>
+              <a:fontRef idx="minor">
+                <a:schemeClr val="lt1"/>
+              </a:fontRef>
+            </p:style>
+            <p:txBody>
+              <a:bodyPr rot="0" spcFirstLastPara="0" vertOverflow="overflow" horzOverflow="overflow" vert="horz" wrap="square" lIns="91440" tIns="45720" rIns="91440" bIns="45720" numCol="1" spcCol="0" rtlCol="0" fromWordArt="0" anchor="ctr" anchorCtr="0" forceAA="0" compatLnSpc="1">
+                <a:prstTxWarp prst="textNoShape">
+                  <a:avLst/>
+                </a:prstTxWarp>
+                <a:noAutofit/>
+              </a:bodyPr>
+              <a:lstStyle/>
+              <a:p>
+                <a:pPr algn="ctr"/>
+                <a14:m>
+                  <m:oMathPara xmlns:m="http://schemas.openxmlformats.org/officeDocument/2006/math">
+                    <m:oMathParaPr>
+                      <m:jc m:val="centerGroup"/>
+                    </m:oMathParaPr>
+                    <m:oMath xmlns:m="http://schemas.openxmlformats.org/officeDocument/2006/math">
+                      <m:r>
+                        <a:rPr lang="fr-FR" sz="1200" b="1" i="0" smtClean="0">
+                          <a:solidFill>
+                            <a:schemeClr val="tx1"/>
+                          </a:solidFill>
+                          <a:latin typeface="Cambria Math" panose="02040503050406030204" pitchFamily="18" charset="0"/>
+                        </a:rPr>
+                        <m:t>𝐃</m:t>
+                      </m:r>
+                    </m:oMath>
+                  </m:oMathPara>
+                </a14:m>
+                <a:endParaRPr lang="fr-FR" sz="1200" b="1" dirty="0">
+                  <a:solidFill>
+                    <a:schemeClr val="tx1"/>
+                  </a:solidFill>
+                </a:endParaRPr>
+              </a:p>
+            </p:txBody>
+          </p:sp>
+        </mc:Choice>
+        <mc:Fallback>
+          <p:sp>
+            <p:nvSpPr>
+              <p:cNvPr id="11" name="Rectangle 10">
+                <a:extLst>
+                  <a:ext uri="{FF2B5EF4-FFF2-40B4-BE49-F238E27FC236}">
+                    <a16:creationId xmlns:a16="http://schemas.microsoft.com/office/drawing/2014/main" id="{8491BB0E-EDD0-4519-B26A-C25B6BACFE3D}"/>
+                  </a:ext>
+                </a:extLst>
+              </p:cNvPr>
+              <p:cNvSpPr>
+                <a:spLocks noRot="1" noChangeAspect="1" noMove="1" noResize="1" noEditPoints="1" noAdjustHandles="1" noChangeArrowheads="1" noChangeShapeType="1" noTextEdit="1"/>
+              </p:cNvSpPr>
+              <p:nvPr/>
+            </p:nvSpPr>
+            <p:spPr>
+              <a:xfrm>
+                <a:off x="1230353" y="2824419"/>
+                <a:ext cx="540000" cy="252000"/>
+              </a:xfrm>
+              <a:prstGeom prst="rect">
+                <a:avLst/>
+              </a:prstGeom>
+              <a:blipFill>
+                <a:blip r:embed="rId4"/>
+                <a:stretch>
+                  <a:fillRect/>
+                </a:stretch>
+              </a:blipFill>
+              <a:ln>
+                <a:solidFill>
+                  <a:schemeClr val="accent1">
+                    <a:lumMod val="50000"/>
+                  </a:schemeClr>
+                </a:solidFill>
+              </a:ln>
+            </p:spPr>
+            <p:txBody>
+              <a:bodyPr/>
+              <a:lstStyle/>
+              <a:p>
+                <a:r>
+                  <a:rPr lang="fr-FR">
+                    <a:noFill/>
+                  </a:rPr>
+                  <a:t> </a:t>
+                </a:r>
+              </a:p>
+            </p:txBody>
+          </p:sp>
+        </mc:Fallback>
+      </mc:AlternateContent>
+      <mc:AlternateContent xmlns:mc="http://schemas.openxmlformats.org/markup-compatibility/2006">
+        <mc:Choice xmlns:a14="http://schemas.microsoft.com/office/drawing/2010/main" Requires="a14">
+          <p:sp>
+            <p:nvSpPr>
+              <p:cNvPr id="12" name="Rectangle 11">
+                <a:extLst>
+                  <a:ext uri="{FF2B5EF4-FFF2-40B4-BE49-F238E27FC236}">
+                    <a16:creationId xmlns:a16="http://schemas.microsoft.com/office/drawing/2014/main" id="{CA6133C4-0A9A-4936-81DD-C7A5C1CA6821}"/>
+                  </a:ext>
+                </a:extLst>
+              </p:cNvPr>
+              <p:cNvSpPr/>
+              <p:nvPr/>
+            </p:nvSpPr>
+            <p:spPr>
+              <a:xfrm>
+                <a:off x="661199" y="3409943"/>
+                <a:ext cx="540385" cy="252000"/>
+              </a:xfrm>
+              <a:prstGeom prst="rect">
+                <a:avLst/>
+              </a:prstGeom>
+              <a:solidFill>
+                <a:schemeClr val="accent1">
+                  <a:lumMod val="20000"/>
+                  <a:lumOff val="80000"/>
+                </a:schemeClr>
+              </a:solidFill>
+              <a:ln>
+                <a:solidFill>
+                  <a:schemeClr val="accent1">
+                    <a:lumMod val="50000"/>
+                  </a:schemeClr>
+                </a:solidFill>
+              </a:ln>
+            </p:spPr>
+            <p:style>
+              <a:lnRef idx="2">
+                <a:schemeClr val="accent1">
+                  <a:shade val="50000"/>
+                </a:schemeClr>
+              </a:lnRef>
+              <a:fillRef idx="1">
+                <a:schemeClr val="accent1"/>
+              </a:fillRef>
+              <a:effectRef idx="0">
+                <a:schemeClr val="accent1"/>
+              </a:effectRef>
+              <a:fontRef idx="minor">
+                <a:schemeClr val="lt1"/>
+              </a:fontRef>
+            </p:style>
+            <p:txBody>
+              <a:bodyPr rot="0" spcFirstLastPara="0" vertOverflow="overflow" horzOverflow="overflow" vert="horz" wrap="square" lIns="91440" tIns="45720" rIns="91440" bIns="45720" numCol="1" spcCol="0" rtlCol="0" fromWordArt="0" anchor="ctr" anchorCtr="0" forceAA="0" compatLnSpc="1">
+                <a:prstTxWarp prst="textNoShape">
+                  <a:avLst/>
+                </a:prstTxWarp>
+                <a:noAutofit/>
+              </a:bodyPr>
+              <a:lstStyle/>
+              <a:p>
+                <a:pPr algn="ctr"/>
+                <a14:m>
+                  <m:oMathPara xmlns:m="http://schemas.openxmlformats.org/officeDocument/2006/math">
+                    <m:oMathParaPr>
+                      <m:jc m:val="centerGroup"/>
+                    </m:oMathParaPr>
+                    <m:oMath xmlns:m="http://schemas.openxmlformats.org/officeDocument/2006/math">
+                      <m:r>
+                        <a:rPr lang="fr-FR" sz="1200" b="1" i="0" smtClean="0">
+                          <a:solidFill>
+                            <a:schemeClr val="tx1"/>
+                          </a:solidFill>
+                          <a:latin typeface="Cambria Math" panose="02040503050406030204" pitchFamily="18" charset="0"/>
+                        </a:rPr>
+                        <m:t>𝐀</m:t>
+                      </m:r>
+                    </m:oMath>
+                  </m:oMathPara>
+                </a14:m>
+                <a:endParaRPr lang="fr-FR" sz="1200" b="1" dirty="0">
+                  <a:solidFill>
+                    <a:schemeClr val="tx1"/>
+                  </a:solidFill>
+                </a:endParaRPr>
+              </a:p>
+            </p:txBody>
+          </p:sp>
+        </mc:Choice>
+        <mc:Fallback>
+          <p:sp>
+            <p:nvSpPr>
+              <p:cNvPr id="12" name="Rectangle 11">
+                <a:extLst>
+                  <a:ext uri="{FF2B5EF4-FFF2-40B4-BE49-F238E27FC236}">
+                    <a16:creationId xmlns:a16="http://schemas.microsoft.com/office/drawing/2014/main" id="{CA6133C4-0A9A-4936-81DD-C7A5C1CA6821}"/>
+                  </a:ext>
+                </a:extLst>
+              </p:cNvPr>
+              <p:cNvSpPr>
+                <a:spLocks noRot="1" noChangeAspect="1" noMove="1" noResize="1" noEditPoints="1" noAdjustHandles="1" noChangeArrowheads="1" noChangeShapeType="1" noTextEdit="1"/>
+              </p:cNvSpPr>
+              <p:nvPr/>
+            </p:nvSpPr>
+            <p:spPr>
+              <a:xfrm>
+                <a:off x="661199" y="3409943"/>
+                <a:ext cx="540385" cy="252000"/>
+              </a:xfrm>
+              <a:prstGeom prst="rect">
+                <a:avLst/>
+              </a:prstGeom>
+              <a:blipFill>
+                <a:blip r:embed="rId5"/>
+                <a:stretch>
+                  <a:fillRect/>
+                </a:stretch>
+              </a:blipFill>
+              <a:ln>
+                <a:solidFill>
+                  <a:schemeClr val="accent1">
+                    <a:lumMod val="50000"/>
+                  </a:schemeClr>
+                </a:solidFill>
+              </a:ln>
+            </p:spPr>
+            <p:txBody>
+              <a:bodyPr/>
+              <a:lstStyle/>
+              <a:p>
+                <a:r>
+                  <a:rPr lang="fr-FR">
+                    <a:noFill/>
+                  </a:rPr>
+                  <a:t> </a:t>
+                </a:r>
+              </a:p>
+            </p:txBody>
+          </p:sp>
+        </mc:Fallback>
+      </mc:AlternateContent>
+      <p:cxnSp>
+        <p:nvCxnSpPr>
+          <p:cNvPr id="22" name="Connecteur droit avec flèche 21">
+            <a:extLst>
+              <a:ext uri="{FF2B5EF4-FFF2-40B4-BE49-F238E27FC236}">
+                <a16:creationId xmlns:a16="http://schemas.microsoft.com/office/drawing/2014/main" id="{147ED992-79DF-4385-AE3B-E7357B17CCD3}"/>
+              </a:ext>
+            </a:extLst>
+          </p:cNvPr>
+          <p:cNvCxnSpPr>
+            <a:cxnSpLocks/>
+          </p:cNvCxnSpPr>
+          <p:nvPr/>
+        </p:nvCxnSpPr>
+        <p:spPr>
+          <a:xfrm flipV="1">
+            <a:off x="1652672" y="3667952"/>
+            <a:ext cx="0" cy="331257"/>
+          </a:xfrm>
+          <a:prstGeom prst="straightConnector1">
+            <a:avLst/>
+          </a:prstGeom>
+          <a:solidFill>
+            <a:schemeClr val="accent1">
+              <a:lumMod val="20000"/>
+              <a:lumOff val="80000"/>
+            </a:schemeClr>
+          </a:solidFill>
+          <a:ln>
+            <a:solidFill>
+              <a:schemeClr val="accent1">
+                <a:lumMod val="50000"/>
+              </a:schemeClr>
+            </a:solidFill>
+            <a:headEnd type="none"/>
+            <a:tailEnd type="stealth" w="med" len="lg"/>
+          </a:ln>
+        </p:spPr>
+        <p:style>
+          <a:lnRef idx="2">
+            <a:schemeClr val="accent1">
+              <a:shade val="50000"/>
+            </a:schemeClr>
+          </a:lnRef>
+          <a:fillRef idx="1">
+            <a:schemeClr val="accent1"/>
+          </a:fillRef>
+          <a:effectRef idx="0">
+            <a:schemeClr val="accent1"/>
+          </a:effectRef>
+          <a:fontRef idx="minor">
+            <a:schemeClr val="lt1"/>
+          </a:fontRef>
+        </p:style>
+      </p:cxnSp>
+      <p:cxnSp>
+        <p:nvCxnSpPr>
+          <p:cNvPr id="39" name="Connecteur droit avec flèche 38">
+            <a:extLst>
+              <a:ext uri="{FF2B5EF4-FFF2-40B4-BE49-F238E27FC236}">
+                <a16:creationId xmlns:a16="http://schemas.microsoft.com/office/drawing/2014/main" id="{E5CEB3B4-10EC-4189-A83D-D9EBF1B0AD74}"/>
+              </a:ext>
+            </a:extLst>
+          </p:cNvPr>
+          <p:cNvCxnSpPr>
+            <a:cxnSpLocks/>
+          </p:cNvCxnSpPr>
+          <p:nvPr/>
+        </p:nvCxnSpPr>
+        <p:spPr>
+          <a:xfrm flipV="1">
+            <a:off x="3902491" y="3565381"/>
+            <a:ext cx="0" cy="460682"/>
+          </a:xfrm>
+          <a:prstGeom prst="straightConnector1">
+            <a:avLst/>
+          </a:prstGeom>
+          <a:solidFill>
+            <a:schemeClr val="accent1">
+              <a:lumMod val="20000"/>
+              <a:lumOff val="80000"/>
+            </a:schemeClr>
+          </a:solidFill>
+          <a:ln>
+            <a:solidFill>
+              <a:schemeClr val="accent1">
+                <a:lumMod val="50000"/>
+              </a:schemeClr>
+            </a:solidFill>
+            <a:headEnd type="none"/>
+            <a:tailEnd type="none" w="med" len="lg"/>
+          </a:ln>
+        </p:spPr>
+        <p:style>
+          <a:lnRef idx="2">
+            <a:schemeClr val="accent1">
+              <a:shade val="50000"/>
+            </a:schemeClr>
+          </a:lnRef>
+          <a:fillRef idx="1">
+            <a:schemeClr val="accent1"/>
+          </a:fillRef>
+          <a:effectRef idx="0">
+            <a:schemeClr val="accent1"/>
+          </a:effectRef>
+          <a:fontRef idx="minor">
+            <a:schemeClr val="lt1"/>
+          </a:fontRef>
+        </p:style>
+      </p:cxnSp>
+      <mc:AlternateContent xmlns:mc="http://schemas.openxmlformats.org/markup-compatibility/2006">
+        <mc:Choice xmlns:a14="http://schemas.microsoft.com/office/drawing/2010/main" Requires="a14">
+          <p:sp>
+            <p:nvSpPr>
+              <p:cNvPr id="46" name="ZoneTexte 45">
+                <a:extLst>
+                  <a:ext uri="{FF2B5EF4-FFF2-40B4-BE49-F238E27FC236}">
+                    <a16:creationId xmlns:a16="http://schemas.microsoft.com/office/drawing/2014/main" id="{316570E4-C93F-4785-BD5E-88B451BCD63E}"/>
+                  </a:ext>
+                </a:extLst>
+              </p:cNvPr>
+              <p:cNvSpPr txBox="1"/>
+              <p:nvPr/>
+            </p:nvSpPr>
+            <p:spPr>
+              <a:xfrm>
+                <a:off x="243271" y="3254883"/>
+                <a:ext cx="354136" cy="184666"/>
+              </a:xfrm>
+              <a:prstGeom prst="rect">
+                <a:avLst/>
+              </a:prstGeom>
+              <a:noFill/>
+            </p:spPr>
+            <p:txBody>
+              <a:bodyPr wrap="none" lIns="0" tIns="0" rIns="0" bIns="0" rtlCol="0">
+                <a:spAutoFit/>
+              </a:bodyPr>
+              <a:lstStyle/>
+              <a:p>
+                <a:pPr/>
+                <a14:m>
+                  <m:oMathPara xmlns:m="http://schemas.openxmlformats.org/officeDocument/2006/math">
+                    <m:oMathParaPr>
+                      <m:jc m:val="centerGroup"/>
+                    </m:oMathParaPr>
+                    <m:oMath xmlns:m="http://schemas.openxmlformats.org/officeDocument/2006/math">
+                      <m:r>
+                        <a:rPr lang="fr-FR" sz="1200" b="0" i="1" smtClean="0">
+                          <a:latin typeface="Cambria Math" panose="02040503050406030204" pitchFamily="18" charset="0"/>
+                        </a:rPr>
+                        <m:t>𝐸</m:t>
+                      </m:r>
+                      <m:r>
+                        <a:rPr lang="fr-FR" sz="1200" b="0" i="1" smtClean="0">
+                          <a:latin typeface="Cambria Math" panose="02040503050406030204" pitchFamily="18" charset="0"/>
+                        </a:rPr>
+                        <m:t>(</m:t>
+                      </m:r>
+                      <m:r>
+                        <a:rPr lang="fr-FR" sz="1200" b="0" i="1" smtClean="0">
+                          <a:latin typeface="Cambria Math" panose="02040503050406030204" pitchFamily="18" charset="0"/>
+                        </a:rPr>
+                        <m:t>𝑝</m:t>
+                      </m:r>
+                      <m:r>
+                        <a:rPr lang="fr-FR" sz="1200" b="0" i="1" smtClean="0">
+                          <a:latin typeface="Cambria Math" panose="02040503050406030204" pitchFamily="18" charset="0"/>
+                        </a:rPr>
+                        <m:t>)</m:t>
+                      </m:r>
+                    </m:oMath>
+                  </m:oMathPara>
+                </a14:m>
+                <a:endParaRPr lang="fr-FR" sz="1200" dirty="0"/>
+              </a:p>
+            </p:txBody>
+          </p:sp>
+        </mc:Choice>
+        <mc:Fallback>
+          <p:sp>
+            <p:nvSpPr>
+              <p:cNvPr id="46" name="ZoneTexte 45">
+                <a:extLst>
+                  <a:ext uri="{FF2B5EF4-FFF2-40B4-BE49-F238E27FC236}">
+                    <a16:creationId xmlns:a16="http://schemas.microsoft.com/office/drawing/2014/main" id="{316570E4-C93F-4785-BD5E-88B451BCD63E}"/>
+                  </a:ext>
+                </a:extLst>
+              </p:cNvPr>
+              <p:cNvSpPr txBox="1">
+                <a:spLocks noRot="1" noChangeAspect="1" noMove="1" noResize="1" noEditPoints="1" noAdjustHandles="1" noChangeArrowheads="1" noChangeShapeType="1" noTextEdit="1"/>
+              </p:cNvSpPr>
+              <p:nvPr/>
+            </p:nvSpPr>
+            <p:spPr>
+              <a:xfrm>
+                <a:off x="243271" y="3254883"/>
+                <a:ext cx="354136" cy="184666"/>
+              </a:xfrm>
+              <a:prstGeom prst="rect">
+                <a:avLst/>
+              </a:prstGeom>
+              <a:blipFill>
+                <a:blip r:embed="rId6"/>
+                <a:stretch>
+                  <a:fillRect l="-10345" t="-6667" r="-15517" b="-36667"/>
+                </a:stretch>
+              </a:blipFill>
+            </p:spPr>
+            <p:txBody>
+              <a:bodyPr/>
+              <a:lstStyle/>
+              <a:p>
+                <a:r>
+                  <a:rPr lang="fr-FR">
+                    <a:noFill/>
+                  </a:rPr>
+                  <a:t> </a:t>
+                </a:r>
+              </a:p>
+            </p:txBody>
+          </p:sp>
+        </mc:Fallback>
+      </mc:AlternateContent>
+      <mc:AlternateContent xmlns:mc="http://schemas.openxmlformats.org/markup-compatibility/2006">
+        <mc:Choice xmlns:a14="http://schemas.microsoft.com/office/drawing/2010/main" Requires="a14">
+          <p:sp>
+            <p:nvSpPr>
+              <p:cNvPr id="47" name="ZoneTexte 46">
+                <a:extLst>
+                  <a:ext uri="{FF2B5EF4-FFF2-40B4-BE49-F238E27FC236}">
+                    <a16:creationId xmlns:a16="http://schemas.microsoft.com/office/drawing/2014/main" id="{76153325-6CDE-46AA-9006-0227DBB70A10}"/>
+                  </a:ext>
+                </a:extLst>
+              </p:cNvPr>
+              <p:cNvSpPr txBox="1"/>
+              <p:nvPr/>
+            </p:nvSpPr>
+            <p:spPr>
+              <a:xfrm>
+                <a:off x="4163468" y="3456596"/>
+                <a:ext cx="336695" cy="184666"/>
+              </a:xfrm>
+              <a:prstGeom prst="rect">
+                <a:avLst/>
+              </a:prstGeom>
+              <a:noFill/>
+            </p:spPr>
+            <p:txBody>
+              <a:bodyPr wrap="none" lIns="0" tIns="0" rIns="0" bIns="0" rtlCol="0">
+                <a:spAutoFit/>
+              </a:bodyPr>
+              <a:lstStyle/>
+              <a:p>
+                <a:pPr/>
+                <a14:m>
+                  <m:oMathPara xmlns:m="http://schemas.openxmlformats.org/officeDocument/2006/math">
+                    <m:oMathParaPr>
+                      <m:jc m:val="centerGroup"/>
+                    </m:oMathParaPr>
+                    <m:oMath xmlns:m="http://schemas.openxmlformats.org/officeDocument/2006/math">
+                      <m:r>
+                        <a:rPr lang="fr-FR" sz="1200" b="0" i="1" smtClean="0">
+                          <a:latin typeface="Cambria Math" panose="02040503050406030204" pitchFamily="18" charset="0"/>
+                        </a:rPr>
+                        <m:t>𝑆</m:t>
+                      </m:r>
+                      <m:r>
+                        <a:rPr lang="fr-FR" sz="1200" b="0" i="1" smtClean="0">
+                          <a:latin typeface="Cambria Math" panose="02040503050406030204" pitchFamily="18" charset="0"/>
+                        </a:rPr>
+                        <m:t>(</m:t>
+                      </m:r>
+                      <m:r>
+                        <a:rPr lang="fr-FR" sz="1200" b="0" i="1" smtClean="0">
+                          <a:latin typeface="Cambria Math" panose="02040503050406030204" pitchFamily="18" charset="0"/>
+                        </a:rPr>
+                        <m:t>𝑝</m:t>
+                      </m:r>
+                      <m:r>
+                        <a:rPr lang="fr-FR" sz="1200" b="0" i="1" smtClean="0">
+                          <a:latin typeface="Cambria Math" panose="02040503050406030204" pitchFamily="18" charset="0"/>
+                        </a:rPr>
+                        <m:t>)</m:t>
+                      </m:r>
+                    </m:oMath>
+                  </m:oMathPara>
+                </a14:m>
+                <a:endParaRPr lang="fr-FR" sz="1200" dirty="0"/>
+              </a:p>
+            </p:txBody>
+          </p:sp>
+        </mc:Choice>
+        <mc:Fallback>
+          <p:sp>
+            <p:nvSpPr>
+              <p:cNvPr id="47" name="ZoneTexte 46">
+                <a:extLst>
+                  <a:ext uri="{FF2B5EF4-FFF2-40B4-BE49-F238E27FC236}">
+                    <a16:creationId xmlns:a16="http://schemas.microsoft.com/office/drawing/2014/main" id="{76153325-6CDE-46AA-9006-0227DBB70A10}"/>
+                  </a:ext>
+                </a:extLst>
+              </p:cNvPr>
+              <p:cNvSpPr txBox="1">
+                <a:spLocks noRot="1" noChangeAspect="1" noMove="1" noResize="1" noEditPoints="1" noAdjustHandles="1" noChangeArrowheads="1" noChangeShapeType="1" noTextEdit="1"/>
+              </p:cNvSpPr>
+              <p:nvPr/>
+            </p:nvSpPr>
+            <p:spPr>
+              <a:xfrm>
+                <a:off x="4163468" y="3456596"/>
+                <a:ext cx="336695" cy="184666"/>
+              </a:xfrm>
+              <a:prstGeom prst="rect">
+                <a:avLst/>
+              </a:prstGeom>
+              <a:blipFill>
+                <a:blip r:embed="rId7"/>
+                <a:stretch>
+                  <a:fillRect l="-10909" t="-3333" r="-16364" b="-40000"/>
+                </a:stretch>
+              </a:blipFill>
+            </p:spPr>
+            <p:txBody>
+              <a:bodyPr/>
+              <a:lstStyle/>
+              <a:p>
+                <a:r>
+                  <a:rPr lang="fr-FR">
+                    <a:noFill/>
+                  </a:rPr>
+                  <a:t> </a:t>
+                </a:r>
+              </a:p>
+            </p:txBody>
+          </p:sp>
+        </mc:Fallback>
+      </mc:AlternateContent>
+      <p:cxnSp>
+        <p:nvCxnSpPr>
+          <p:cNvPr id="32" name="Connecteur droit avec flèche 31">
+            <a:extLst>
+              <a:ext uri="{FF2B5EF4-FFF2-40B4-BE49-F238E27FC236}">
+                <a16:creationId xmlns:a16="http://schemas.microsoft.com/office/drawing/2014/main" id="{2B2FA539-79DA-4386-936E-38A87CFE125A}"/>
+              </a:ext>
+            </a:extLst>
+          </p:cNvPr>
+          <p:cNvCxnSpPr>
+            <a:cxnSpLocks/>
+          </p:cNvCxnSpPr>
+          <p:nvPr/>
+        </p:nvCxnSpPr>
+        <p:spPr>
+          <a:xfrm>
+            <a:off x="1770738" y="3555334"/>
+            <a:ext cx="216653" cy="0"/>
+          </a:xfrm>
+          <a:prstGeom prst="straightConnector1">
+            <a:avLst/>
+          </a:prstGeom>
+          <a:solidFill>
+            <a:schemeClr val="accent1">
+              <a:lumMod val="20000"/>
+              <a:lumOff val="80000"/>
+            </a:schemeClr>
+          </a:solidFill>
+          <a:ln>
+            <a:solidFill>
+              <a:schemeClr val="accent1">
+                <a:lumMod val="50000"/>
+              </a:schemeClr>
+            </a:solidFill>
+            <a:headEnd type="none"/>
+            <a:tailEnd type="stealth" w="med" len="lg"/>
+          </a:ln>
+        </p:spPr>
+        <p:style>
+          <a:lnRef idx="2">
+            <a:schemeClr val="accent1">
+              <a:shade val="50000"/>
+            </a:schemeClr>
+          </a:lnRef>
+          <a:fillRef idx="1">
+            <a:schemeClr val="accent1"/>
+          </a:fillRef>
+          <a:effectRef idx="0">
+            <a:schemeClr val="accent1"/>
+          </a:effectRef>
+          <a:fontRef idx="minor">
+            <a:schemeClr val="lt1"/>
+          </a:fontRef>
+        </p:style>
+      </p:cxnSp>
+      <p:cxnSp>
+        <p:nvCxnSpPr>
+          <p:cNvPr id="37" name="Connecteur droit avec flèche 36">
+            <a:extLst>
+              <a:ext uri="{FF2B5EF4-FFF2-40B4-BE49-F238E27FC236}">
+                <a16:creationId xmlns:a16="http://schemas.microsoft.com/office/drawing/2014/main" id="{26D52C66-B22E-4B0C-B0DD-A7A0876B6596}"/>
+              </a:ext>
+            </a:extLst>
+          </p:cNvPr>
+          <p:cNvCxnSpPr>
+            <a:cxnSpLocks/>
+          </p:cNvCxnSpPr>
+          <p:nvPr/>
+        </p:nvCxnSpPr>
+        <p:spPr>
+          <a:xfrm>
+            <a:off x="3849239" y="3558759"/>
+            <a:ext cx="271661" cy="0"/>
+          </a:xfrm>
+          <a:prstGeom prst="straightConnector1">
+            <a:avLst/>
+          </a:prstGeom>
+          <a:solidFill>
+            <a:schemeClr val="accent1">
+              <a:lumMod val="20000"/>
+              <a:lumOff val="80000"/>
+            </a:schemeClr>
+          </a:solidFill>
+          <a:ln>
+            <a:solidFill>
+              <a:schemeClr val="accent1">
+                <a:lumMod val="50000"/>
+              </a:schemeClr>
+            </a:solidFill>
+            <a:headEnd type="none"/>
+            <a:tailEnd type="stealth" w="med" len="lg"/>
+          </a:ln>
+        </p:spPr>
+        <p:style>
+          <a:lnRef idx="2">
+            <a:schemeClr val="accent1">
+              <a:shade val="50000"/>
+            </a:schemeClr>
+          </a:lnRef>
+          <a:fillRef idx="1">
+            <a:schemeClr val="accent1"/>
+          </a:fillRef>
+          <a:effectRef idx="0">
+            <a:schemeClr val="accent1"/>
+          </a:effectRef>
+          <a:fontRef idx="minor">
+            <a:schemeClr val="lt1"/>
+          </a:fontRef>
+        </p:style>
+      </p:cxnSp>
+      <p:cxnSp>
+        <p:nvCxnSpPr>
+          <p:cNvPr id="38" name="Connecteur droit avec flèche 37">
+            <a:extLst>
+              <a:ext uri="{FF2B5EF4-FFF2-40B4-BE49-F238E27FC236}">
+                <a16:creationId xmlns:a16="http://schemas.microsoft.com/office/drawing/2014/main" id="{38A989D1-E56B-4B44-9247-A6E2A399CFFE}"/>
+              </a:ext>
+            </a:extLst>
+          </p:cNvPr>
+          <p:cNvCxnSpPr>
+            <a:cxnSpLocks/>
+          </p:cNvCxnSpPr>
+          <p:nvPr/>
+        </p:nvCxnSpPr>
+        <p:spPr>
+          <a:xfrm>
+            <a:off x="3037578" y="3558759"/>
+            <a:ext cx="271661" cy="0"/>
+          </a:xfrm>
+          <a:prstGeom prst="straightConnector1">
+            <a:avLst/>
+          </a:prstGeom>
+          <a:solidFill>
+            <a:schemeClr val="accent1">
+              <a:lumMod val="20000"/>
+              <a:lumOff val="80000"/>
+            </a:schemeClr>
+          </a:solidFill>
+          <a:ln>
+            <a:solidFill>
+              <a:schemeClr val="accent1">
+                <a:lumMod val="50000"/>
+              </a:schemeClr>
+            </a:solidFill>
+            <a:headEnd type="none"/>
+            <a:tailEnd type="stealth" w="med" len="lg"/>
+          </a:ln>
+        </p:spPr>
+        <p:style>
+          <a:lnRef idx="2">
+            <a:schemeClr val="accent1">
+              <a:shade val="50000"/>
+            </a:schemeClr>
+          </a:lnRef>
+          <a:fillRef idx="1">
+            <a:schemeClr val="accent1"/>
+          </a:fillRef>
+          <a:effectRef idx="0">
+            <a:schemeClr val="accent1"/>
+          </a:effectRef>
+          <a:fontRef idx="minor">
+            <a:schemeClr val="lt1"/>
+          </a:fontRef>
+        </p:style>
+      </p:cxnSp>
+      <p:cxnSp>
+        <p:nvCxnSpPr>
+          <p:cNvPr id="41" name="Connecteur droit avec flèche 40">
+            <a:extLst>
+              <a:ext uri="{FF2B5EF4-FFF2-40B4-BE49-F238E27FC236}">
+                <a16:creationId xmlns:a16="http://schemas.microsoft.com/office/drawing/2014/main" id="{130B4178-E52F-4875-AB3B-CED741D85B83}"/>
+              </a:ext>
+            </a:extLst>
+          </p:cNvPr>
+          <p:cNvCxnSpPr>
+            <a:cxnSpLocks/>
+          </p:cNvCxnSpPr>
+          <p:nvPr/>
+        </p:nvCxnSpPr>
+        <p:spPr>
+          <a:xfrm flipV="1">
+            <a:off x="2264915" y="3555334"/>
+            <a:ext cx="232663" cy="6851"/>
+          </a:xfrm>
+          <a:prstGeom prst="straightConnector1">
+            <a:avLst/>
+          </a:prstGeom>
+          <a:solidFill>
+            <a:schemeClr val="accent1">
+              <a:lumMod val="20000"/>
+              <a:lumOff val="80000"/>
+            </a:schemeClr>
+          </a:solidFill>
+          <a:ln>
+            <a:solidFill>
+              <a:schemeClr val="accent1">
+                <a:lumMod val="50000"/>
+              </a:schemeClr>
+            </a:solidFill>
+            <a:headEnd type="none"/>
+            <a:tailEnd type="stealth" w="med" len="lg"/>
+          </a:ln>
+        </p:spPr>
+        <p:style>
+          <a:lnRef idx="2">
+            <a:schemeClr val="accent1">
+              <a:shade val="50000"/>
+            </a:schemeClr>
+          </a:lnRef>
+          <a:fillRef idx="1">
+            <a:schemeClr val="accent1"/>
+          </a:fillRef>
+          <a:effectRef idx="0">
+            <a:schemeClr val="accent1"/>
+          </a:effectRef>
+          <a:fontRef idx="minor">
+            <a:schemeClr val="lt1"/>
+          </a:fontRef>
+        </p:style>
+      </p:cxnSp>
+      <p:cxnSp>
+        <p:nvCxnSpPr>
+          <p:cNvPr id="44" name="Connecteur droit avec flèche 43">
+            <a:extLst>
+              <a:ext uri="{FF2B5EF4-FFF2-40B4-BE49-F238E27FC236}">
+                <a16:creationId xmlns:a16="http://schemas.microsoft.com/office/drawing/2014/main" id="{20F5819F-735F-46BD-B018-6C48003B7EEC}"/>
+              </a:ext>
+            </a:extLst>
+          </p:cNvPr>
+          <p:cNvCxnSpPr>
+            <a:cxnSpLocks/>
+            <a:endCxn id="12" idx="1"/>
+          </p:cNvCxnSpPr>
+          <p:nvPr/>
+        </p:nvCxnSpPr>
+        <p:spPr>
+          <a:xfrm>
+            <a:off x="281262" y="3535943"/>
+            <a:ext cx="379937" cy="0"/>
+          </a:xfrm>
+          <a:prstGeom prst="straightConnector1">
+            <a:avLst/>
+          </a:prstGeom>
+          <a:solidFill>
+            <a:schemeClr val="accent1">
+              <a:lumMod val="20000"/>
+              <a:lumOff val="80000"/>
+            </a:schemeClr>
+          </a:solidFill>
+          <a:ln>
+            <a:solidFill>
+              <a:schemeClr val="accent1">
+                <a:lumMod val="50000"/>
+              </a:schemeClr>
+            </a:solidFill>
+            <a:headEnd type="none"/>
+            <a:tailEnd type="stealth" w="med" len="lg"/>
+          </a:ln>
+        </p:spPr>
+        <p:style>
+          <a:lnRef idx="2">
+            <a:schemeClr val="accent1">
+              <a:shade val="50000"/>
+            </a:schemeClr>
+          </a:lnRef>
+          <a:fillRef idx="1">
+            <a:schemeClr val="accent1"/>
+          </a:fillRef>
+          <a:effectRef idx="0">
+            <a:schemeClr val="accent1"/>
+          </a:effectRef>
+          <a:fontRef idx="minor">
+            <a:schemeClr val="lt1"/>
+          </a:fontRef>
+        </p:style>
+      </p:cxnSp>
+      <p:cxnSp>
+        <p:nvCxnSpPr>
+          <p:cNvPr id="52" name="Connecteur droit avec flèche 51">
+            <a:extLst>
+              <a:ext uri="{FF2B5EF4-FFF2-40B4-BE49-F238E27FC236}">
+                <a16:creationId xmlns:a16="http://schemas.microsoft.com/office/drawing/2014/main" id="{9E46C6F3-831A-466A-AF6F-FD74E8D9E621}"/>
+              </a:ext>
+            </a:extLst>
+          </p:cNvPr>
+          <p:cNvCxnSpPr>
+            <a:cxnSpLocks/>
+          </p:cNvCxnSpPr>
+          <p:nvPr/>
+        </p:nvCxnSpPr>
+        <p:spPr>
+          <a:xfrm>
+            <a:off x="1652672" y="4016016"/>
+            <a:ext cx="2249819" cy="0"/>
+          </a:xfrm>
+          <a:prstGeom prst="straightConnector1">
+            <a:avLst/>
+          </a:prstGeom>
+          <a:solidFill>
+            <a:schemeClr val="accent1">
+              <a:lumMod val="20000"/>
+              <a:lumOff val="80000"/>
+            </a:schemeClr>
+          </a:solidFill>
+          <a:ln>
+            <a:solidFill>
+              <a:schemeClr val="accent1">
+                <a:lumMod val="50000"/>
+              </a:schemeClr>
+            </a:solidFill>
+            <a:headEnd type="none"/>
+            <a:tailEnd type="none" w="med" len="lg"/>
+          </a:ln>
+        </p:spPr>
+        <p:style>
+          <a:lnRef idx="2">
+            <a:schemeClr val="accent1">
+              <a:shade val="50000"/>
+            </a:schemeClr>
+          </a:lnRef>
+          <a:fillRef idx="1">
+            <a:schemeClr val="accent1"/>
+          </a:fillRef>
+          <a:effectRef idx="0">
+            <a:schemeClr val="accent1"/>
+          </a:effectRef>
+          <a:fontRef idx="minor">
+            <a:schemeClr val="lt1"/>
+          </a:fontRef>
+        </p:style>
+      </p:cxnSp>
+      <p:grpSp>
+        <p:nvGrpSpPr>
+          <p:cNvPr id="20" name="Groupe 19">
+            <a:extLst>
+              <a:ext uri="{FF2B5EF4-FFF2-40B4-BE49-F238E27FC236}">
+                <a16:creationId xmlns:a16="http://schemas.microsoft.com/office/drawing/2014/main" id="{BA626378-6268-43C5-BDE4-16CB7D742027}"/>
+              </a:ext>
+            </a:extLst>
+          </p:cNvPr>
+          <p:cNvGrpSpPr/>
+          <p:nvPr/>
+        </p:nvGrpSpPr>
+        <p:grpSpPr>
+          <a:xfrm>
+            <a:off x="1456509" y="3388063"/>
+            <a:ext cx="322163" cy="391212"/>
+            <a:chOff x="2225997" y="1079551"/>
+            <a:chExt cx="322163" cy="391212"/>
+          </a:xfrm>
+        </p:grpSpPr>
+        <p:sp>
+          <p:nvSpPr>
+            <p:cNvPr id="21" name="Organigramme : Jonction de sommaire 20">
+              <a:extLst>
+                <a:ext uri="{FF2B5EF4-FFF2-40B4-BE49-F238E27FC236}">
+                  <a16:creationId xmlns:a16="http://schemas.microsoft.com/office/drawing/2014/main" id="{74CBCBAD-FF1C-4345-A0A2-CF5B31E5D3F2}"/>
+                </a:ext>
+              </a:extLst>
+            </p:cNvPr>
+            <p:cNvSpPr/>
+            <p:nvPr/>
+          </p:nvSpPr>
+          <p:spPr>
+            <a:xfrm>
+              <a:off x="2296160" y="1107440"/>
+              <a:ext cx="252000" cy="252000"/>
+            </a:xfrm>
+            <a:prstGeom prst="flowChartSummingJunction">
+              <a:avLst/>
+            </a:prstGeom>
+            <a:solidFill>
+              <a:schemeClr val="accent1">
+                <a:lumMod val="20000"/>
+                <a:lumOff val="80000"/>
+              </a:schemeClr>
+            </a:solidFill>
+            <a:ln>
+              <a:solidFill>
+                <a:schemeClr val="accent1">
+                  <a:lumMod val="50000"/>
+                </a:schemeClr>
+              </a:solidFill>
+            </a:ln>
+          </p:spPr>
+          <p:style>
+            <a:lnRef idx="2">
+              <a:schemeClr val="accent1">
+                <a:shade val="50000"/>
+              </a:schemeClr>
+            </a:lnRef>
+            <a:fillRef idx="1">
+              <a:schemeClr val="accent1"/>
+            </a:fillRef>
+            <a:effectRef idx="0">
+              <a:schemeClr val="accent1"/>
+            </a:effectRef>
+            <a:fontRef idx="minor">
+              <a:schemeClr val="lt1"/>
+            </a:fontRef>
+          </p:style>
+          <p:txBody>
+            <a:bodyPr rtlCol="0" anchor="ctr"/>
+            <a:lstStyle/>
+            <a:p>
+              <a:pPr algn="ctr"/>
+              <a:endParaRPr lang="fr-FR"/>
+            </a:p>
+          </p:txBody>
+        </p:sp>
+        <p:sp>
+          <p:nvSpPr>
+            <p:cNvPr id="23" name="ZoneTexte 22">
+              <a:extLst>
+                <a:ext uri="{FF2B5EF4-FFF2-40B4-BE49-F238E27FC236}">
+                  <a16:creationId xmlns:a16="http://schemas.microsoft.com/office/drawing/2014/main" id="{ED9FDE57-2B48-4595-BBDB-6FC6D1A89B4D}"/>
+                </a:ext>
+              </a:extLst>
+            </p:cNvPr>
+            <p:cNvSpPr txBox="1"/>
+            <p:nvPr/>
+          </p:nvSpPr>
+          <p:spPr>
+            <a:xfrm>
+              <a:off x="2225997" y="1079551"/>
+              <a:ext cx="241684" cy="307777"/>
+            </a:xfrm>
+            <a:prstGeom prst="rect">
+              <a:avLst/>
+            </a:prstGeom>
+            <a:noFill/>
+          </p:spPr>
+          <p:txBody>
+            <a:bodyPr wrap="square" rtlCol="0">
+              <a:spAutoFit/>
+            </a:bodyPr>
+            <a:lstStyle/>
+            <a:p>
+              <a:pPr algn="ctr"/>
+              <a:r>
+                <a:rPr lang="fr-FR" sz="1400" dirty="0"/>
+                <a:t>+</a:t>
+              </a:r>
+            </a:p>
+          </p:txBody>
+        </p:sp>
+        <p:sp>
+          <p:nvSpPr>
+            <p:cNvPr id="24" name="ZoneTexte 23">
+              <a:extLst>
+                <a:ext uri="{FF2B5EF4-FFF2-40B4-BE49-F238E27FC236}">
+                  <a16:creationId xmlns:a16="http://schemas.microsoft.com/office/drawing/2014/main" id="{89C234DB-D452-4C1D-A110-1E01D1421732}"/>
+                </a:ext>
+              </a:extLst>
+            </p:cNvPr>
+            <p:cNvSpPr txBox="1"/>
+            <p:nvPr/>
+          </p:nvSpPr>
+          <p:spPr>
+            <a:xfrm>
+              <a:off x="2302482" y="1101431"/>
+              <a:ext cx="241684" cy="369332"/>
+            </a:xfrm>
+            <a:prstGeom prst="rect">
+              <a:avLst/>
+            </a:prstGeom>
+            <a:noFill/>
+          </p:spPr>
+          <p:txBody>
+            <a:bodyPr wrap="square" rtlCol="0">
+              <a:spAutoFit/>
+            </a:bodyPr>
+            <a:lstStyle/>
+            <a:p>
+              <a:pPr algn="ctr"/>
+              <a:r>
+                <a:rPr lang="fr-FR" dirty="0"/>
+                <a:t>-</a:t>
+              </a:r>
+            </a:p>
+          </p:txBody>
+        </p:sp>
+      </p:grpSp>
+      <p:cxnSp>
+        <p:nvCxnSpPr>
+          <p:cNvPr id="26" name="Connecteur droit avec flèche 25">
+            <a:extLst>
+              <a:ext uri="{FF2B5EF4-FFF2-40B4-BE49-F238E27FC236}">
+                <a16:creationId xmlns:a16="http://schemas.microsoft.com/office/drawing/2014/main" id="{E8FC64D1-D03D-40B2-92C8-8D3C90944073}"/>
+              </a:ext>
+            </a:extLst>
+          </p:cNvPr>
+          <p:cNvCxnSpPr>
+            <a:cxnSpLocks/>
+          </p:cNvCxnSpPr>
+          <p:nvPr/>
+        </p:nvCxnSpPr>
+        <p:spPr>
+          <a:xfrm>
+            <a:off x="1204242" y="3545378"/>
+            <a:ext cx="304238" cy="360"/>
+          </a:xfrm>
+          <a:prstGeom prst="straightConnector1">
+            <a:avLst/>
+          </a:prstGeom>
+          <a:solidFill>
+            <a:schemeClr val="accent1">
+              <a:lumMod val="20000"/>
+              <a:lumOff val="80000"/>
+            </a:schemeClr>
+          </a:solidFill>
+          <a:ln>
+            <a:solidFill>
+              <a:schemeClr val="accent1">
+                <a:lumMod val="50000"/>
+              </a:schemeClr>
+            </a:solidFill>
+            <a:headEnd type="none"/>
+            <a:tailEnd type="stealth" w="med" len="lg"/>
+          </a:ln>
+        </p:spPr>
+        <p:style>
+          <a:lnRef idx="2">
+            <a:schemeClr val="accent1">
+              <a:shade val="50000"/>
+            </a:schemeClr>
+          </a:lnRef>
+          <a:fillRef idx="1">
+            <a:schemeClr val="accent1"/>
+          </a:fillRef>
+          <a:effectRef idx="0">
+            <a:schemeClr val="accent1"/>
+          </a:effectRef>
+          <a:fontRef idx="minor">
+            <a:schemeClr val="lt1"/>
+          </a:fontRef>
+        </p:style>
+      </p:cxnSp>
+      <p:grpSp>
+        <p:nvGrpSpPr>
+          <p:cNvPr id="27" name="Groupe 26">
+            <a:extLst>
+              <a:ext uri="{FF2B5EF4-FFF2-40B4-BE49-F238E27FC236}">
+                <a16:creationId xmlns:a16="http://schemas.microsoft.com/office/drawing/2014/main" id="{88E9A667-6EBB-4545-913A-08551050E45B}"/>
+              </a:ext>
+            </a:extLst>
+          </p:cNvPr>
+          <p:cNvGrpSpPr/>
+          <p:nvPr/>
+        </p:nvGrpSpPr>
+        <p:grpSpPr>
+          <a:xfrm>
+            <a:off x="1934582" y="3278730"/>
+            <a:ext cx="322163" cy="439968"/>
+            <a:chOff x="2225997" y="947360"/>
+            <a:chExt cx="322163" cy="439968"/>
+          </a:xfrm>
+        </p:grpSpPr>
+        <p:sp>
+          <p:nvSpPr>
+            <p:cNvPr id="28" name="Organigramme : Jonction de sommaire 27">
+              <a:extLst>
+                <a:ext uri="{FF2B5EF4-FFF2-40B4-BE49-F238E27FC236}">
+                  <a16:creationId xmlns:a16="http://schemas.microsoft.com/office/drawing/2014/main" id="{59970A63-DCFA-421E-8FF5-A1F515787DFD}"/>
+                </a:ext>
+              </a:extLst>
+            </p:cNvPr>
+            <p:cNvSpPr/>
+            <p:nvPr/>
+          </p:nvSpPr>
+          <p:spPr>
+            <a:xfrm>
+              <a:off x="2296160" y="1107440"/>
+              <a:ext cx="252000" cy="252000"/>
+            </a:xfrm>
+            <a:prstGeom prst="flowChartSummingJunction">
+              <a:avLst/>
+            </a:prstGeom>
+            <a:solidFill>
+              <a:schemeClr val="accent1">
+                <a:lumMod val="20000"/>
+                <a:lumOff val="80000"/>
+              </a:schemeClr>
+            </a:solidFill>
+            <a:ln>
+              <a:solidFill>
+                <a:schemeClr val="accent1">
+                  <a:lumMod val="50000"/>
+                </a:schemeClr>
+              </a:solidFill>
+            </a:ln>
+          </p:spPr>
+          <p:style>
+            <a:lnRef idx="2">
+              <a:schemeClr val="accent1">
+                <a:shade val="50000"/>
+              </a:schemeClr>
+            </a:lnRef>
+            <a:fillRef idx="1">
+              <a:schemeClr val="accent1"/>
+            </a:fillRef>
+            <a:effectRef idx="0">
+              <a:schemeClr val="accent1"/>
+            </a:effectRef>
+            <a:fontRef idx="minor">
+              <a:schemeClr val="lt1"/>
+            </a:fontRef>
+          </p:style>
+          <p:txBody>
+            <a:bodyPr rtlCol="0" anchor="ctr"/>
+            <a:lstStyle/>
+            <a:p>
+              <a:pPr algn="ctr"/>
+              <a:endParaRPr lang="fr-FR"/>
+            </a:p>
+          </p:txBody>
+        </p:sp>
+        <p:sp>
+          <p:nvSpPr>
+            <p:cNvPr id="29" name="ZoneTexte 28">
+              <a:extLst>
+                <a:ext uri="{FF2B5EF4-FFF2-40B4-BE49-F238E27FC236}">
+                  <a16:creationId xmlns:a16="http://schemas.microsoft.com/office/drawing/2014/main" id="{7FFCB8A4-C1A7-46B1-B3D3-183A86239DDC}"/>
+                </a:ext>
+              </a:extLst>
+            </p:cNvPr>
+            <p:cNvSpPr txBox="1"/>
+            <p:nvPr/>
+          </p:nvSpPr>
+          <p:spPr>
+            <a:xfrm>
+              <a:off x="2225997" y="1079551"/>
+              <a:ext cx="241684" cy="307777"/>
+            </a:xfrm>
+            <a:prstGeom prst="rect">
+              <a:avLst/>
+            </a:prstGeom>
+            <a:noFill/>
+          </p:spPr>
+          <p:txBody>
+            <a:bodyPr wrap="square" rtlCol="0">
+              <a:spAutoFit/>
+            </a:bodyPr>
+            <a:lstStyle/>
+            <a:p>
+              <a:pPr algn="ctr"/>
+              <a:r>
+                <a:rPr lang="fr-FR" sz="1400" dirty="0"/>
+                <a:t>+</a:t>
+              </a:r>
+            </a:p>
+          </p:txBody>
+        </p:sp>
+        <p:sp>
+          <p:nvSpPr>
+            <p:cNvPr id="30" name="ZoneTexte 29">
+              <a:extLst>
+                <a:ext uri="{FF2B5EF4-FFF2-40B4-BE49-F238E27FC236}">
+                  <a16:creationId xmlns:a16="http://schemas.microsoft.com/office/drawing/2014/main" id="{345EB3AE-A781-44B6-9EBA-60DCD9B83566}"/>
+                </a:ext>
+              </a:extLst>
+            </p:cNvPr>
+            <p:cNvSpPr txBox="1"/>
+            <p:nvPr/>
+          </p:nvSpPr>
+          <p:spPr>
+            <a:xfrm>
+              <a:off x="2302482" y="947360"/>
+              <a:ext cx="241684" cy="369332"/>
+            </a:xfrm>
+            <a:prstGeom prst="rect">
+              <a:avLst/>
+            </a:prstGeom>
+            <a:noFill/>
+          </p:spPr>
+          <p:txBody>
+            <a:bodyPr wrap="square" rtlCol="0">
+              <a:spAutoFit/>
+            </a:bodyPr>
+            <a:lstStyle/>
+            <a:p>
+              <a:pPr algn="ctr"/>
+              <a:r>
+                <a:rPr lang="fr-FR" dirty="0"/>
+                <a:t>-</a:t>
+              </a:r>
+            </a:p>
+          </p:txBody>
+        </p:sp>
+      </p:grpSp>
+      <p:cxnSp>
+        <p:nvCxnSpPr>
+          <p:cNvPr id="33" name="Connecteur droit avec flèche 32">
+            <a:extLst>
+              <a:ext uri="{FF2B5EF4-FFF2-40B4-BE49-F238E27FC236}">
+                <a16:creationId xmlns:a16="http://schemas.microsoft.com/office/drawing/2014/main" id="{F30A0416-DFA7-4548-925B-9B1C381181F2}"/>
+              </a:ext>
+            </a:extLst>
+          </p:cNvPr>
+          <p:cNvCxnSpPr>
+            <a:cxnSpLocks/>
+          </p:cNvCxnSpPr>
+          <p:nvPr/>
+        </p:nvCxnSpPr>
+        <p:spPr>
+          <a:xfrm>
+            <a:off x="2126456" y="2937427"/>
+            <a:ext cx="4290" cy="488963"/>
+          </a:xfrm>
+          <a:prstGeom prst="straightConnector1">
+            <a:avLst/>
+          </a:prstGeom>
+          <a:solidFill>
+            <a:schemeClr val="accent1">
+              <a:lumMod val="20000"/>
+              <a:lumOff val="80000"/>
+            </a:schemeClr>
+          </a:solidFill>
+          <a:ln>
+            <a:solidFill>
+              <a:schemeClr val="accent1">
+                <a:lumMod val="50000"/>
+              </a:schemeClr>
+            </a:solidFill>
+            <a:headEnd type="none"/>
+            <a:tailEnd type="stealth" w="med" len="lg"/>
+          </a:ln>
+        </p:spPr>
+        <p:style>
+          <a:lnRef idx="2">
+            <a:schemeClr val="accent1">
+              <a:shade val="50000"/>
+            </a:schemeClr>
+          </a:lnRef>
+          <a:fillRef idx="1">
+            <a:schemeClr val="accent1"/>
+          </a:fillRef>
+          <a:effectRef idx="0">
+            <a:schemeClr val="accent1"/>
+          </a:effectRef>
+          <a:fontRef idx="minor">
+            <a:schemeClr val="lt1"/>
+          </a:fontRef>
+        </p:style>
+      </p:cxnSp>
+      <p:cxnSp>
+        <p:nvCxnSpPr>
+          <p:cNvPr id="45" name="Connecteur droit avec flèche 44">
+            <a:extLst>
+              <a:ext uri="{FF2B5EF4-FFF2-40B4-BE49-F238E27FC236}">
+                <a16:creationId xmlns:a16="http://schemas.microsoft.com/office/drawing/2014/main" id="{7D3C7C56-1EF6-4E3A-BEF6-8DA855958644}"/>
+              </a:ext>
+            </a:extLst>
+          </p:cNvPr>
+          <p:cNvCxnSpPr>
+            <a:cxnSpLocks/>
+          </p:cNvCxnSpPr>
+          <p:nvPr/>
+        </p:nvCxnSpPr>
+        <p:spPr>
+          <a:xfrm>
+            <a:off x="1770353" y="2937427"/>
+            <a:ext cx="356103" cy="0"/>
+          </a:xfrm>
+          <a:prstGeom prst="straightConnector1">
+            <a:avLst/>
+          </a:prstGeom>
+          <a:solidFill>
+            <a:schemeClr val="accent1">
+              <a:lumMod val="20000"/>
+              <a:lumOff val="80000"/>
+            </a:schemeClr>
+          </a:solidFill>
+          <a:ln>
+            <a:solidFill>
+              <a:schemeClr val="accent1">
+                <a:lumMod val="50000"/>
+              </a:schemeClr>
+            </a:solidFill>
+            <a:headEnd type="none"/>
+            <a:tailEnd type="none" w="med" len="lg"/>
+          </a:ln>
+        </p:spPr>
+        <p:style>
+          <a:lnRef idx="2">
+            <a:schemeClr val="accent1">
+              <a:shade val="50000"/>
+            </a:schemeClr>
+          </a:lnRef>
+          <a:fillRef idx="1">
+            <a:schemeClr val="accent1"/>
+          </a:fillRef>
+          <a:effectRef idx="0">
+            <a:schemeClr val="accent1"/>
+          </a:effectRef>
+          <a:fontRef idx="minor">
+            <a:schemeClr val="lt1"/>
+          </a:fontRef>
+        </p:style>
+      </p:cxnSp>
+      <p:cxnSp>
+        <p:nvCxnSpPr>
+          <p:cNvPr id="36" name="Connecteur droit avec flèche 35">
+            <a:extLst>
+              <a:ext uri="{FF2B5EF4-FFF2-40B4-BE49-F238E27FC236}">
+                <a16:creationId xmlns:a16="http://schemas.microsoft.com/office/drawing/2014/main" id="{E5B1EE3D-12DA-4948-A6E8-98F6B00F1E1C}"/>
+              </a:ext>
+            </a:extLst>
+          </p:cNvPr>
+          <p:cNvCxnSpPr>
+            <a:cxnSpLocks/>
+          </p:cNvCxnSpPr>
+          <p:nvPr/>
+        </p:nvCxnSpPr>
+        <p:spPr>
+          <a:xfrm>
+            <a:off x="874250" y="2950419"/>
+            <a:ext cx="356103" cy="0"/>
+          </a:xfrm>
+          <a:prstGeom prst="straightConnector1">
+            <a:avLst/>
+          </a:prstGeom>
+          <a:solidFill>
+            <a:schemeClr val="accent1">
+              <a:lumMod val="20000"/>
+              <a:lumOff val="80000"/>
+            </a:schemeClr>
+          </a:solidFill>
+          <a:ln>
+            <a:solidFill>
+              <a:schemeClr val="accent1">
+                <a:lumMod val="50000"/>
+              </a:schemeClr>
+            </a:solidFill>
+            <a:headEnd type="none"/>
+            <a:tailEnd type="none" w="med" len="lg"/>
+          </a:ln>
+        </p:spPr>
+        <p:style>
+          <a:lnRef idx="2">
+            <a:schemeClr val="accent1">
+              <a:shade val="50000"/>
+            </a:schemeClr>
+          </a:lnRef>
+          <a:fillRef idx="1">
+            <a:schemeClr val="accent1"/>
+          </a:fillRef>
+          <a:effectRef idx="0">
+            <a:schemeClr val="accent1"/>
+          </a:effectRef>
+          <a:fontRef idx="minor">
+            <a:schemeClr val="lt1"/>
+          </a:fontRef>
+        </p:style>
+      </p:cxnSp>
+      <mc:AlternateContent xmlns:mc="http://schemas.openxmlformats.org/markup-compatibility/2006">
+        <mc:Choice xmlns:a14="http://schemas.microsoft.com/office/drawing/2010/main" Requires="a14">
+          <p:sp>
+            <p:nvSpPr>
+              <p:cNvPr id="34" name="ZoneTexte 33">
+                <a:extLst>
+                  <a:ext uri="{FF2B5EF4-FFF2-40B4-BE49-F238E27FC236}">
+                    <a16:creationId xmlns:a16="http://schemas.microsoft.com/office/drawing/2014/main" id="{6E7C2965-FDB6-4DC8-AD17-A9F0C068A42E}"/>
+                  </a:ext>
+                </a:extLst>
+              </p:cNvPr>
+              <p:cNvSpPr txBox="1"/>
+              <p:nvPr/>
+            </p:nvSpPr>
+            <p:spPr>
+              <a:xfrm>
+                <a:off x="878462" y="2729082"/>
+                <a:ext cx="351891" cy="184666"/>
+              </a:xfrm>
+              <a:prstGeom prst="rect">
+                <a:avLst/>
+              </a:prstGeom>
+              <a:noFill/>
+            </p:spPr>
+            <p:txBody>
+              <a:bodyPr wrap="none" lIns="0" tIns="0" rIns="0" bIns="0" rtlCol="0">
+                <a:spAutoFit/>
+              </a:bodyPr>
+              <a:lstStyle/>
+              <a:p>
+                <a:pPr/>
+                <a14:m>
+                  <m:oMathPara xmlns:m="http://schemas.openxmlformats.org/officeDocument/2006/math">
+                    <m:oMathParaPr>
+                      <m:jc m:val="centerGroup"/>
+                    </m:oMathParaPr>
+                    <m:oMath xmlns:m="http://schemas.openxmlformats.org/officeDocument/2006/math">
+                      <m:r>
+                        <a:rPr lang="fr-FR" sz="1200" b="0" i="1" smtClean="0">
+                          <a:latin typeface="Cambria Math" panose="02040503050406030204" pitchFamily="18" charset="0"/>
+                        </a:rPr>
+                        <m:t>𝑃</m:t>
+                      </m:r>
+                      <m:r>
+                        <a:rPr lang="fr-FR" sz="1200" b="0" i="1" smtClean="0">
+                          <a:latin typeface="Cambria Math" panose="02040503050406030204" pitchFamily="18" charset="0"/>
+                        </a:rPr>
+                        <m:t>(</m:t>
+                      </m:r>
+                      <m:r>
+                        <a:rPr lang="fr-FR" sz="1200" b="0" i="1" smtClean="0">
+                          <a:latin typeface="Cambria Math" panose="02040503050406030204" pitchFamily="18" charset="0"/>
+                        </a:rPr>
+                        <m:t>𝑝</m:t>
+                      </m:r>
+                      <m:r>
+                        <a:rPr lang="fr-FR" sz="1200" b="0" i="1" smtClean="0">
+                          <a:latin typeface="Cambria Math" panose="02040503050406030204" pitchFamily="18" charset="0"/>
+                        </a:rPr>
+                        <m:t>)</m:t>
+                      </m:r>
+                    </m:oMath>
+                  </m:oMathPara>
+                </a14:m>
+                <a:endParaRPr lang="fr-FR" sz="1200" dirty="0"/>
+              </a:p>
+            </p:txBody>
+          </p:sp>
+        </mc:Choice>
+        <mc:Fallback>
+          <p:sp>
+            <p:nvSpPr>
+              <p:cNvPr id="34" name="ZoneTexte 33">
+                <a:extLst>
+                  <a:ext uri="{FF2B5EF4-FFF2-40B4-BE49-F238E27FC236}">
+                    <a16:creationId xmlns:a16="http://schemas.microsoft.com/office/drawing/2014/main" id="{6E7C2965-FDB6-4DC8-AD17-A9F0C068A42E}"/>
+                  </a:ext>
+                </a:extLst>
+              </p:cNvPr>
+              <p:cNvSpPr txBox="1">
+                <a:spLocks noRot="1" noChangeAspect="1" noMove="1" noResize="1" noEditPoints="1" noAdjustHandles="1" noChangeArrowheads="1" noChangeShapeType="1" noTextEdit="1"/>
+              </p:cNvSpPr>
+              <p:nvPr/>
+            </p:nvSpPr>
+            <p:spPr>
+              <a:xfrm>
+                <a:off x="878462" y="2729082"/>
+                <a:ext cx="351891" cy="184666"/>
+              </a:xfrm>
+              <a:prstGeom prst="rect">
+                <a:avLst/>
+              </a:prstGeom>
+              <a:blipFill>
+                <a:blip r:embed="rId8"/>
+                <a:stretch>
+                  <a:fillRect l="-10345" t="-6667" r="-15517" b="-36667"/>
+                </a:stretch>
+              </a:blipFill>
+            </p:spPr>
+            <p:txBody>
+              <a:bodyPr/>
+              <a:lstStyle/>
+              <a:p>
+                <a:r>
+                  <a:rPr lang="fr-FR">
+                    <a:noFill/>
+                  </a:rPr>
+                  <a:t> </a:t>
+                </a:r>
+              </a:p>
+            </p:txBody>
+          </p:sp>
+        </mc:Fallback>
+      </mc:AlternateContent>
+    </p:spTree>
+    <p:extLst>
+      <p:ext uri="{BB962C8B-B14F-4D97-AF65-F5344CB8AC3E}">
+        <p14:creationId xmlns:p14="http://schemas.microsoft.com/office/powerpoint/2010/main" val="3328266586"/>
+      </p:ext>
+    </p:extLst>
+  </p:cSld>
+  <p:clrMapOvr>
+    <a:masterClrMapping/>
+  </p:clrMapOvr>
+</p:sld>
+</file>
+
+<file path=ppt/slides/slide8.xml><?xml version="1.0" encoding="utf-8"?>
+<p:sld xmlns:a="http://schemas.openxmlformats.org/drawingml/2006/main" xmlns:r="http://schemas.openxmlformats.org/officeDocument/2006/relationships" xmlns:p="http://schemas.openxmlformats.org/presentationml/2006/main">
+  <p:cSld>
+    <p:spTree>
+      <p:nvGrpSpPr>
+        <p:cNvPr id="1" name=""/>
+        <p:cNvGrpSpPr/>
+        <p:nvPr/>
+      </p:nvGrpSpPr>
+      <p:grpSpPr>
+        <a:xfrm>
+          <a:off x="0" y="0"/>
+          <a:ext cx="0" cy="0"/>
+          <a:chOff x="0" y="0"/>
+          <a:chExt cx="0" cy="0"/>
+        </a:xfrm>
+      </p:grpSpPr>
+      <p:grpSp>
+        <p:nvGrpSpPr>
+          <p:cNvPr id="27" name="Groupe 26">
+            <a:extLst>
+              <a:ext uri="{FF2B5EF4-FFF2-40B4-BE49-F238E27FC236}">
+                <a16:creationId xmlns:a16="http://schemas.microsoft.com/office/drawing/2014/main" id="{88E9A667-6EBB-4545-913A-08551050E45B}"/>
+              </a:ext>
+            </a:extLst>
+          </p:cNvPr>
+          <p:cNvGrpSpPr/>
+          <p:nvPr/>
+        </p:nvGrpSpPr>
+        <p:grpSpPr>
+          <a:xfrm>
+            <a:off x="1458332" y="3253330"/>
+            <a:ext cx="322163" cy="439968"/>
+            <a:chOff x="2225997" y="947360"/>
+            <a:chExt cx="322163" cy="439968"/>
+          </a:xfrm>
+        </p:grpSpPr>
+        <p:sp>
+          <p:nvSpPr>
+            <p:cNvPr id="28" name="Organigramme : Jonction de sommaire 27">
+              <a:extLst>
+                <a:ext uri="{FF2B5EF4-FFF2-40B4-BE49-F238E27FC236}">
+                  <a16:creationId xmlns:a16="http://schemas.microsoft.com/office/drawing/2014/main" id="{59970A63-DCFA-421E-8FF5-A1F515787DFD}"/>
+                </a:ext>
+              </a:extLst>
+            </p:cNvPr>
+            <p:cNvSpPr/>
+            <p:nvPr/>
+          </p:nvSpPr>
+          <p:spPr>
+            <a:xfrm>
+              <a:off x="2296160" y="1107440"/>
+              <a:ext cx="252000" cy="252000"/>
+            </a:xfrm>
+            <a:prstGeom prst="flowChartSummingJunction">
+              <a:avLst/>
+            </a:prstGeom>
+            <a:solidFill>
+              <a:schemeClr val="accent1">
+                <a:lumMod val="20000"/>
+                <a:lumOff val="80000"/>
+              </a:schemeClr>
+            </a:solidFill>
+            <a:ln>
+              <a:solidFill>
+                <a:schemeClr val="accent1">
+                  <a:lumMod val="50000"/>
+                </a:schemeClr>
+              </a:solidFill>
+            </a:ln>
+          </p:spPr>
+          <p:style>
+            <a:lnRef idx="2">
+              <a:schemeClr val="accent1">
+                <a:shade val="50000"/>
+              </a:schemeClr>
+            </a:lnRef>
+            <a:fillRef idx="1">
+              <a:schemeClr val="accent1"/>
+            </a:fillRef>
+            <a:effectRef idx="0">
+              <a:schemeClr val="accent1"/>
+            </a:effectRef>
+            <a:fontRef idx="minor">
+              <a:schemeClr val="lt1"/>
+            </a:fontRef>
+          </p:style>
+          <p:txBody>
+            <a:bodyPr rtlCol="0" anchor="ctr"/>
+            <a:lstStyle/>
+            <a:p>
+              <a:pPr algn="ctr"/>
+              <a:endParaRPr lang="fr-FR"/>
+            </a:p>
+          </p:txBody>
+        </p:sp>
+        <p:sp>
+          <p:nvSpPr>
+            <p:cNvPr id="29" name="ZoneTexte 28">
+              <a:extLst>
+                <a:ext uri="{FF2B5EF4-FFF2-40B4-BE49-F238E27FC236}">
+                  <a16:creationId xmlns:a16="http://schemas.microsoft.com/office/drawing/2014/main" id="{7FFCB8A4-C1A7-46B1-B3D3-183A86239DDC}"/>
+                </a:ext>
+              </a:extLst>
+            </p:cNvPr>
+            <p:cNvSpPr txBox="1"/>
+            <p:nvPr/>
+          </p:nvSpPr>
+          <p:spPr>
+            <a:xfrm>
+              <a:off x="2225997" y="1079551"/>
+              <a:ext cx="241684" cy="307777"/>
+            </a:xfrm>
+            <a:prstGeom prst="rect">
+              <a:avLst/>
+            </a:prstGeom>
+            <a:noFill/>
+          </p:spPr>
+          <p:txBody>
+            <a:bodyPr wrap="square" rtlCol="0">
+              <a:spAutoFit/>
+            </a:bodyPr>
+            <a:lstStyle/>
+            <a:p>
+              <a:pPr algn="ctr"/>
+              <a:r>
+                <a:rPr lang="fr-FR" sz="1400" dirty="0"/>
+                <a:t>+</a:t>
+              </a:r>
+            </a:p>
+          </p:txBody>
+        </p:sp>
+        <p:sp>
+          <p:nvSpPr>
+            <p:cNvPr id="30" name="ZoneTexte 29">
+              <a:extLst>
+                <a:ext uri="{FF2B5EF4-FFF2-40B4-BE49-F238E27FC236}">
+                  <a16:creationId xmlns:a16="http://schemas.microsoft.com/office/drawing/2014/main" id="{345EB3AE-A781-44B6-9EBA-60DCD9B83566}"/>
+                </a:ext>
+              </a:extLst>
+            </p:cNvPr>
+            <p:cNvSpPr txBox="1"/>
+            <p:nvPr/>
+          </p:nvSpPr>
+          <p:spPr>
+            <a:xfrm>
+              <a:off x="2302482" y="947360"/>
+              <a:ext cx="241684" cy="369332"/>
+            </a:xfrm>
+            <a:prstGeom prst="rect">
+              <a:avLst/>
+            </a:prstGeom>
+            <a:noFill/>
+          </p:spPr>
+          <p:txBody>
+            <a:bodyPr wrap="square" rtlCol="0">
+              <a:spAutoFit/>
+            </a:bodyPr>
+            <a:lstStyle/>
+            <a:p>
+              <a:pPr algn="ctr"/>
+              <a:r>
+                <a:rPr lang="fr-FR" dirty="0"/>
+                <a:t>-</a:t>
+              </a:r>
+            </a:p>
+          </p:txBody>
+        </p:sp>
+      </p:grpSp>
+      <mc:AlternateContent xmlns:mc="http://schemas.openxmlformats.org/markup-compatibility/2006" xmlns:a14="http://schemas.microsoft.com/office/drawing/2010/main">
+        <mc:Choice Requires="a14">
+          <p:sp>
+            <p:nvSpPr>
+              <p:cNvPr id="9" name="Rectangle 8">
+                <a:extLst>
+                  <a:ext uri="{FF2B5EF4-FFF2-40B4-BE49-F238E27FC236}">
+                    <a16:creationId xmlns:a16="http://schemas.microsoft.com/office/drawing/2014/main" id="{E1FC6A0D-BA6F-4196-A515-F22611F3FAF4}"/>
+                  </a:ext>
+                </a:extLst>
+              </p:cNvPr>
+              <p:cNvSpPr/>
+              <p:nvPr/>
+            </p:nvSpPr>
+            <p:spPr>
+              <a:xfrm>
+                <a:off x="2497578" y="3432759"/>
+                <a:ext cx="540000" cy="252000"/>
+              </a:xfrm>
+              <a:prstGeom prst="rect">
+                <a:avLst/>
+              </a:prstGeom>
+              <a:solidFill>
+                <a:schemeClr val="accent1">
+                  <a:lumMod val="20000"/>
+                  <a:lumOff val="80000"/>
+                </a:schemeClr>
+              </a:solidFill>
+              <a:ln>
+                <a:solidFill>
+                  <a:schemeClr val="accent1">
+                    <a:lumMod val="50000"/>
+                  </a:schemeClr>
+                </a:solidFill>
+              </a:ln>
+            </p:spPr>
+            <p:style>
+              <a:lnRef idx="2">
+                <a:schemeClr val="accent1">
+                  <a:shade val="50000"/>
+                </a:schemeClr>
+              </a:lnRef>
+              <a:fillRef idx="1">
+                <a:schemeClr val="accent1"/>
+              </a:fillRef>
+              <a:effectRef idx="0">
+                <a:schemeClr val="accent1"/>
+              </a:effectRef>
+              <a:fontRef idx="minor">
+                <a:schemeClr val="lt1"/>
+              </a:fontRef>
+            </p:style>
+            <p:txBody>
+              <a:bodyPr rot="0" spcFirstLastPara="0" vertOverflow="overflow" horzOverflow="overflow" vert="horz" wrap="square" lIns="91440" tIns="45720" rIns="91440" bIns="45720" numCol="1" spcCol="0" rtlCol="0" fromWordArt="0" anchor="ctr" anchorCtr="0" forceAA="0" compatLnSpc="1">
+                <a:prstTxWarp prst="textNoShape">
+                  <a:avLst/>
+                </a:prstTxWarp>
+                <a:noAutofit/>
+              </a:bodyPr>
+              <a:lstStyle/>
+              <a:p>
+                <a:pPr algn="ctr"/>
+                <a14:m>
+                  <m:oMathPara xmlns:m="http://schemas.openxmlformats.org/officeDocument/2006/math">
+                    <m:oMathParaPr>
+                      <m:jc m:val="centerGroup"/>
+                    </m:oMathParaPr>
+                    <m:oMath xmlns:m="http://schemas.openxmlformats.org/officeDocument/2006/math">
+                      <m:r>
+                        <a:rPr lang="fr-FR" sz="1200" b="1" i="0" smtClean="0">
+                          <a:solidFill>
+                            <a:schemeClr val="tx1"/>
+                          </a:solidFill>
+                          <a:latin typeface="Cambria Math" panose="02040503050406030204" pitchFamily="18" charset="0"/>
+                        </a:rPr>
+                        <m:t>𝐁</m:t>
+                      </m:r>
+                    </m:oMath>
+                  </m:oMathPara>
+                </a14:m>
+                <a:endParaRPr lang="fr-FR" sz="1200" b="1" dirty="0">
+                  <a:solidFill>
+                    <a:schemeClr val="tx1"/>
+                  </a:solidFill>
+                </a:endParaRPr>
+              </a:p>
+            </p:txBody>
+          </p:sp>
+        </mc:Choice>
+        <mc:Fallback xmlns="">
+          <p:sp>
+            <p:nvSpPr>
+              <p:cNvPr id="9" name="Rectangle 8">
+                <a:extLst>
+                  <a:ext uri="{FF2B5EF4-FFF2-40B4-BE49-F238E27FC236}">
+                    <a16:creationId xmlns:a16="http://schemas.microsoft.com/office/drawing/2014/main" id="{E1FC6A0D-BA6F-4196-A515-F22611F3FAF4}"/>
+                  </a:ext>
+                </a:extLst>
+              </p:cNvPr>
+              <p:cNvSpPr>
+                <a:spLocks noRot="1" noChangeAspect="1" noMove="1" noResize="1" noEditPoints="1" noAdjustHandles="1" noChangeArrowheads="1" noChangeShapeType="1" noTextEdit="1"/>
+              </p:cNvSpPr>
+              <p:nvPr/>
+            </p:nvSpPr>
+            <p:spPr>
+              <a:xfrm>
+                <a:off x="2497578" y="3432759"/>
+                <a:ext cx="540000" cy="252000"/>
+              </a:xfrm>
+              <a:prstGeom prst="rect">
+                <a:avLst/>
+              </a:prstGeom>
+              <a:blipFill>
+                <a:blip r:embed="rId2"/>
+                <a:stretch>
+                  <a:fillRect/>
+                </a:stretch>
+              </a:blipFill>
+              <a:ln>
+                <a:solidFill>
+                  <a:schemeClr val="accent1">
+                    <a:lumMod val="50000"/>
+                  </a:schemeClr>
+                </a:solidFill>
+              </a:ln>
+            </p:spPr>
+            <p:txBody>
+              <a:bodyPr/>
+              <a:lstStyle/>
+              <a:p>
+                <a:r>
+                  <a:rPr lang="fr-FR">
+                    <a:noFill/>
+                  </a:rPr>
+                  <a:t> </a:t>
+                </a:r>
+              </a:p>
+            </p:txBody>
+          </p:sp>
+        </mc:Fallback>
+      </mc:AlternateContent>
+      <mc:AlternateContent xmlns:mc="http://schemas.openxmlformats.org/markup-compatibility/2006" xmlns:a14="http://schemas.microsoft.com/office/drawing/2010/main">
+        <mc:Choice Requires="a14">
+          <p:sp>
+            <p:nvSpPr>
+              <p:cNvPr id="10" name="Rectangle 9">
+                <a:extLst>
+                  <a:ext uri="{FF2B5EF4-FFF2-40B4-BE49-F238E27FC236}">
+                    <a16:creationId xmlns:a16="http://schemas.microsoft.com/office/drawing/2014/main" id="{4A692074-2AC0-46E1-9869-6DA9A26DBD2B}"/>
+                  </a:ext>
+                </a:extLst>
+              </p:cNvPr>
+              <p:cNvSpPr/>
+              <p:nvPr/>
+            </p:nvSpPr>
+            <p:spPr>
+              <a:xfrm>
+                <a:off x="3309239" y="3432759"/>
+                <a:ext cx="540000" cy="252000"/>
+              </a:xfrm>
+              <a:prstGeom prst="rect">
+                <a:avLst/>
+              </a:prstGeom>
+              <a:solidFill>
+                <a:schemeClr val="accent1">
+                  <a:lumMod val="20000"/>
+                  <a:lumOff val="80000"/>
+                </a:schemeClr>
+              </a:solidFill>
+              <a:ln>
+                <a:solidFill>
+                  <a:schemeClr val="accent1">
+                    <a:lumMod val="50000"/>
+                  </a:schemeClr>
+                </a:solidFill>
+              </a:ln>
+            </p:spPr>
+            <p:style>
+              <a:lnRef idx="2">
+                <a:schemeClr val="accent1">
+                  <a:shade val="50000"/>
+                </a:schemeClr>
+              </a:lnRef>
+              <a:fillRef idx="1">
+                <a:schemeClr val="accent1"/>
+              </a:fillRef>
+              <a:effectRef idx="0">
+                <a:schemeClr val="accent1"/>
+              </a:effectRef>
+              <a:fontRef idx="minor">
+                <a:schemeClr val="lt1"/>
+              </a:fontRef>
+            </p:style>
+            <p:txBody>
+              <a:bodyPr rot="0" spcFirstLastPara="0" vertOverflow="overflow" horzOverflow="overflow" vert="horz" wrap="square" lIns="91440" tIns="45720" rIns="91440" bIns="45720" numCol="1" spcCol="0" rtlCol="0" fromWordArt="0" anchor="ctr" anchorCtr="0" forceAA="0" compatLnSpc="1">
+                <a:prstTxWarp prst="textNoShape">
+                  <a:avLst/>
+                </a:prstTxWarp>
+                <a:noAutofit/>
+              </a:bodyPr>
+              <a:lstStyle/>
+              <a:p>
+                <a:pPr algn="ctr"/>
+                <a14:m>
+                  <m:oMathPara xmlns:m="http://schemas.openxmlformats.org/officeDocument/2006/math">
+                    <m:oMathParaPr>
+                      <m:jc m:val="centerGroup"/>
+                    </m:oMathParaPr>
+                    <m:oMath xmlns:m="http://schemas.openxmlformats.org/officeDocument/2006/math">
+                      <m:r>
+                        <a:rPr lang="fr-FR" sz="1200" b="1" i="0" smtClean="0">
+                          <a:solidFill>
+                            <a:schemeClr val="tx1"/>
+                          </a:solidFill>
+                          <a:latin typeface="Cambria Math" panose="02040503050406030204" pitchFamily="18" charset="0"/>
+                        </a:rPr>
+                        <m:t>𝐂</m:t>
+                      </m:r>
+                    </m:oMath>
+                  </m:oMathPara>
+                </a14:m>
+                <a:endParaRPr lang="fr-FR" sz="1200" b="1" dirty="0">
+                  <a:solidFill>
+                    <a:schemeClr val="tx1"/>
+                  </a:solidFill>
+                </a:endParaRPr>
+              </a:p>
+            </p:txBody>
+          </p:sp>
+        </mc:Choice>
+        <mc:Fallback xmlns="">
+          <p:sp>
+            <p:nvSpPr>
+              <p:cNvPr id="10" name="Rectangle 9">
+                <a:extLst>
+                  <a:ext uri="{FF2B5EF4-FFF2-40B4-BE49-F238E27FC236}">
+                    <a16:creationId xmlns:a16="http://schemas.microsoft.com/office/drawing/2014/main" id="{4A692074-2AC0-46E1-9869-6DA9A26DBD2B}"/>
+                  </a:ext>
+                </a:extLst>
+              </p:cNvPr>
+              <p:cNvSpPr>
+                <a:spLocks noRot="1" noChangeAspect="1" noMove="1" noResize="1" noEditPoints="1" noAdjustHandles="1" noChangeArrowheads="1" noChangeShapeType="1" noTextEdit="1"/>
+              </p:cNvSpPr>
+              <p:nvPr/>
+            </p:nvSpPr>
+            <p:spPr>
+              <a:xfrm>
+                <a:off x="3309239" y="3432759"/>
+                <a:ext cx="540000" cy="252000"/>
+              </a:xfrm>
+              <a:prstGeom prst="rect">
+                <a:avLst/>
+              </a:prstGeom>
+              <a:blipFill>
+                <a:blip r:embed="rId3"/>
+                <a:stretch>
+                  <a:fillRect/>
+                </a:stretch>
+              </a:blipFill>
+              <a:ln>
+                <a:solidFill>
+                  <a:schemeClr val="accent1">
+                    <a:lumMod val="50000"/>
+                  </a:schemeClr>
+                </a:solidFill>
+              </a:ln>
+            </p:spPr>
+            <p:txBody>
+              <a:bodyPr/>
+              <a:lstStyle/>
+              <a:p>
+                <a:r>
+                  <a:rPr lang="fr-FR">
+                    <a:noFill/>
+                  </a:rPr>
+                  <a:t> </a:t>
+                </a:r>
+              </a:p>
+            </p:txBody>
+          </p:sp>
+        </mc:Fallback>
+      </mc:AlternateContent>
+      <mc:AlternateContent xmlns:mc="http://schemas.openxmlformats.org/markup-compatibility/2006">
+        <mc:Choice xmlns:a14="http://schemas.microsoft.com/office/drawing/2010/main" Requires="a14">
+          <p:sp>
+            <p:nvSpPr>
+              <p:cNvPr id="11" name="Rectangle 10">
+                <a:extLst>
+                  <a:ext uri="{FF2B5EF4-FFF2-40B4-BE49-F238E27FC236}">
+                    <a16:creationId xmlns:a16="http://schemas.microsoft.com/office/drawing/2014/main" id="{8491BB0E-EDD0-4519-B26A-C25B6BACFE3D}"/>
+                  </a:ext>
+                </a:extLst>
+              </p:cNvPr>
+              <p:cNvSpPr/>
+              <p:nvPr/>
+            </p:nvSpPr>
+            <p:spPr>
+              <a:xfrm>
+                <a:off x="684253" y="2824419"/>
+                <a:ext cx="540000" cy="252000"/>
+              </a:xfrm>
+              <a:prstGeom prst="rect">
+                <a:avLst/>
+              </a:prstGeom>
+              <a:solidFill>
+                <a:schemeClr val="accent1">
+                  <a:lumMod val="20000"/>
+                  <a:lumOff val="80000"/>
+                </a:schemeClr>
+              </a:solidFill>
+              <a:ln>
+                <a:solidFill>
+                  <a:schemeClr val="accent1">
+                    <a:lumMod val="50000"/>
+                  </a:schemeClr>
+                </a:solidFill>
+              </a:ln>
+            </p:spPr>
+            <p:style>
+              <a:lnRef idx="2">
+                <a:schemeClr val="accent1">
+                  <a:shade val="50000"/>
+                </a:schemeClr>
+              </a:lnRef>
+              <a:fillRef idx="1">
+                <a:schemeClr val="accent1"/>
+              </a:fillRef>
+              <a:effectRef idx="0">
+                <a:schemeClr val="accent1"/>
+              </a:effectRef>
+              <a:fontRef idx="minor">
+                <a:schemeClr val="lt1"/>
+              </a:fontRef>
+            </p:style>
+            <p:txBody>
+              <a:bodyPr rot="0" spcFirstLastPara="0" vertOverflow="overflow" horzOverflow="overflow" vert="horz" wrap="square" lIns="91440" tIns="45720" rIns="91440" bIns="45720" numCol="1" spcCol="0" rtlCol="0" fromWordArt="0" anchor="ctr" anchorCtr="0" forceAA="0" compatLnSpc="1">
+                <a:prstTxWarp prst="textNoShape">
+                  <a:avLst/>
+                </a:prstTxWarp>
+                <a:noAutofit/>
+              </a:bodyPr>
+              <a:lstStyle/>
+              <a:p>
+                <a:pPr algn="ctr"/>
+                <a14:m>
+                  <m:oMathPara xmlns:m="http://schemas.openxmlformats.org/officeDocument/2006/math">
+                    <m:oMathParaPr>
+                      <m:jc m:val="centerGroup"/>
+                    </m:oMathParaPr>
+                    <m:oMath xmlns:m="http://schemas.openxmlformats.org/officeDocument/2006/math">
+                      <m:r>
+                        <a:rPr lang="fr-FR" sz="1200" b="1" i="0" smtClean="0">
+                          <a:solidFill>
+                            <a:schemeClr val="tx1"/>
+                          </a:solidFill>
+                          <a:latin typeface="Cambria Math" panose="02040503050406030204" pitchFamily="18" charset="0"/>
+                        </a:rPr>
+                        <m:t>𝐃</m:t>
+                      </m:r>
+                    </m:oMath>
+                  </m:oMathPara>
+                </a14:m>
+                <a:endParaRPr lang="fr-FR" sz="1200" b="1" dirty="0">
+                  <a:solidFill>
+                    <a:schemeClr val="tx1"/>
+                  </a:solidFill>
+                </a:endParaRPr>
+              </a:p>
+            </p:txBody>
+          </p:sp>
+        </mc:Choice>
+        <mc:Fallback>
+          <p:sp>
+            <p:nvSpPr>
+              <p:cNvPr id="11" name="Rectangle 10">
+                <a:extLst>
+                  <a:ext uri="{FF2B5EF4-FFF2-40B4-BE49-F238E27FC236}">
+                    <a16:creationId xmlns:a16="http://schemas.microsoft.com/office/drawing/2014/main" id="{8491BB0E-EDD0-4519-B26A-C25B6BACFE3D}"/>
+                  </a:ext>
+                </a:extLst>
+              </p:cNvPr>
+              <p:cNvSpPr>
+                <a:spLocks noRot="1" noChangeAspect="1" noMove="1" noResize="1" noEditPoints="1" noAdjustHandles="1" noChangeArrowheads="1" noChangeShapeType="1" noTextEdit="1"/>
+              </p:cNvSpPr>
+              <p:nvPr/>
+            </p:nvSpPr>
+            <p:spPr>
+              <a:xfrm>
+                <a:off x="684253" y="2824419"/>
+                <a:ext cx="540000" cy="252000"/>
+              </a:xfrm>
+              <a:prstGeom prst="rect">
+                <a:avLst/>
+              </a:prstGeom>
+              <a:blipFill>
+                <a:blip r:embed="rId4"/>
+                <a:stretch>
+                  <a:fillRect/>
+                </a:stretch>
+              </a:blipFill>
+              <a:ln>
+                <a:solidFill>
+                  <a:schemeClr val="accent1">
+                    <a:lumMod val="50000"/>
+                  </a:schemeClr>
+                </a:solidFill>
+              </a:ln>
+            </p:spPr>
+            <p:txBody>
+              <a:bodyPr/>
+              <a:lstStyle/>
+              <a:p>
+                <a:r>
+                  <a:rPr lang="fr-FR">
+                    <a:noFill/>
+                  </a:rPr>
+                  <a:t> </a:t>
+                </a:r>
+              </a:p>
+            </p:txBody>
+          </p:sp>
+        </mc:Fallback>
+      </mc:AlternateContent>
+      <mc:AlternateContent xmlns:mc="http://schemas.openxmlformats.org/markup-compatibility/2006">
+        <mc:Choice xmlns:a14="http://schemas.microsoft.com/office/drawing/2010/main" Requires="a14">
+          <p:sp>
+            <p:nvSpPr>
+              <p:cNvPr id="12" name="Rectangle 11">
+                <a:extLst>
+                  <a:ext uri="{FF2B5EF4-FFF2-40B4-BE49-F238E27FC236}">
+                    <a16:creationId xmlns:a16="http://schemas.microsoft.com/office/drawing/2014/main" id="{CA6133C4-0A9A-4936-81DD-C7A5C1CA6821}"/>
+                  </a:ext>
+                </a:extLst>
+              </p:cNvPr>
+              <p:cNvSpPr/>
+              <p:nvPr/>
+            </p:nvSpPr>
+            <p:spPr>
+              <a:xfrm>
+                <a:off x="661199" y="3409943"/>
+                <a:ext cx="540385" cy="252000"/>
+              </a:xfrm>
+              <a:prstGeom prst="rect">
+                <a:avLst/>
+              </a:prstGeom>
+              <a:solidFill>
+                <a:schemeClr val="accent1">
+                  <a:lumMod val="20000"/>
+                  <a:lumOff val="80000"/>
+                </a:schemeClr>
+              </a:solidFill>
+              <a:ln>
+                <a:solidFill>
+                  <a:schemeClr val="accent1">
+                    <a:lumMod val="50000"/>
+                  </a:schemeClr>
+                </a:solidFill>
+              </a:ln>
+            </p:spPr>
+            <p:style>
+              <a:lnRef idx="2">
+                <a:schemeClr val="accent1">
+                  <a:shade val="50000"/>
+                </a:schemeClr>
+              </a:lnRef>
+              <a:fillRef idx="1">
+                <a:schemeClr val="accent1"/>
+              </a:fillRef>
+              <a:effectRef idx="0">
+                <a:schemeClr val="accent1"/>
+              </a:effectRef>
+              <a:fontRef idx="minor">
+                <a:schemeClr val="lt1"/>
+              </a:fontRef>
+            </p:style>
+            <p:txBody>
+              <a:bodyPr rot="0" spcFirstLastPara="0" vertOverflow="overflow" horzOverflow="overflow" vert="horz" wrap="square" lIns="91440" tIns="45720" rIns="91440" bIns="45720" numCol="1" spcCol="0" rtlCol="0" fromWordArt="0" anchor="ctr" anchorCtr="0" forceAA="0" compatLnSpc="1">
+                <a:prstTxWarp prst="textNoShape">
+                  <a:avLst/>
+                </a:prstTxWarp>
+                <a:noAutofit/>
+              </a:bodyPr>
+              <a:lstStyle/>
+              <a:p>
+                <a:pPr algn="ctr"/>
+                <a14:m>
+                  <m:oMathPara xmlns:m="http://schemas.openxmlformats.org/officeDocument/2006/math">
+                    <m:oMathParaPr>
+                      <m:jc m:val="centerGroup"/>
+                    </m:oMathParaPr>
+                    <m:oMath xmlns:m="http://schemas.openxmlformats.org/officeDocument/2006/math">
+                      <m:r>
+                        <a:rPr lang="fr-FR" sz="1200" b="1" i="0" smtClean="0">
+                          <a:solidFill>
+                            <a:schemeClr val="tx1"/>
+                          </a:solidFill>
+                          <a:latin typeface="Cambria Math" panose="02040503050406030204" pitchFamily="18" charset="0"/>
+                        </a:rPr>
+                        <m:t>𝐀</m:t>
+                      </m:r>
+                    </m:oMath>
+                  </m:oMathPara>
+                </a14:m>
+                <a:endParaRPr lang="fr-FR" sz="1200" b="1" dirty="0">
+                  <a:solidFill>
+                    <a:schemeClr val="tx1"/>
+                  </a:solidFill>
+                </a:endParaRPr>
+              </a:p>
+            </p:txBody>
+          </p:sp>
+        </mc:Choice>
+        <mc:Fallback>
+          <p:sp>
+            <p:nvSpPr>
+              <p:cNvPr id="12" name="Rectangle 11">
+                <a:extLst>
+                  <a:ext uri="{FF2B5EF4-FFF2-40B4-BE49-F238E27FC236}">
+                    <a16:creationId xmlns:a16="http://schemas.microsoft.com/office/drawing/2014/main" id="{CA6133C4-0A9A-4936-81DD-C7A5C1CA6821}"/>
+                  </a:ext>
+                </a:extLst>
+              </p:cNvPr>
+              <p:cNvSpPr>
+                <a:spLocks noRot="1" noChangeAspect="1" noMove="1" noResize="1" noEditPoints="1" noAdjustHandles="1" noChangeArrowheads="1" noChangeShapeType="1" noTextEdit="1"/>
+              </p:cNvSpPr>
+              <p:nvPr/>
+            </p:nvSpPr>
+            <p:spPr>
+              <a:xfrm>
+                <a:off x="661199" y="3409943"/>
+                <a:ext cx="540385" cy="252000"/>
+              </a:xfrm>
+              <a:prstGeom prst="rect">
+                <a:avLst/>
+              </a:prstGeom>
+              <a:blipFill>
+                <a:blip r:embed="rId5"/>
+                <a:stretch>
+                  <a:fillRect/>
+                </a:stretch>
+              </a:blipFill>
+              <a:ln>
+                <a:solidFill>
+                  <a:schemeClr val="accent1">
+                    <a:lumMod val="50000"/>
+                  </a:schemeClr>
+                </a:solidFill>
+              </a:ln>
+            </p:spPr>
+            <p:txBody>
+              <a:bodyPr/>
+              <a:lstStyle/>
+              <a:p>
+                <a:r>
+                  <a:rPr lang="fr-FR">
+                    <a:noFill/>
+                  </a:rPr>
+                  <a:t> </a:t>
+                </a:r>
+              </a:p>
+            </p:txBody>
+          </p:sp>
+        </mc:Fallback>
+      </mc:AlternateContent>
+      <p:cxnSp>
+        <p:nvCxnSpPr>
+          <p:cNvPr id="22" name="Connecteur droit avec flèche 21">
+            <a:extLst>
+              <a:ext uri="{FF2B5EF4-FFF2-40B4-BE49-F238E27FC236}">
+                <a16:creationId xmlns:a16="http://schemas.microsoft.com/office/drawing/2014/main" id="{147ED992-79DF-4385-AE3B-E7357B17CCD3}"/>
+              </a:ext>
+            </a:extLst>
+          </p:cNvPr>
+          <p:cNvCxnSpPr>
+            <a:cxnSpLocks/>
+          </p:cNvCxnSpPr>
+          <p:nvPr/>
+        </p:nvCxnSpPr>
+        <p:spPr>
+          <a:xfrm flipV="1">
+            <a:off x="2122367" y="3679844"/>
+            <a:ext cx="0" cy="331257"/>
+          </a:xfrm>
+          <a:prstGeom prst="straightConnector1">
+            <a:avLst/>
+          </a:prstGeom>
+          <a:solidFill>
+            <a:schemeClr val="accent1">
+              <a:lumMod val="20000"/>
+              <a:lumOff val="80000"/>
+            </a:schemeClr>
+          </a:solidFill>
+          <a:ln>
+            <a:solidFill>
+              <a:schemeClr val="accent1">
+                <a:lumMod val="50000"/>
+              </a:schemeClr>
+            </a:solidFill>
+            <a:headEnd type="none"/>
+            <a:tailEnd type="stealth" w="med" len="lg"/>
+          </a:ln>
+        </p:spPr>
+        <p:style>
+          <a:lnRef idx="2">
+            <a:schemeClr val="accent1">
+              <a:shade val="50000"/>
+            </a:schemeClr>
+          </a:lnRef>
+          <a:fillRef idx="1">
+            <a:schemeClr val="accent1"/>
+          </a:fillRef>
+          <a:effectRef idx="0">
+            <a:schemeClr val="accent1"/>
+          </a:effectRef>
+          <a:fontRef idx="minor">
+            <a:schemeClr val="lt1"/>
+          </a:fontRef>
+        </p:style>
+      </p:cxnSp>
+      <p:cxnSp>
+        <p:nvCxnSpPr>
+          <p:cNvPr id="39" name="Connecteur droit avec flèche 38">
+            <a:extLst>
+              <a:ext uri="{FF2B5EF4-FFF2-40B4-BE49-F238E27FC236}">
+                <a16:creationId xmlns:a16="http://schemas.microsoft.com/office/drawing/2014/main" id="{E5CEB3B4-10EC-4189-A83D-D9EBF1B0AD74}"/>
+              </a:ext>
+            </a:extLst>
+          </p:cNvPr>
+          <p:cNvCxnSpPr>
+            <a:cxnSpLocks/>
+          </p:cNvCxnSpPr>
+          <p:nvPr/>
+        </p:nvCxnSpPr>
+        <p:spPr>
+          <a:xfrm flipV="1">
+            <a:off x="3902491" y="3565381"/>
+            <a:ext cx="0" cy="460682"/>
+          </a:xfrm>
+          <a:prstGeom prst="straightConnector1">
+            <a:avLst/>
+          </a:prstGeom>
+          <a:solidFill>
+            <a:schemeClr val="accent1">
+              <a:lumMod val="20000"/>
+              <a:lumOff val="80000"/>
+            </a:schemeClr>
+          </a:solidFill>
+          <a:ln>
+            <a:solidFill>
+              <a:schemeClr val="accent1">
+                <a:lumMod val="50000"/>
+              </a:schemeClr>
+            </a:solidFill>
+            <a:headEnd type="none"/>
+            <a:tailEnd type="none" w="med" len="lg"/>
+          </a:ln>
+        </p:spPr>
+        <p:style>
+          <a:lnRef idx="2">
+            <a:schemeClr val="accent1">
+              <a:shade val="50000"/>
+            </a:schemeClr>
+          </a:lnRef>
+          <a:fillRef idx="1">
+            <a:schemeClr val="accent1"/>
+          </a:fillRef>
+          <a:effectRef idx="0">
+            <a:schemeClr val="accent1"/>
+          </a:effectRef>
+          <a:fontRef idx="minor">
+            <a:schemeClr val="lt1"/>
+          </a:fontRef>
+        </p:style>
+      </p:cxnSp>
+      <mc:AlternateContent xmlns:mc="http://schemas.openxmlformats.org/markup-compatibility/2006">
+        <mc:Choice xmlns:a14="http://schemas.microsoft.com/office/drawing/2010/main" Requires="a14">
+          <p:sp>
+            <p:nvSpPr>
+              <p:cNvPr id="46" name="ZoneTexte 45">
+                <a:extLst>
+                  <a:ext uri="{FF2B5EF4-FFF2-40B4-BE49-F238E27FC236}">
+                    <a16:creationId xmlns:a16="http://schemas.microsoft.com/office/drawing/2014/main" id="{316570E4-C93F-4785-BD5E-88B451BCD63E}"/>
+                  </a:ext>
+                </a:extLst>
+              </p:cNvPr>
+              <p:cNvSpPr txBox="1"/>
+              <p:nvPr/>
+            </p:nvSpPr>
+            <p:spPr>
+              <a:xfrm>
+                <a:off x="243271" y="3254883"/>
+                <a:ext cx="354136" cy="184666"/>
+              </a:xfrm>
+              <a:prstGeom prst="rect">
+                <a:avLst/>
+              </a:prstGeom>
+              <a:noFill/>
+            </p:spPr>
+            <p:txBody>
+              <a:bodyPr wrap="none" lIns="0" tIns="0" rIns="0" bIns="0" rtlCol="0">
+                <a:spAutoFit/>
+              </a:bodyPr>
+              <a:lstStyle/>
+              <a:p>
+                <a:pPr/>
+                <a14:m>
+                  <m:oMathPara xmlns:m="http://schemas.openxmlformats.org/officeDocument/2006/math">
+                    <m:oMathParaPr>
+                      <m:jc m:val="centerGroup"/>
+                    </m:oMathParaPr>
+                    <m:oMath xmlns:m="http://schemas.openxmlformats.org/officeDocument/2006/math">
+                      <m:r>
+                        <a:rPr lang="fr-FR" sz="1200" b="0" i="1" smtClean="0">
+                          <a:latin typeface="Cambria Math" panose="02040503050406030204" pitchFamily="18" charset="0"/>
+                        </a:rPr>
+                        <m:t>𝐸</m:t>
+                      </m:r>
+                      <m:r>
+                        <a:rPr lang="fr-FR" sz="1200" b="0" i="1" smtClean="0">
+                          <a:latin typeface="Cambria Math" panose="02040503050406030204" pitchFamily="18" charset="0"/>
+                        </a:rPr>
+                        <m:t>(</m:t>
+                      </m:r>
+                      <m:r>
+                        <a:rPr lang="fr-FR" sz="1200" b="0" i="1" smtClean="0">
+                          <a:latin typeface="Cambria Math" panose="02040503050406030204" pitchFamily="18" charset="0"/>
+                        </a:rPr>
+                        <m:t>𝑝</m:t>
+                      </m:r>
+                      <m:r>
+                        <a:rPr lang="fr-FR" sz="1200" b="0" i="1" smtClean="0">
+                          <a:latin typeface="Cambria Math" panose="02040503050406030204" pitchFamily="18" charset="0"/>
+                        </a:rPr>
+                        <m:t>)</m:t>
+                      </m:r>
+                    </m:oMath>
+                  </m:oMathPara>
+                </a14:m>
+                <a:endParaRPr lang="fr-FR" sz="1200" dirty="0"/>
+              </a:p>
+            </p:txBody>
+          </p:sp>
+        </mc:Choice>
+        <mc:Fallback>
+          <p:sp>
+            <p:nvSpPr>
+              <p:cNvPr id="46" name="ZoneTexte 45">
+                <a:extLst>
+                  <a:ext uri="{FF2B5EF4-FFF2-40B4-BE49-F238E27FC236}">
+                    <a16:creationId xmlns:a16="http://schemas.microsoft.com/office/drawing/2014/main" id="{316570E4-C93F-4785-BD5E-88B451BCD63E}"/>
+                  </a:ext>
+                </a:extLst>
+              </p:cNvPr>
+              <p:cNvSpPr txBox="1">
+                <a:spLocks noRot="1" noChangeAspect="1" noMove="1" noResize="1" noEditPoints="1" noAdjustHandles="1" noChangeArrowheads="1" noChangeShapeType="1" noTextEdit="1"/>
+              </p:cNvSpPr>
+              <p:nvPr/>
+            </p:nvSpPr>
+            <p:spPr>
+              <a:xfrm>
+                <a:off x="243271" y="3254883"/>
+                <a:ext cx="354136" cy="184666"/>
+              </a:xfrm>
+              <a:prstGeom prst="rect">
+                <a:avLst/>
+              </a:prstGeom>
+              <a:blipFill>
+                <a:blip r:embed="rId6"/>
+                <a:stretch>
+                  <a:fillRect l="-10345" t="-6667" r="-15517" b="-36667"/>
+                </a:stretch>
+              </a:blipFill>
+            </p:spPr>
+            <p:txBody>
+              <a:bodyPr/>
+              <a:lstStyle/>
+              <a:p>
+                <a:r>
+                  <a:rPr lang="fr-FR">
+                    <a:noFill/>
+                  </a:rPr>
+                  <a:t> </a:t>
+                </a:r>
+              </a:p>
+            </p:txBody>
+          </p:sp>
+        </mc:Fallback>
+      </mc:AlternateContent>
+      <mc:AlternateContent xmlns:mc="http://schemas.openxmlformats.org/markup-compatibility/2006">
+        <mc:Choice xmlns:a14="http://schemas.microsoft.com/office/drawing/2010/main" Requires="a14">
+          <p:sp>
+            <p:nvSpPr>
+              <p:cNvPr id="47" name="ZoneTexte 46">
+                <a:extLst>
+                  <a:ext uri="{FF2B5EF4-FFF2-40B4-BE49-F238E27FC236}">
+                    <a16:creationId xmlns:a16="http://schemas.microsoft.com/office/drawing/2014/main" id="{76153325-6CDE-46AA-9006-0227DBB70A10}"/>
+                  </a:ext>
+                </a:extLst>
+              </p:cNvPr>
+              <p:cNvSpPr txBox="1"/>
+              <p:nvPr/>
+            </p:nvSpPr>
+            <p:spPr>
+              <a:xfrm>
+                <a:off x="4163468" y="3456596"/>
+                <a:ext cx="336695" cy="184666"/>
+              </a:xfrm>
+              <a:prstGeom prst="rect">
+                <a:avLst/>
+              </a:prstGeom>
+              <a:noFill/>
+            </p:spPr>
+            <p:txBody>
+              <a:bodyPr wrap="none" lIns="0" tIns="0" rIns="0" bIns="0" rtlCol="0">
+                <a:spAutoFit/>
+              </a:bodyPr>
+              <a:lstStyle/>
+              <a:p>
+                <a:pPr/>
+                <a14:m>
+                  <m:oMathPara xmlns:m="http://schemas.openxmlformats.org/officeDocument/2006/math">
+                    <m:oMathParaPr>
+                      <m:jc m:val="centerGroup"/>
+                    </m:oMathParaPr>
+                    <m:oMath xmlns:m="http://schemas.openxmlformats.org/officeDocument/2006/math">
+                      <m:r>
+                        <a:rPr lang="fr-FR" sz="1200" b="0" i="1" smtClean="0">
+                          <a:latin typeface="Cambria Math" panose="02040503050406030204" pitchFamily="18" charset="0"/>
+                        </a:rPr>
+                        <m:t>𝑆</m:t>
+                      </m:r>
+                      <m:r>
+                        <a:rPr lang="fr-FR" sz="1200" b="0" i="1" smtClean="0">
+                          <a:latin typeface="Cambria Math" panose="02040503050406030204" pitchFamily="18" charset="0"/>
+                        </a:rPr>
+                        <m:t>(</m:t>
+                      </m:r>
+                      <m:r>
+                        <a:rPr lang="fr-FR" sz="1200" b="0" i="1" smtClean="0">
+                          <a:latin typeface="Cambria Math" panose="02040503050406030204" pitchFamily="18" charset="0"/>
+                        </a:rPr>
+                        <m:t>𝑝</m:t>
+                      </m:r>
+                      <m:r>
+                        <a:rPr lang="fr-FR" sz="1200" b="0" i="1" smtClean="0">
+                          <a:latin typeface="Cambria Math" panose="02040503050406030204" pitchFamily="18" charset="0"/>
+                        </a:rPr>
+                        <m:t>)</m:t>
+                      </m:r>
+                    </m:oMath>
+                  </m:oMathPara>
+                </a14:m>
+                <a:endParaRPr lang="fr-FR" sz="1200" dirty="0"/>
+              </a:p>
+            </p:txBody>
+          </p:sp>
+        </mc:Choice>
+        <mc:Fallback>
+          <p:sp>
+            <p:nvSpPr>
+              <p:cNvPr id="47" name="ZoneTexte 46">
+                <a:extLst>
+                  <a:ext uri="{FF2B5EF4-FFF2-40B4-BE49-F238E27FC236}">
+                    <a16:creationId xmlns:a16="http://schemas.microsoft.com/office/drawing/2014/main" id="{76153325-6CDE-46AA-9006-0227DBB70A10}"/>
+                  </a:ext>
+                </a:extLst>
+              </p:cNvPr>
+              <p:cNvSpPr txBox="1">
+                <a:spLocks noRot="1" noChangeAspect="1" noMove="1" noResize="1" noEditPoints="1" noAdjustHandles="1" noChangeArrowheads="1" noChangeShapeType="1" noTextEdit="1"/>
+              </p:cNvSpPr>
+              <p:nvPr/>
+            </p:nvSpPr>
+            <p:spPr>
+              <a:xfrm>
+                <a:off x="4163468" y="3456596"/>
+                <a:ext cx="336695" cy="184666"/>
+              </a:xfrm>
+              <a:prstGeom prst="rect">
+                <a:avLst/>
+              </a:prstGeom>
+              <a:blipFill>
+                <a:blip r:embed="rId7"/>
+                <a:stretch>
+                  <a:fillRect l="-10909" t="-3333" r="-16364" b="-40000"/>
+                </a:stretch>
+              </a:blipFill>
+            </p:spPr>
+            <p:txBody>
+              <a:bodyPr/>
+              <a:lstStyle/>
+              <a:p>
+                <a:r>
+                  <a:rPr lang="fr-FR">
+                    <a:noFill/>
+                  </a:rPr>
+                  <a:t> </a:t>
+                </a:r>
+              </a:p>
+            </p:txBody>
+          </p:sp>
+        </mc:Fallback>
+      </mc:AlternateContent>
+      <p:cxnSp>
+        <p:nvCxnSpPr>
+          <p:cNvPr id="32" name="Connecteur droit avec flèche 31">
+            <a:extLst>
+              <a:ext uri="{FF2B5EF4-FFF2-40B4-BE49-F238E27FC236}">
+                <a16:creationId xmlns:a16="http://schemas.microsoft.com/office/drawing/2014/main" id="{2B2FA539-79DA-4386-936E-38A87CFE125A}"/>
+              </a:ext>
+            </a:extLst>
+          </p:cNvPr>
+          <p:cNvCxnSpPr>
+            <a:cxnSpLocks/>
+          </p:cNvCxnSpPr>
+          <p:nvPr/>
+        </p:nvCxnSpPr>
+        <p:spPr>
+          <a:xfrm>
+            <a:off x="1770738" y="3555334"/>
+            <a:ext cx="216653" cy="0"/>
+          </a:xfrm>
+          <a:prstGeom prst="straightConnector1">
+            <a:avLst/>
+          </a:prstGeom>
+          <a:solidFill>
+            <a:schemeClr val="accent1">
+              <a:lumMod val="20000"/>
+              <a:lumOff val="80000"/>
+            </a:schemeClr>
+          </a:solidFill>
+          <a:ln>
+            <a:solidFill>
+              <a:schemeClr val="accent1">
+                <a:lumMod val="50000"/>
+              </a:schemeClr>
+            </a:solidFill>
+            <a:headEnd type="none"/>
+            <a:tailEnd type="stealth" w="med" len="lg"/>
+          </a:ln>
+        </p:spPr>
+        <p:style>
+          <a:lnRef idx="2">
+            <a:schemeClr val="accent1">
+              <a:shade val="50000"/>
+            </a:schemeClr>
+          </a:lnRef>
+          <a:fillRef idx="1">
+            <a:schemeClr val="accent1"/>
+          </a:fillRef>
+          <a:effectRef idx="0">
+            <a:schemeClr val="accent1"/>
+          </a:effectRef>
+          <a:fontRef idx="minor">
+            <a:schemeClr val="lt1"/>
+          </a:fontRef>
+        </p:style>
+      </p:cxnSp>
+      <p:cxnSp>
+        <p:nvCxnSpPr>
+          <p:cNvPr id="37" name="Connecteur droit avec flèche 36">
+            <a:extLst>
+              <a:ext uri="{FF2B5EF4-FFF2-40B4-BE49-F238E27FC236}">
+                <a16:creationId xmlns:a16="http://schemas.microsoft.com/office/drawing/2014/main" id="{26D52C66-B22E-4B0C-B0DD-A7A0876B6596}"/>
+              </a:ext>
+            </a:extLst>
+          </p:cNvPr>
+          <p:cNvCxnSpPr>
+            <a:cxnSpLocks/>
+          </p:cNvCxnSpPr>
+          <p:nvPr/>
+        </p:nvCxnSpPr>
+        <p:spPr>
+          <a:xfrm>
+            <a:off x="3849239" y="3558759"/>
+            <a:ext cx="271661" cy="0"/>
+          </a:xfrm>
+          <a:prstGeom prst="straightConnector1">
+            <a:avLst/>
+          </a:prstGeom>
+          <a:solidFill>
+            <a:schemeClr val="accent1">
+              <a:lumMod val="20000"/>
+              <a:lumOff val="80000"/>
+            </a:schemeClr>
+          </a:solidFill>
+          <a:ln>
+            <a:solidFill>
+              <a:schemeClr val="accent1">
+                <a:lumMod val="50000"/>
+              </a:schemeClr>
+            </a:solidFill>
+            <a:headEnd type="none"/>
+            <a:tailEnd type="stealth" w="med" len="lg"/>
+          </a:ln>
+        </p:spPr>
+        <p:style>
+          <a:lnRef idx="2">
+            <a:schemeClr val="accent1">
+              <a:shade val="50000"/>
+            </a:schemeClr>
+          </a:lnRef>
+          <a:fillRef idx="1">
+            <a:schemeClr val="accent1"/>
+          </a:fillRef>
+          <a:effectRef idx="0">
+            <a:schemeClr val="accent1"/>
+          </a:effectRef>
+          <a:fontRef idx="minor">
+            <a:schemeClr val="lt1"/>
+          </a:fontRef>
+        </p:style>
+      </p:cxnSp>
+      <p:cxnSp>
+        <p:nvCxnSpPr>
+          <p:cNvPr id="38" name="Connecteur droit avec flèche 37">
+            <a:extLst>
+              <a:ext uri="{FF2B5EF4-FFF2-40B4-BE49-F238E27FC236}">
+                <a16:creationId xmlns:a16="http://schemas.microsoft.com/office/drawing/2014/main" id="{38A989D1-E56B-4B44-9247-A6E2A399CFFE}"/>
+              </a:ext>
+            </a:extLst>
+          </p:cNvPr>
+          <p:cNvCxnSpPr>
+            <a:cxnSpLocks/>
+          </p:cNvCxnSpPr>
+          <p:nvPr/>
+        </p:nvCxnSpPr>
+        <p:spPr>
+          <a:xfrm>
+            <a:off x="3037578" y="3558759"/>
+            <a:ext cx="271661" cy="0"/>
+          </a:xfrm>
+          <a:prstGeom prst="straightConnector1">
+            <a:avLst/>
+          </a:prstGeom>
+          <a:solidFill>
+            <a:schemeClr val="accent1">
+              <a:lumMod val="20000"/>
+              <a:lumOff val="80000"/>
+            </a:schemeClr>
+          </a:solidFill>
+          <a:ln>
+            <a:solidFill>
+              <a:schemeClr val="accent1">
+                <a:lumMod val="50000"/>
+              </a:schemeClr>
+            </a:solidFill>
+            <a:headEnd type="none"/>
+            <a:tailEnd type="stealth" w="med" len="lg"/>
+          </a:ln>
+        </p:spPr>
+        <p:style>
+          <a:lnRef idx="2">
+            <a:schemeClr val="accent1">
+              <a:shade val="50000"/>
+            </a:schemeClr>
+          </a:lnRef>
+          <a:fillRef idx="1">
+            <a:schemeClr val="accent1"/>
+          </a:fillRef>
+          <a:effectRef idx="0">
+            <a:schemeClr val="accent1"/>
+          </a:effectRef>
+          <a:fontRef idx="minor">
+            <a:schemeClr val="lt1"/>
+          </a:fontRef>
+        </p:style>
+      </p:cxnSp>
+      <p:cxnSp>
+        <p:nvCxnSpPr>
+          <p:cNvPr id="41" name="Connecteur droit avec flèche 40">
+            <a:extLst>
+              <a:ext uri="{FF2B5EF4-FFF2-40B4-BE49-F238E27FC236}">
+                <a16:creationId xmlns:a16="http://schemas.microsoft.com/office/drawing/2014/main" id="{130B4178-E52F-4875-AB3B-CED741D85B83}"/>
+              </a:ext>
+            </a:extLst>
+          </p:cNvPr>
+          <p:cNvCxnSpPr>
+            <a:cxnSpLocks/>
+          </p:cNvCxnSpPr>
+          <p:nvPr/>
+        </p:nvCxnSpPr>
+        <p:spPr>
+          <a:xfrm flipV="1">
+            <a:off x="2264915" y="3555334"/>
+            <a:ext cx="232663" cy="6851"/>
+          </a:xfrm>
+          <a:prstGeom prst="straightConnector1">
+            <a:avLst/>
+          </a:prstGeom>
+          <a:solidFill>
+            <a:schemeClr val="accent1">
+              <a:lumMod val="20000"/>
+              <a:lumOff val="80000"/>
+            </a:schemeClr>
+          </a:solidFill>
+          <a:ln>
+            <a:solidFill>
+              <a:schemeClr val="accent1">
+                <a:lumMod val="50000"/>
+              </a:schemeClr>
+            </a:solidFill>
+            <a:headEnd type="none"/>
+            <a:tailEnd type="stealth" w="med" len="lg"/>
+          </a:ln>
+        </p:spPr>
+        <p:style>
+          <a:lnRef idx="2">
+            <a:schemeClr val="accent1">
+              <a:shade val="50000"/>
+            </a:schemeClr>
+          </a:lnRef>
+          <a:fillRef idx="1">
+            <a:schemeClr val="accent1"/>
+          </a:fillRef>
+          <a:effectRef idx="0">
+            <a:schemeClr val="accent1"/>
+          </a:effectRef>
+          <a:fontRef idx="minor">
+            <a:schemeClr val="lt1"/>
+          </a:fontRef>
+        </p:style>
+      </p:cxnSp>
+      <p:cxnSp>
+        <p:nvCxnSpPr>
+          <p:cNvPr id="44" name="Connecteur droit avec flèche 43">
+            <a:extLst>
+              <a:ext uri="{FF2B5EF4-FFF2-40B4-BE49-F238E27FC236}">
+                <a16:creationId xmlns:a16="http://schemas.microsoft.com/office/drawing/2014/main" id="{20F5819F-735F-46BD-B018-6C48003B7EEC}"/>
+              </a:ext>
+            </a:extLst>
+          </p:cNvPr>
+          <p:cNvCxnSpPr>
+            <a:cxnSpLocks/>
+            <a:endCxn id="12" idx="1"/>
+          </p:cNvCxnSpPr>
+          <p:nvPr/>
+        </p:nvCxnSpPr>
+        <p:spPr>
+          <a:xfrm>
+            <a:off x="281262" y="3535943"/>
+            <a:ext cx="379937" cy="0"/>
+          </a:xfrm>
+          <a:prstGeom prst="straightConnector1">
+            <a:avLst/>
+          </a:prstGeom>
+          <a:solidFill>
+            <a:schemeClr val="accent1">
+              <a:lumMod val="20000"/>
+              <a:lumOff val="80000"/>
+            </a:schemeClr>
+          </a:solidFill>
+          <a:ln>
+            <a:solidFill>
+              <a:schemeClr val="accent1">
+                <a:lumMod val="50000"/>
+              </a:schemeClr>
+            </a:solidFill>
+            <a:headEnd type="none"/>
+            <a:tailEnd type="stealth" w="med" len="lg"/>
+          </a:ln>
+        </p:spPr>
+        <p:style>
+          <a:lnRef idx="2">
+            <a:schemeClr val="accent1">
+              <a:shade val="50000"/>
+            </a:schemeClr>
+          </a:lnRef>
+          <a:fillRef idx="1">
+            <a:schemeClr val="accent1"/>
+          </a:fillRef>
+          <a:effectRef idx="0">
+            <a:schemeClr val="accent1"/>
+          </a:effectRef>
+          <a:fontRef idx="minor">
+            <a:schemeClr val="lt1"/>
+          </a:fontRef>
+        </p:style>
+      </p:cxnSp>
+      <p:cxnSp>
+        <p:nvCxnSpPr>
+          <p:cNvPr id="52" name="Connecteur droit avec flèche 51">
+            <a:extLst>
+              <a:ext uri="{FF2B5EF4-FFF2-40B4-BE49-F238E27FC236}">
+                <a16:creationId xmlns:a16="http://schemas.microsoft.com/office/drawing/2014/main" id="{9E46C6F3-831A-466A-AF6F-FD74E8D9E621}"/>
+              </a:ext>
+            </a:extLst>
+          </p:cNvPr>
+          <p:cNvCxnSpPr>
+            <a:cxnSpLocks/>
+          </p:cNvCxnSpPr>
+          <p:nvPr/>
+        </p:nvCxnSpPr>
+        <p:spPr>
+          <a:xfrm>
+            <a:off x="2122367" y="4016016"/>
+            <a:ext cx="1780124" cy="0"/>
+          </a:xfrm>
+          <a:prstGeom prst="straightConnector1">
+            <a:avLst/>
+          </a:prstGeom>
+          <a:solidFill>
+            <a:schemeClr val="accent1">
+              <a:lumMod val="20000"/>
+              <a:lumOff val="80000"/>
+            </a:schemeClr>
+          </a:solidFill>
+          <a:ln>
+            <a:solidFill>
+              <a:schemeClr val="accent1">
+                <a:lumMod val="50000"/>
+              </a:schemeClr>
+            </a:solidFill>
+            <a:headEnd type="none"/>
+            <a:tailEnd type="none" w="med" len="lg"/>
+          </a:ln>
+        </p:spPr>
+        <p:style>
+          <a:lnRef idx="2">
+            <a:schemeClr val="accent1">
+              <a:shade val="50000"/>
+            </a:schemeClr>
+          </a:lnRef>
+          <a:fillRef idx="1">
+            <a:schemeClr val="accent1"/>
+          </a:fillRef>
+          <a:effectRef idx="0">
+            <a:schemeClr val="accent1"/>
+          </a:effectRef>
+          <a:fontRef idx="minor">
+            <a:schemeClr val="lt1"/>
+          </a:fontRef>
+        </p:style>
+      </p:cxnSp>
+      <p:grpSp>
+        <p:nvGrpSpPr>
+          <p:cNvPr id="20" name="Groupe 19">
+            <a:extLst>
+              <a:ext uri="{FF2B5EF4-FFF2-40B4-BE49-F238E27FC236}">
+                <a16:creationId xmlns:a16="http://schemas.microsoft.com/office/drawing/2014/main" id="{BA626378-6268-43C5-BDE4-16CB7D742027}"/>
+              </a:ext>
+            </a:extLst>
+          </p:cNvPr>
+          <p:cNvGrpSpPr/>
+          <p:nvPr/>
+        </p:nvGrpSpPr>
+        <p:grpSpPr>
+          <a:xfrm>
+            <a:off x="1926204" y="3399955"/>
+            <a:ext cx="322163" cy="391212"/>
+            <a:chOff x="2225997" y="1079551"/>
+            <a:chExt cx="322163" cy="391212"/>
+          </a:xfrm>
+        </p:grpSpPr>
+        <p:sp>
+          <p:nvSpPr>
+            <p:cNvPr id="21" name="Organigramme : Jonction de sommaire 20">
+              <a:extLst>
+                <a:ext uri="{FF2B5EF4-FFF2-40B4-BE49-F238E27FC236}">
+                  <a16:creationId xmlns:a16="http://schemas.microsoft.com/office/drawing/2014/main" id="{74CBCBAD-FF1C-4345-A0A2-CF5B31E5D3F2}"/>
+                </a:ext>
+              </a:extLst>
+            </p:cNvPr>
+            <p:cNvSpPr/>
+            <p:nvPr/>
+          </p:nvSpPr>
+          <p:spPr>
+            <a:xfrm>
+              <a:off x="2296160" y="1107440"/>
+              <a:ext cx="252000" cy="252000"/>
+            </a:xfrm>
+            <a:prstGeom prst="flowChartSummingJunction">
+              <a:avLst/>
+            </a:prstGeom>
+            <a:solidFill>
+              <a:schemeClr val="accent1">
+                <a:lumMod val="20000"/>
+                <a:lumOff val="80000"/>
+              </a:schemeClr>
+            </a:solidFill>
+            <a:ln>
+              <a:solidFill>
+                <a:schemeClr val="accent1">
+                  <a:lumMod val="50000"/>
+                </a:schemeClr>
+              </a:solidFill>
+            </a:ln>
+          </p:spPr>
+          <p:style>
+            <a:lnRef idx="2">
+              <a:schemeClr val="accent1">
+                <a:shade val="50000"/>
+              </a:schemeClr>
+            </a:lnRef>
+            <a:fillRef idx="1">
+              <a:schemeClr val="accent1"/>
+            </a:fillRef>
+            <a:effectRef idx="0">
+              <a:schemeClr val="accent1"/>
+            </a:effectRef>
+            <a:fontRef idx="minor">
+              <a:schemeClr val="lt1"/>
+            </a:fontRef>
+          </p:style>
+          <p:txBody>
+            <a:bodyPr rtlCol="0" anchor="ctr"/>
+            <a:lstStyle/>
+            <a:p>
+              <a:pPr algn="ctr"/>
+              <a:endParaRPr lang="fr-FR"/>
+            </a:p>
+          </p:txBody>
+        </p:sp>
+        <p:sp>
+          <p:nvSpPr>
+            <p:cNvPr id="23" name="ZoneTexte 22">
+              <a:extLst>
+                <a:ext uri="{FF2B5EF4-FFF2-40B4-BE49-F238E27FC236}">
+                  <a16:creationId xmlns:a16="http://schemas.microsoft.com/office/drawing/2014/main" id="{ED9FDE57-2B48-4595-BBDB-6FC6D1A89B4D}"/>
+                </a:ext>
+              </a:extLst>
+            </p:cNvPr>
+            <p:cNvSpPr txBox="1"/>
+            <p:nvPr/>
+          </p:nvSpPr>
+          <p:spPr>
+            <a:xfrm>
+              <a:off x="2225997" y="1079551"/>
+              <a:ext cx="241684" cy="307777"/>
+            </a:xfrm>
+            <a:prstGeom prst="rect">
+              <a:avLst/>
+            </a:prstGeom>
+            <a:noFill/>
+          </p:spPr>
+          <p:txBody>
+            <a:bodyPr wrap="square" rtlCol="0">
+              <a:spAutoFit/>
+            </a:bodyPr>
+            <a:lstStyle/>
+            <a:p>
+              <a:pPr algn="ctr"/>
+              <a:r>
+                <a:rPr lang="fr-FR" sz="1400" dirty="0"/>
+                <a:t>+</a:t>
+              </a:r>
+            </a:p>
+          </p:txBody>
+        </p:sp>
+        <p:sp>
+          <p:nvSpPr>
+            <p:cNvPr id="24" name="ZoneTexte 23">
+              <a:extLst>
+                <a:ext uri="{FF2B5EF4-FFF2-40B4-BE49-F238E27FC236}">
+                  <a16:creationId xmlns:a16="http://schemas.microsoft.com/office/drawing/2014/main" id="{89C234DB-D452-4C1D-A110-1E01D1421732}"/>
+                </a:ext>
+              </a:extLst>
+            </p:cNvPr>
+            <p:cNvSpPr txBox="1"/>
+            <p:nvPr/>
+          </p:nvSpPr>
+          <p:spPr>
+            <a:xfrm>
+              <a:off x="2302482" y="1101431"/>
+              <a:ext cx="241684" cy="369332"/>
+            </a:xfrm>
+            <a:prstGeom prst="rect">
+              <a:avLst/>
+            </a:prstGeom>
+            <a:noFill/>
+          </p:spPr>
+          <p:txBody>
+            <a:bodyPr wrap="square" rtlCol="0">
+              <a:spAutoFit/>
+            </a:bodyPr>
+            <a:lstStyle/>
+            <a:p>
+              <a:pPr algn="ctr"/>
+              <a:r>
+                <a:rPr lang="fr-FR" dirty="0"/>
+                <a:t>-</a:t>
+              </a:r>
+            </a:p>
+          </p:txBody>
+        </p:sp>
+      </p:grpSp>
+      <p:cxnSp>
+        <p:nvCxnSpPr>
+          <p:cNvPr id="26" name="Connecteur droit avec flèche 25">
+            <a:extLst>
+              <a:ext uri="{FF2B5EF4-FFF2-40B4-BE49-F238E27FC236}">
+                <a16:creationId xmlns:a16="http://schemas.microsoft.com/office/drawing/2014/main" id="{E8FC64D1-D03D-40B2-92C8-8D3C90944073}"/>
+              </a:ext>
+            </a:extLst>
+          </p:cNvPr>
+          <p:cNvCxnSpPr>
+            <a:cxnSpLocks/>
+          </p:cNvCxnSpPr>
+          <p:nvPr/>
+        </p:nvCxnSpPr>
+        <p:spPr>
+          <a:xfrm>
+            <a:off x="1204242" y="3545378"/>
+            <a:ext cx="304238" cy="360"/>
+          </a:xfrm>
+          <a:prstGeom prst="straightConnector1">
+            <a:avLst/>
+          </a:prstGeom>
+          <a:solidFill>
+            <a:schemeClr val="accent1">
+              <a:lumMod val="20000"/>
+              <a:lumOff val="80000"/>
+            </a:schemeClr>
+          </a:solidFill>
+          <a:ln>
+            <a:solidFill>
+              <a:schemeClr val="accent1">
+                <a:lumMod val="50000"/>
+              </a:schemeClr>
+            </a:solidFill>
+            <a:headEnd type="none"/>
+            <a:tailEnd type="stealth" w="med" len="lg"/>
+          </a:ln>
+        </p:spPr>
+        <p:style>
+          <a:lnRef idx="2">
+            <a:schemeClr val="accent1">
+              <a:shade val="50000"/>
+            </a:schemeClr>
+          </a:lnRef>
+          <a:fillRef idx="1">
+            <a:schemeClr val="accent1"/>
+          </a:fillRef>
+          <a:effectRef idx="0">
+            <a:schemeClr val="accent1"/>
+          </a:effectRef>
+          <a:fontRef idx="minor">
+            <a:schemeClr val="lt1"/>
+          </a:fontRef>
+        </p:style>
+      </p:cxnSp>
+      <p:cxnSp>
+        <p:nvCxnSpPr>
+          <p:cNvPr id="33" name="Connecteur droit avec flèche 32">
+            <a:extLst>
+              <a:ext uri="{FF2B5EF4-FFF2-40B4-BE49-F238E27FC236}">
+                <a16:creationId xmlns:a16="http://schemas.microsoft.com/office/drawing/2014/main" id="{F30A0416-DFA7-4548-925B-9B1C381181F2}"/>
+              </a:ext>
+            </a:extLst>
+          </p:cNvPr>
+          <p:cNvCxnSpPr>
+            <a:cxnSpLocks/>
+          </p:cNvCxnSpPr>
+          <p:nvPr/>
+        </p:nvCxnSpPr>
+        <p:spPr>
+          <a:xfrm>
+            <a:off x="1655117" y="2932872"/>
+            <a:ext cx="0" cy="488963"/>
+          </a:xfrm>
+          <a:prstGeom prst="straightConnector1">
+            <a:avLst/>
+          </a:prstGeom>
+          <a:solidFill>
+            <a:schemeClr val="accent1">
+              <a:lumMod val="20000"/>
+              <a:lumOff val="80000"/>
+            </a:schemeClr>
+          </a:solidFill>
+          <a:ln>
+            <a:solidFill>
+              <a:schemeClr val="accent1">
+                <a:lumMod val="50000"/>
+              </a:schemeClr>
+            </a:solidFill>
+            <a:headEnd type="none"/>
+            <a:tailEnd type="stealth" w="med" len="lg"/>
+          </a:ln>
+        </p:spPr>
+        <p:style>
+          <a:lnRef idx="2">
+            <a:schemeClr val="accent1">
+              <a:shade val="50000"/>
+            </a:schemeClr>
+          </a:lnRef>
+          <a:fillRef idx="1">
+            <a:schemeClr val="accent1"/>
+          </a:fillRef>
+          <a:effectRef idx="0">
+            <a:schemeClr val="accent1"/>
+          </a:effectRef>
+          <a:fontRef idx="minor">
+            <a:schemeClr val="lt1"/>
+          </a:fontRef>
+        </p:style>
+      </p:cxnSp>
+      <p:cxnSp>
+        <p:nvCxnSpPr>
+          <p:cNvPr id="45" name="Connecteur droit avec flèche 44">
+            <a:extLst>
+              <a:ext uri="{FF2B5EF4-FFF2-40B4-BE49-F238E27FC236}">
+                <a16:creationId xmlns:a16="http://schemas.microsoft.com/office/drawing/2014/main" id="{7D3C7C56-1EF6-4E3A-BEF6-8DA855958644}"/>
+              </a:ext>
+            </a:extLst>
+          </p:cNvPr>
+          <p:cNvCxnSpPr>
+            <a:cxnSpLocks/>
+          </p:cNvCxnSpPr>
+          <p:nvPr/>
+        </p:nvCxnSpPr>
+        <p:spPr>
+          <a:xfrm>
+            <a:off x="1224253" y="2937427"/>
+            <a:ext cx="435154" cy="0"/>
+          </a:xfrm>
+          <a:prstGeom prst="straightConnector1">
+            <a:avLst/>
+          </a:prstGeom>
+          <a:solidFill>
+            <a:schemeClr val="accent1">
+              <a:lumMod val="20000"/>
+              <a:lumOff val="80000"/>
+            </a:schemeClr>
+          </a:solidFill>
+          <a:ln>
+            <a:solidFill>
+              <a:schemeClr val="accent1">
+                <a:lumMod val="50000"/>
+              </a:schemeClr>
+            </a:solidFill>
+            <a:headEnd type="none"/>
+            <a:tailEnd type="none" w="med" len="lg"/>
+          </a:ln>
+        </p:spPr>
+        <p:style>
+          <a:lnRef idx="2">
+            <a:schemeClr val="accent1">
+              <a:shade val="50000"/>
+            </a:schemeClr>
+          </a:lnRef>
+          <a:fillRef idx="1">
+            <a:schemeClr val="accent1"/>
+          </a:fillRef>
+          <a:effectRef idx="0">
+            <a:schemeClr val="accent1"/>
+          </a:effectRef>
+          <a:fontRef idx="minor">
+            <a:schemeClr val="lt1"/>
+          </a:fontRef>
+        </p:style>
+      </p:cxnSp>
+      <p:cxnSp>
+        <p:nvCxnSpPr>
+          <p:cNvPr id="36" name="Connecteur droit avec flèche 35">
+            <a:extLst>
+              <a:ext uri="{FF2B5EF4-FFF2-40B4-BE49-F238E27FC236}">
+                <a16:creationId xmlns:a16="http://schemas.microsoft.com/office/drawing/2014/main" id="{E5B1EE3D-12DA-4948-A6E8-98F6B00F1E1C}"/>
+              </a:ext>
+            </a:extLst>
+          </p:cNvPr>
+          <p:cNvCxnSpPr>
+            <a:cxnSpLocks/>
+          </p:cNvCxnSpPr>
+          <p:nvPr/>
+        </p:nvCxnSpPr>
+        <p:spPr>
+          <a:xfrm>
+            <a:off x="328150" y="2950419"/>
+            <a:ext cx="356103" cy="0"/>
+          </a:xfrm>
+          <a:prstGeom prst="straightConnector1">
+            <a:avLst/>
+          </a:prstGeom>
+          <a:solidFill>
+            <a:schemeClr val="accent1">
+              <a:lumMod val="20000"/>
+              <a:lumOff val="80000"/>
+            </a:schemeClr>
+          </a:solidFill>
+          <a:ln>
+            <a:solidFill>
+              <a:schemeClr val="accent1">
+                <a:lumMod val="50000"/>
+              </a:schemeClr>
+            </a:solidFill>
+            <a:headEnd type="none"/>
+            <a:tailEnd type="none" w="med" len="lg"/>
+          </a:ln>
+        </p:spPr>
+        <p:style>
+          <a:lnRef idx="2">
+            <a:schemeClr val="accent1">
+              <a:shade val="50000"/>
+            </a:schemeClr>
+          </a:lnRef>
+          <a:fillRef idx="1">
+            <a:schemeClr val="accent1"/>
+          </a:fillRef>
+          <a:effectRef idx="0">
+            <a:schemeClr val="accent1"/>
+          </a:effectRef>
+          <a:fontRef idx="minor">
+            <a:schemeClr val="lt1"/>
+          </a:fontRef>
+        </p:style>
+      </p:cxnSp>
+      <mc:AlternateContent xmlns:mc="http://schemas.openxmlformats.org/markup-compatibility/2006">
+        <mc:Choice xmlns:a14="http://schemas.microsoft.com/office/drawing/2010/main" Requires="a14">
+          <p:sp>
+            <p:nvSpPr>
+              <p:cNvPr id="34" name="ZoneTexte 33">
+                <a:extLst>
+                  <a:ext uri="{FF2B5EF4-FFF2-40B4-BE49-F238E27FC236}">
+                    <a16:creationId xmlns:a16="http://schemas.microsoft.com/office/drawing/2014/main" id="{6E7C2965-FDB6-4DC8-AD17-A9F0C068A42E}"/>
+                  </a:ext>
+                </a:extLst>
+              </p:cNvPr>
+              <p:cNvSpPr txBox="1"/>
+              <p:nvPr/>
+            </p:nvSpPr>
+            <p:spPr>
+              <a:xfrm>
+                <a:off x="332362" y="2729082"/>
+                <a:ext cx="351891" cy="184666"/>
+              </a:xfrm>
+              <a:prstGeom prst="rect">
+                <a:avLst/>
+              </a:prstGeom>
+              <a:noFill/>
+            </p:spPr>
+            <p:txBody>
+              <a:bodyPr wrap="none" lIns="0" tIns="0" rIns="0" bIns="0" rtlCol="0">
+                <a:spAutoFit/>
+              </a:bodyPr>
+              <a:lstStyle/>
+              <a:p>
+                <a:pPr/>
+                <a14:m>
+                  <m:oMathPara xmlns:m="http://schemas.openxmlformats.org/officeDocument/2006/math">
+                    <m:oMathParaPr>
+                      <m:jc m:val="centerGroup"/>
+                    </m:oMathParaPr>
+                    <m:oMath xmlns:m="http://schemas.openxmlformats.org/officeDocument/2006/math">
+                      <m:r>
+                        <a:rPr lang="fr-FR" sz="1200" b="0" i="1" smtClean="0">
+                          <a:latin typeface="Cambria Math" panose="02040503050406030204" pitchFamily="18" charset="0"/>
+                        </a:rPr>
+                        <m:t>𝑃</m:t>
+                      </m:r>
+                      <m:r>
+                        <a:rPr lang="fr-FR" sz="1200" b="0" i="1" smtClean="0">
+                          <a:latin typeface="Cambria Math" panose="02040503050406030204" pitchFamily="18" charset="0"/>
+                        </a:rPr>
+                        <m:t>(</m:t>
+                      </m:r>
+                      <m:r>
+                        <a:rPr lang="fr-FR" sz="1200" b="0" i="1" smtClean="0">
+                          <a:latin typeface="Cambria Math" panose="02040503050406030204" pitchFamily="18" charset="0"/>
+                        </a:rPr>
+                        <m:t>𝑝</m:t>
+                      </m:r>
+                      <m:r>
+                        <a:rPr lang="fr-FR" sz="1200" b="0" i="1" smtClean="0">
+                          <a:latin typeface="Cambria Math" panose="02040503050406030204" pitchFamily="18" charset="0"/>
+                        </a:rPr>
+                        <m:t>)</m:t>
+                      </m:r>
+                    </m:oMath>
+                  </m:oMathPara>
+                </a14:m>
+                <a:endParaRPr lang="fr-FR" sz="1200" dirty="0"/>
+              </a:p>
+            </p:txBody>
+          </p:sp>
+        </mc:Choice>
+        <mc:Fallback>
+          <p:sp>
+            <p:nvSpPr>
+              <p:cNvPr id="34" name="ZoneTexte 33">
+                <a:extLst>
+                  <a:ext uri="{FF2B5EF4-FFF2-40B4-BE49-F238E27FC236}">
+                    <a16:creationId xmlns:a16="http://schemas.microsoft.com/office/drawing/2014/main" id="{6E7C2965-FDB6-4DC8-AD17-A9F0C068A42E}"/>
+                  </a:ext>
+                </a:extLst>
+              </p:cNvPr>
+              <p:cNvSpPr txBox="1">
+                <a:spLocks noRot="1" noChangeAspect="1" noMove="1" noResize="1" noEditPoints="1" noAdjustHandles="1" noChangeArrowheads="1" noChangeShapeType="1" noTextEdit="1"/>
+              </p:cNvSpPr>
+              <p:nvPr/>
+            </p:nvSpPr>
+            <p:spPr>
+              <a:xfrm>
+                <a:off x="332362" y="2729082"/>
+                <a:ext cx="351891" cy="184666"/>
+              </a:xfrm>
+              <a:prstGeom prst="rect">
+                <a:avLst/>
+              </a:prstGeom>
+              <a:blipFill>
+                <a:blip r:embed="rId8"/>
+                <a:stretch>
+                  <a:fillRect l="-10526" t="-6667" r="-15789" b="-36667"/>
+                </a:stretch>
+              </a:blipFill>
+            </p:spPr>
+            <p:txBody>
+              <a:bodyPr/>
+              <a:lstStyle/>
+              <a:p>
+                <a:r>
+                  <a:rPr lang="fr-FR">
+                    <a:noFill/>
+                  </a:rPr>
+                  <a:t> </a:t>
+                </a:r>
+              </a:p>
+            </p:txBody>
+          </p:sp>
+        </mc:Fallback>
+      </mc:AlternateContent>
+    </p:spTree>
+    <p:extLst>
+      <p:ext uri="{BB962C8B-B14F-4D97-AF65-F5344CB8AC3E}">
+        <p14:creationId xmlns:p14="http://schemas.microsoft.com/office/powerpoint/2010/main" val="62812433"/>
       </p:ext>
     </p:extLst>
   </p:cSld>
